--- a/figs/riscy_figures.pptx
+++ b/figs/riscy_figures.pptx
@@ -5,7 +5,7 @@
     <p:sldMasterId id="2147483648" r:id="rId1"/>
   </p:sldMasterIdLst>
   <p:notesMasterIdLst>
-    <p:notesMasterId r:id="rId23"/>
+    <p:notesMasterId r:id="rId25"/>
   </p:notesMasterIdLst>
   <p:sldIdLst>
     <p:sldId id="258" r:id="rId2"/>
@@ -29,6 +29,8 @@
     <p:sldId id="280" r:id="rId20"/>
     <p:sldId id="281" r:id="rId21"/>
     <p:sldId id="282" r:id="rId22"/>
+    <p:sldId id="283" r:id="rId23"/>
+    <p:sldId id="284" r:id="rId24"/>
   </p:sldIdLst>
   <p:sldSz cx="12192000" cy="6858000"/>
   <p:notesSz cx="7315200" cy="9601200"/>
@@ -228,7 +230,7 @@
           <a:p>
             <a:fld id="{EB35BD43-560B-40E4-9E36-CC20FA59E34A}" type="datetimeFigureOut">
               <a:rPr lang="en-US" smtClean="0"/>
-              <a:t>2/9/2019</a:t>
+              <a:t>2/10/2019</a:t>
             </a:fld>
             <a:endParaRPr lang="en-US"/>
           </a:p>
@@ -761,7 +763,7 @@
           <a:p>
             <a:fld id="{0F52CA84-02BA-4E7B-9974-42FF5BD9CE82}" type="datetimeFigureOut">
               <a:rPr lang="en-US" smtClean="0"/>
-              <a:t>2/9/2019</a:t>
+              <a:t>2/10/2019</a:t>
             </a:fld>
             <a:endParaRPr lang="en-US"/>
           </a:p>
@@ -931,7 +933,7 @@
           <a:p>
             <a:fld id="{0F52CA84-02BA-4E7B-9974-42FF5BD9CE82}" type="datetimeFigureOut">
               <a:rPr lang="en-US" smtClean="0"/>
-              <a:t>2/9/2019</a:t>
+              <a:t>2/10/2019</a:t>
             </a:fld>
             <a:endParaRPr lang="en-US"/>
           </a:p>
@@ -1111,7 +1113,7 @@
           <a:p>
             <a:fld id="{0F52CA84-02BA-4E7B-9974-42FF5BD9CE82}" type="datetimeFigureOut">
               <a:rPr lang="en-US" smtClean="0"/>
-              <a:t>2/9/2019</a:t>
+              <a:t>2/10/2019</a:t>
             </a:fld>
             <a:endParaRPr lang="en-US"/>
           </a:p>
@@ -1281,7 +1283,7 @@
           <a:p>
             <a:fld id="{0F52CA84-02BA-4E7B-9974-42FF5BD9CE82}" type="datetimeFigureOut">
               <a:rPr lang="en-US" smtClean="0"/>
-              <a:t>2/9/2019</a:t>
+              <a:t>2/10/2019</a:t>
             </a:fld>
             <a:endParaRPr lang="en-US"/>
           </a:p>
@@ -1527,7 +1529,7 @@
           <a:p>
             <a:fld id="{0F52CA84-02BA-4E7B-9974-42FF5BD9CE82}" type="datetimeFigureOut">
               <a:rPr lang="en-US" smtClean="0"/>
-              <a:t>2/9/2019</a:t>
+              <a:t>2/10/2019</a:t>
             </a:fld>
             <a:endParaRPr lang="en-US"/>
           </a:p>
@@ -1815,7 +1817,7 @@
           <a:p>
             <a:fld id="{0F52CA84-02BA-4E7B-9974-42FF5BD9CE82}" type="datetimeFigureOut">
               <a:rPr lang="en-US" smtClean="0"/>
-              <a:t>2/9/2019</a:t>
+              <a:t>2/10/2019</a:t>
             </a:fld>
             <a:endParaRPr lang="en-US"/>
           </a:p>
@@ -2237,7 +2239,7 @@
           <a:p>
             <a:fld id="{0F52CA84-02BA-4E7B-9974-42FF5BD9CE82}" type="datetimeFigureOut">
               <a:rPr lang="en-US" smtClean="0"/>
-              <a:t>2/9/2019</a:t>
+              <a:t>2/10/2019</a:t>
             </a:fld>
             <a:endParaRPr lang="en-US"/>
           </a:p>
@@ -2355,7 +2357,7 @@
           <a:p>
             <a:fld id="{0F52CA84-02BA-4E7B-9974-42FF5BD9CE82}" type="datetimeFigureOut">
               <a:rPr lang="en-US" smtClean="0"/>
-              <a:t>2/9/2019</a:t>
+              <a:t>2/10/2019</a:t>
             </a:fld>
             <a:endParaRPr lang="en-US"/>
           </a:p>
@@ -2450,7 +2452,7 @@
           <a:p>
             <a:fld id="{0F52CA84-02BA-4E7B-9974-42FF5BD9CE82}" type="datetimeFigureOut">
               <a:rPr lang="en-US" smtClean="0"/>
-              <a:t>2/9/2019</a:t>
+              <a:t>2/10/2019</a:t>
             </a:fld>
             <a:endParaRPr lang="en-US"/>
           </a:p>
@@ -2727,7 +2729,7 @@
           <a:p>
             <a:fld id="{0F52CA84-02BA-4E7B-9974-42FF5BD9CE82}" type="datetimeFigureOut">
               <a:rPr lang="en-US" smtClean="0"/>
-              <a:t>2/9/2019</a:t>
+              <a:t>2/10/2019</a:t>
             </a:fld>
             <a:endParaRPr lang="en-US"/>
           </a:p>
@@ -2980,7 +2982,7 @@
           <a:p>
             <a:fld id="{0F52CA84-02BA-4E7B-9974-42FF5BD9CE82}" type="datetimeFigureOut">
               <a:rPr lang="en-US" smtClean="0"/>
-              <a:t>2/9/2019</a:t>
+              <a:t>2/10/2019</a:t>
             </a:fld>
             <a:endParaRPr lang="en-US"/>
           </a:p>
@@ -3193,7 +3195,7 @@
           <a:p>
             <a:fld id="{0F52CA84-02BA-4E7B-9974-42FF5BD9CE82}" type="datetimeFigureOut">
               <a:rPr lang="en-US" smtClean="0"/>
-              <a:t>2/9/2019</a:t>
+              <a:t>2/10/2019</a:t>
             </a:fld>
             <a:endParaRPr lang="en-US"/>
           </a:p>
@@ -21607,15 +21609,7 @@
                     <a:schemeClr val="tx1"/>
                   </a:solidFill>
                 </a:rPr>
-                <a:t>Non-blocking L1 </a:t>
-              </a:r>
-              <a:r>
-                <a:rPr lang="en-US" sz="2000" b="1" dirty="0" smtClean="0">
-                  <a:solidFill>
-                    <a:schemeClr val="tx1"/>
-                  </a:solidFill>
-                </a:rPr>
-                <a:t>D$</a:t>
+                <a:t>Non-blocking L1 D$</a:t>
               </a:r>
               <a:endParaRPr lang="en-US" sz="2000" b="1" dirty="0">
                 <a:solidFill>
@@ -33653,6 +33647,2220 @@
     <p:extLst>
       <p:ext uri="{BB962C8B-B14F-4D97-AF65-F5344CB8AC3E}">
         <p14:creationId xmlns:p14="http://schemas.microsoft.com/office/powerpoint/2010/main" val="853960823"/>
+      </p:ext>
+    </p:extLst>
+  </p:cSld>
+  <p:clrMapOvr>
+    <a:masterClrMapping/>
+  </p:clrMapOvr>
+  <p:timing>
+    <p:tnLst>
+      <p:par>
+        <p:cTn id="1" dur="indefinite" restart="never" nodeType="tmRoot"/>
+      </p:par>
+    </p:tnLst>
+  </p:timing>
+</p:sld>
+</file>
+
+<file path=ppt/slides/slide22.xml><?xml version="1.0" encoding="utf-8"?>
+<p:sld xmlns:a="http://schemas.openxmlformats.org/drawingml/2006/main" xmlns:r="http://schemas.openxmlformats.org/officeDocument/2006/relationships" xmlns:p="http://schemas.openxmlformats.org/presentationml/2006/main">
+  <p:cSld>
+    <p:spTree>
+      <p:nvGrpSpPr>
+        <p:cNvPr id="1" name=""/>
+        <p:cNvGrpSpPr/>
+        <p:nvPr/>
+      </p:nvGrpSpPr>
+      <p:grpSpPr>
+        <a:xfrm>
+          <a:off x="0" y="0"/>
+          <a:ext cx="0" cy="0"/>
+          <a:chOff x="0" y="0"/>
+          <a:chExt cx="0" cy="0"/>
+        </a:xfrm>
+      </p:grpSpPr>
+      <p:grpSp>
+        <p:nvGrpSpPr>
+          <p:cNvPr id="94" name="Group 93"/>
+          <p:cNvGrpSpPr/>
+          <p:nvPr/>
+        </p:nvGrpSpPr>
+        <p:grpSpPr>
+          <a:xfrm>
+            <a:off x="3161550" y="1398282"/>
+            <a:ext cx="5525250" cy="3321518"/>
+            <a:chOff x="3161550" y="1398282"/>
+            <a:chExt cx="5525250" cy="3321518"/>
+          </a:xfrm>
+        </p:grpSpPr>
+        <p:sp>
+          <p:nvSpPr>
+            <p:cNvPr id="13" name="Cloud 12"/>
+            <p:cNvSpPr/>
+            <p:nvPr/>
+          </p:nvSpPr>
+          <p:spPr>
+            <a:xfrm>
+              <a:off x="6837468" y="3406495"/>
+              <a:ext cx="1849332" cy="481029"/>
+            </a:xfrm>
+            <a:prstGeom prst="cloud">
+              <a:avLst/>
+            </a:prstGeom>
+            <a:solidFill>
+              <a:srgbClr val="4BACC6">
+                <a:lumMod val="40000"/>
+                <a:lumOff val="60000"/>
+              </a:srgbClr>
+            </a:solidFill>
+            <a:ln w="25400" cap="flat" cmpd="sng" algn="ctr">
+              <a:solidFill>
+                <a:sysClr val="windowText" lastClr="000000"/>
+              </a:solidFill>
+              <a:prstDash val="solid"/>
+            </a:ln>
+            <a:effectLst/>
+          </p:spPr>
+          <p:txBody>
+            <a:bodyPr rtlCol="0" anchor="ctr"/>
+            <a:lstStyle/>
+            <a:p>
+              <a:pPr marL="0" marR="0" lvl="0" indent="0" algn="ctr" defTabSz="914400" eaLnBrk="1" fontAlgn="auto" latinLnBrk="0" hangingPunct="1">
+                <a:lnSpc>
+                  <a:spcPct val="100000"/>
+                </a:lnSpc>
+                <a:spcBef>
+                  <a:spcPts val="0"/>
+                </a:spcBef>
+                <a:spcAft>
+                  <a:spcPts val="0"/>
+                </a:spcAft>
+                <a:buClrTx/>
+                <a:buSzTx/>
+                <a:buFontTx/>
+                <a:buNone/>
+                <a:tabLst/>
+                <a:defRPr/>
+              </a:pPr>
+              <a:r>
+                <a:rPr kumimoji="0" lang="en-US" sz="2000" b="0" i="0" u="none" strike="noStrike" kern="0" cap="none" spc="0" normalizeH="0" baseline="0" noProof="0" dirty="0" err="1" smtClean="0">
+                  <a:ln>
+                    <a:noFill/>
+                  </a:ln>
+                  <a:effectLst/>
+                  <a:uLnTx/>
+                  <a:uFillTx/>
+                  <a:latin typeface="Calibri"/>
+                  <a:ea typeface="+mn-ea"/>
+                  <a:cs typeface="+mn-cs"/>
+                </a:rPr>
+                <a:t>RegWrite</a:t>
+              </a:r>
+              <a:endParaRPr kumimoji="0" lang="en-US" sz="2000" b="0" i="0" u="none" strike="noStrike" kern="0" cap="none" spc="0" normalizeH="0" baseline="0" noProof="0" dirty="0" smtClean="0">
+                <a:ln>
+                  <a:noFill/>
+                </a:ln>
+                <a:effectLst/>
+                <a:uLnTx/>
+                <a:uFillTx/>
+                <a:latin typeface="Calibri"/>
+                <a:ea typeface="+mn-ea"/>
+                <a:cs typeface="+mn-cs"/>
+              </a:endParaRPr>
+            </a:p>
+          </p:txBody>
+        </p:sp>
+        <p:cxnSp>
+          <p:nvCxnSpPr>
+            <p:cNvPr id="15" name="Straight Arrow Connector 14"/>
+            <p:cNvCxnSpPr>
+              <a:stCxn id="13" idx="2"/>
+              <a:endCxn id="45" idx="2"/>
+            </p:cNvCxnSpPr>
+            <p:nvPr/>
+          </p:nvCxnSpPr>
+          <p:spPr>
+            <a:xfrm flipH="1">
+              <a:off x="4901163" y="3647010"/>
+              <a:ext cx="1942041" cy="0"/>
+            </a:xfrm>
+            <a:prstGeom prst="straightConnector1">
+              <a:avLst/>
+            </a:prstGeom>
+            <a:noFill/>
+            <a:ln w="19050" cap="flat" cmpd="sng" algn="ctr">
+              <a:solidFill>
+                <a:schemeClr val="tx1"/>
+              </a:solidFill>
+              <a:prstDash val="solid"/>
+              <a:headEnd type="none" w="med" len="med"/>
+              <a:tailEnd type="triangle" w="med" len="med"/>
+            </a:ln>
+            <a:effectLst/>
+          </p:spPr>
+        </p:cxnSp>
+        <p:cxnSp>
+          <p:nvCxnSpPr>
+            <p:cNvPr id="16" name="Elbow Connector 15"/>
+            <p:cNvCxnSpPr>
+              <a:stCxn id="13" idx="3"/>
+              <a:endCxn id="75" idx="2"/>
+            </p:cNvCxnSpPr>
+            <p:nvPr/>
+          </p:nvCxnSpPr>
+          <p:spPr>
+            <a:xfrm rot="16200000" flipV="1">
+              <a:off x="6966401" y="2638264"/>
+              <a:ext cx="839387" cy="752081"/>
+            </a:xfrm>
+            <a:prstGeom prst="bentConnector2">
+              <a:avLst/>
+            </a:prstGeom>
+            <a:noFill/>
+            <a:ln w="19050" cap="flat" cmpd="sng" algn="ctr">
+              <a:solidFill>
+                <a:schemeClr val="tx1"/>
+              </a:solidFill>
+              <a:prstDash val="solid"/>
+              <a:tailEnd type="triangle"/>
+            </a:ln>
+            <a:effectLst/>
+          </p:spPr>
+        </p:cxnSp>
+        <p:sp>
+          <p:nvSpPr>
+            <p:cNvPr id="17" name="Cloud 16"/>
+            <p:cNvSpPr/>
+            <p:nvPr/>
+          </p:nvSpPr>
+          <p:spPr>
+            <a:xfrm>
+              <a:off x="3164319" y="2382502"/>
+              <a:ext cx="1734077" cy="424216"/>
+            </a:xfrm>
+            <a:prstGeom prst="cloud">
+              <a:avLst/>
+            </a:prstGeom>
+            <a:solidFill>
+              <a:srgbClr val="4BACC6">
+                <a:lumMod val="40000"/>
+                <a:lumOff val="60000"/>
+              </a:srgbClr>
+            </a:solidFill>
+            <a:ln w="25400" cap="flat" cmpd="sng" algn="ctr">
+              <a:solidFill>
+                <a:sysClr val="windowText" lastClr="000000"/>
+              </a:solidFill>
+              <a:prstDash val="solid"/>
+            </a:ln>
+            <a:effectLst/>
+          </p:spPr>
+          <p:txBody>
+            <a:bodyPr rtlCol="0" anchor="ctr"/>
+            <a:lstStyle/>
+            <a:p>
+              <a:pPr marL="0" marR="0" lvl="0" indent="0" algn="ctr" defTabSz="914400" eaLnBrk="1" fontAlgn="auto" latinLnBrk="0" hangingPunct="1">
+                <a:lnSpc>
+                  <a:spcPct val="100000"/>
+                </a:lnSpc>
+                <a:spcBef>
+                  <a:spcPts val="0"/>
+                </a:spcBef>
+                <a:spcAft>
+                  <a:spcPts val="0"/>
+                </a:spcAft>
+                <a:buClrTx/>
+                <a:buSzTx/>
+                <a:buFontTx/>
+                <a:buNone/>
+                <a:tabLst/>
+                <a:defRPr/>
+              </a:pPr>
+              <a:r>
+                <a:rPr kumimoji="0" lang="en-US" sz="2000" b="0" i="0" u="none" strike="noStrike" kern="0" cap="none" spc="0" normalizeH="0" baseline="0" noProof="0" dirty="0" smtClean="0">
+                  <a:ln>
+                    <a:noFill/>
+                  </a:ln>
+                  <a:effectLst/>
+                  <a:uLnTx/>
+                  <a:uFillTx/>
+                  <a:latin typeface="Calibri"/>
+                  <a:ea typeface="+mn-ea"/>
+                  <a:cs typeface="+mn-cs"/>
+                </a:rPr>
+                <a:t>Rename</a:t>
+              </a:r>
+              <a:endParaRPr kumimoji="0" lang="en-US" sz="1600" b="0" i="0" u="none" strike="noStrike" kern="0" cap="none" spc="0" normalizeH="0" baseline="0" noProof="0" dirty="0" smtClean="0">
+                <a:ln>
+                  <a:noFill/>
+                </a:ln>
+                <a:effectLst/>
+                <a:uLnTx/>
+                <a:uFillTx/>
+                <a:latin typeface="Calibri"/>
+                <a:ea typeface="+mn-ea"/>
+                <a:cs typeface="+mn-cs"/>
+              </a:endParaRPr>
+            </a:p>
+          </p:txBody>
+        </p:sp>
+        <p:cxnSp>
+          <p:nvCxnSpPr>
+            <p:cNvPr id="19" name="Straight Arrow Connector 18"/>
+            <p:cNvCxnSpPr>
+              <a:stCxn id="17" idx="0"/>
+              <a:endCxn id="71" idx="0"/>
+            </p:cNvCxnSpPr>
+            <p:nvPr/>
+          </p:nvCxnSpPr>
+          <p:spPr>
+            <a:xfrm>
+              <a:off x="4896951" y="2594610"/>
+              <a:ext cx="360849" cy="0"/>
+            </a:xfrm>
+            <a:prstGeom prst="straightConnector1">
+              <a:avLst/>
+            </a:prstGeom>
+            <a:noFill/>
+            <a:ln w="19050" cap="flat" cmpd="sng" algn="ctr">
+              <a:solidFill>
+                <a:schemeClr val="tx1"/>
+              </a:solidFill>
+              <a:prstDash val="solid"/>
+              <a:headEnd type="triangle" w="med" len="med"/>
+              <a:tailEnd type="triangle" w="med" len="med"/>
+            </a:ln>
+            <a:effectLst/>
+          </p:spPr>
+        </p:cxnSp>
+        <p:cxnSp>
+          <p:nvCxnSpPr>
+            <p:cNvPr id="20" name="Straight Arrow Connector 19"/>
+            <p:cNvCxnSpPr>
+              <a:stCxn id="17" idx="1"/>
+              <a:endCxn id="6" idx="0"/>
+            </p:cNvCxnSpPr>
+            <p:nvPr/>
+          </p:nvCxnSpPr>
+          <p:spPr>
+            <a:xfrm flipH="1">
+              <a:off x="4031357" y="2806266"/>
+              <a:ext cx="1" cy="326175"/>
+            </a:xfrm>
+            <a:prstGeom prst="straightConnector1">
+              <a:avLst/>
+            </a:prstGeom>
+            <a:noFill/>
+            <a:ln w="19050" cap="flat" cmpd="sng" algn="ctr">
+              <a:solidFill>
+                <a:schemeClr val="tx1"/>
+              </a:solidFill>
+              <a:prstDash val="solid"/>
+              <a:headEnd type="none" w="med" len="med"/>
+              <a:tailEnd type="triangle" w="med" len="med"/>
+            </a:ln>
+            <a:effectLst/>
+          </p:spPr>
+        </p:cxnSp>
+        <p:sp>
+          <p:nvSpPr>
+            <p:cNvPr id="21" name="TextBox 20"/>
+            <p:cNvSpPr txBox="1"/>
+            <p:nvPr/>
+          </p:nvSpPr>
+          <p:spPr>
+            <a:xfrm>
+              <a:off x="3231258" y="1398282"/>
+              <a:ext cx="1600199" cy="707886"/>
+            </a:xfrm>
+            <a:prstGeom prst="rect">
+              <a:avLst/>
+            </a:prstGeom>
+            <a:noFill/>
+          </p:spPr>
+          <p:txBody>
+            <a:bodyPr wrap="square" rtlCol="0">
+              <a:spAutoFit/>
+            </a:bodyPr>
+            <a:lstStyle/>
+            <a:p>
+              <a:pPr algn="ctr"/>
+              <a:r>
+                <a:rPr lang="en-US" sz="2000" kern="0" dirty="0" smtClean="0">
+                  <a:solidFill>
+                    <a:prstClr val="black"/>
+                  </a:solidFill>
+                  <a:latin typeface="Calibri"/>
+                </a:rPr>
+                <a:t>Instruction </a:t>
+              </a:r>
+              <a:r>
+                <a:rPr lang="en-US" sz="2000" kern="0" dirty="0">
+                  <a:solidFill>
+                    <a:prstClr val="black"/>
+                  </a:solidFill>
+                  <a:latin typeface="Calibri"/>
+                </a:rPr>
+                <a:t>from Decode</a:t>
+              </a:r>
+            </a:p>
+          </p:txBody>
+        </p:sp>
+        <p:sp>
+          <p:nvSpPr>
+            <p:cNvPr id="24" name="Pentagon 23"/>
+            <p:cNvSpPr/>
+            <p:nvPr/>
+          </p:nvSpPr>
+          <p:spPr>
+            <a:xfrm>
+              <a:off x="4579163" y="4380139"/>
+              <a:ext cx="2654203" cy="339661"/>
+            </a:xfrm>
+            <a:prstGeom prst="homePlate">
+              <a:avLst/>
+            </a:prstGeom>
+            <a:solidFill>
+              <a:srgbClr val="D9D9D9"/>
+            </a:solidFill>
+            <a:ln w="25400" cap="flat" cmpd="sng" algn="ctr">
+              <a:solidFill>
+                <a:schemeClr val="tx1"/>
+              </a:solidFill>
+              <a:prstDash val="solid"/>
+            </a:ln>
+            <a:effectLst/>
+          </p:spPr>
+          <p:txBody>
+            <a:bodyPr rtlCol="0" anchor="ctr"/>
+            <a:lstStyle/>
+            <a:p>
+              <a:pPr marL="0" marR="0" lvl="0" indent="0" algn="ctr" defTabSz="914400" eaLnBrk="1" fontAlgn="auto" latinLnBrk="0" hangingPunct="1">
+                <a:lnSpc>
+                  <a:spcPct val="100000"/>
+                </a:lnSpc>
+                <a:spcBef>
+                  <a:spcPts val="0"/>
+                </a:spcBef>
+                <a:spcAft>
+                  <a:spcPts val="0"/>
+                </a:spcAft>
+                <a:buClrTx/>
+                <a:buSzTx/>
+                <a:buFontTx/>
+                <a:buNone/>
+                <a:tabLst/>
+                <a:defRPr/>
+              </a:pPr>
+              <a:r>
+                <a:rPr kumimoji="0" lang="en-US" sz="2000" b="0" i="0" u="none" strike="noStrike" kern="0" cap="none" spc="0" normalizeH="0" baseline="0" noProof="0" dirty="0" smtClean="0">
+                  <a:ln>
+                    <a:noFill/>
+                  </a:ln>
+                  <a:effectLst/>
+                  <a:uLnTx/>
+                  <a:uFillTx/>
+                  <a:latin typeface="Calibri"/>
+                  <a:ea typeface="+mn-ea"/>
+                  <a:cs typeface="+mn-cs"/>
+                </a:rPr>
+                <a:t>Execution Pipeline</a:t>
+              </a:r>
+            </a:p>
+          </p:txBody>
+        </p:sp>
+        <p:cxnSp>
+          <p:nvCxnSpPr>
+            <p:cNvPr id="25" name="Elbow Connector 24"/>
+            <p:cNvCxnSpPr>
+              <a:stCxn id="24" idx="3"/>
+              <a:endCxn id="13" idx="1"/>
+            </p:cNvCxnSpPr>
+            <p:nvPr/>
+          </p:nvCxnSpPr>
+          <p:spPr>
+            <a:xfrm flipV="1">
+              <a:off x="7233366" y="3887012"/>
+              <a:ext cx="528768" cy="662958"/>
+            </a:xfrm>
+            <a:prstGeom prst="bentConnector2">
+              <a:avLst/>
+            </a:prstGeom>
+            <a:noFill/>
+            <a:ln w="19050" cap="flat" cmpd="sng" algn="ctr">
+              <a:solidFill>
+                <a:sysClr val="windowText" lastClr="000000"/>
+              </a:solidFill>
+              <a:prstDash val="solid"/>
+              <a:tailEnd type="triangle"/>
+            </a:ln>
+            <a:effectLst/>
+          </p:spPr>
+        </p:cxnSp>
+        <p:cxnSp>
+          <p:nvCxnSpPr>
+            <p:cNvPr id="26" name="Elbow Connector 25"/>
+            <p:cNvCxnSpPr>
+              <a:stCxn id="24" idx="1"/>
+              <a:endCxn id="5" idx="2"/>
+            </p:cNvCxnSpPr>
+            <p:nvPr/>
+          </p:nvCxnSpPr>
+          <p:spPr bwMode="auto">
+            <a:xfrm rot="10800000">
+              <a:off x="4031357" y="4161578"/>
+              <a:ext cx="547806" cy="388392"/>
+            </a:xfrm>
+            <a:prstGeom prst="bentConnector2">
+              <a:avLst/>
+            </a:prstGeom>
+            <a:noFill/>
+            <a:ln w="19050" cap="flat" cmpd="sng" algn="ctr">
+              <a:solidFill>
+                <a:srgbClr val="1D1D1D"/>
+              </a:solidFill>
+              <a:prstDash val="solid"/>
+              <a:round/>
+              <a:headEnd type="triangle" w="med" len="med"/>
+              <a:tailEnd type="none" w="med" len="med"/>
+            </a:ln>
+            <a:effectLst/>
+          </p:spPr>
+        </p:cxnSp>
+        <p:grpSp>
+          <p:nvGrpSpPr>
+            <p:cNvPr id="78" name="Group 77"/>
+            <p:cNvGrpSpPr/>
+            <p:nvPr/>
+          </p:nvGrpSpPr>
+          <p:grpSpPr>
+            <a:xfrm>
+              <a:off x="3161550" y="3132441"/>
+              <a:ext cx="1739614" cy="1029137"/>
+              <a:chOff x="3180377" y="3132441"/>
+              <a:chExt cx="1739614" cy="1029137"/>
+            </a:xfrm>
+          </p:grpSpPr>
+          <p:sp>
+            <p:nvSpPr>
+              <p:cNvPr id="5" name="Rectangle 4"/>
+              <p:cNvSpPr/>
+              <p:nvPr/>
+            </p:nvSpPr>
+            <p:spPr>
+              <a:xfrm>
+                <a:off x="3180377" y="3132441"/>
+                <a:ext cx="1739614" cy="1029137"/>
+              </a:xfrm>
+              <a:prstGeom prst="rect">
+                <a:avLst/>
+              </a:prstGeom>
+              <a:solidFill>
+                <a:sysClr val="window" lastClr="FFFFFF">
+                  <a:lumMod val="85000"/>
+                </a:sysClr>
+              </a:solidFill>
+              <a:ln w="28575" cap="flat" cmpd="sng" algn="ctr">
+                <a:solidFill>
+                  <a:sysClr val="windowText" lastClr="000000"/>
+                </a:solidFill>
+                <a:prstDash val="solid"/>
+              </a:ln>
+              <a:effectLst/>
+            </p:spPr>
+            <p:txBody>
+              <a:bodyPr rtlCol="0" anchor="ctr"/>
+              <a:lstStyle/>
+              <a:p>
+                <a:pPr marL="0" marR="0" lvl="0" indent="0" algn="ctr" defTabSz="914400" eaLnBrk="1" fontAlgn="auto" latinLnBrk="0" hangingPunct="1">
+                  <a:lnSpc>
+                    <a:spcPct val="100000"/>
+                  </a:lnSpc>
+                  <a:spcBef>
+                    <a:spcPts val="0"/>
+                  </a:spcBef>
+                  <a:spcAft>
+                    <a:spcPts val="0"/>
+                  </a:spcAft>
+                  <a:buClrTx/>
+                  <a:buSzTx/>
+                  <a:buFontTx/>
+                  <a:buNone/>
+                  <a:tabLst/>
+                  <a:defRPr/>
+                </a:pPr>
+                <a:r>
+                  <a:rPr kumimoji="0" lang="en-US" sz="2000" b="0" i="0" u="none" strike="noStrike" kern="0" cap="none" spc="0" normalizeH="0" baseline="0" noProof="0" dirty="0" smtClean="0">
+                    <a:ln>
+                      <a:noFill/>
+                    </a:ln>
+                    <a:solidFill>
+                      <a:srgbClr val="1D1D1D"/>
+                    </a:solidFill>
+                    <a:effectLst/>
+                    <a:uLnTx/>
+                    <a:uFillTx/>
+                    <a:latin typeface="Calibri"/>
+                    <a:ea typeface="+mn-ea"/>
+                    <a:cs typeface="+mn-cs"/>
+                  </a:rPr>
+                  <a:t>IQ</a:t>
+                </a:r>
+                <a:endParaRPr kumimoji="0" lang="en-US" sz="2000" b="0" i="0" u="none" strike="noStrike" kern="0" cap="none" spc="0" normalizeH="0" baseline="0" noProof="0" dirty="0" smtClean="0">
+                  <a:ln>
+                    <a:noFill/>
+                  </a:ln>
+                  <a:solidFill>
+                    <a:srgbClr val="1D1D1D"/>
+                  </a:solidFill>
+                  <a:effectLst/>
+                  <a:uLnTx/>
+                  <a:uFillTx/>
+                  <a:latin typeface="Calibri"/>
+                  <a:ea typeface="+mn-ea"/>
+                  <a:cs typeface="+mn-cs"/>
+                </a:endParaRPr>
+              </a:p>
+            </p:txBody>
+          </p:sp>
+          <p:sp>
+            <p:nvSpPr>
+              <p:cNvPr id="6" name="Rectangle 5"/>
+              <p:cNvSpPr/>
+              <p:nvPr/>
+            </p:nvSpPr>
+            <p:spPr>
+              <a:xfrm>
+                <a:off x="3637611" y="3132441"/>
+                <a:ext cx="825146" cy="267086"/>
+              </a:xfrm>
+              <a:prstGeom prst="rect">
+                <a:avLst/>
+              </a:prstGeom>
+              <a:solidFill>
+                <a:schemeClr val="accent6"/>
+              </a:solidFill>
+              <a:ln w="25400" cap="flat" cmpd="sng" algn="ctr">
+                <a:solidFill>
+                  <a:sysClr val="windowText" lastClr="000000"/>
+                </a:solidFill>
+                <a:prstDash val="solid"/>
+              </a:ln>
+              <a:effectLst/>
+            </p:spPr>
+            <p:txBody>
+              <a:bodyPr rtlCol="0" anchor="ctr"/>
+              <a:lstStyle/>
+              <a:p>
+                <a:pPr marL="0" marR="0" lvl="0" indent="0" algn="ctr" defTabSz="914400" eaLnBrk="1" fontAlgn="auto" latinLnBrk="0" hangingPunct="1">
+                  <a:lnSpc>
+                    <a:spcPct val="100000"/>
+                  </a:lnSpc>
+                  <a:spcBef>
+                    <a:spcPts val="0"/>
+                  </a:spcBef>
+                  <a:spcAft>
+                    <a:spcPts val="0"/>
+                  </a:spcAft>
+                  <a:buClrTx/>
+                  <a:buSzTx/>
+                  <a:buFontTx/>
+                  <a:buNone/>
+                  <a:tabLst/>
+                  <a:defRPr/>
+                </a:pPr>
+                <a:r>
+                  <a:rPr kumimoji="0" lang="en-US" sz="1800" b="0" i="0" u="none" strike="noStrike" kern="0" cap="none" spc="0" normalizeH="0" baseline="0" noProof="0" dirty="0" smtClean="0">
+                    <a:ln>
+                      <a:noFill/>
+                    </a:ln>
+                    <a:solidFill>
+                      <a:prstClr val="white"/>
+                    </a:solidFill>
+                    <a:effectLst/>
+                    <a:uLnTx/>
+                    <a:uFillTx/>
+                    <a:latin typeface="Calibri"/>
+                    <a:ea typeface="+mn-ea"/>
+                    <a:cs typeface="+mn-cs"/>
+                  </a:rPr>
+                  <a:t>enter</a:t>
+                </a:r>
+                <a:endParaRPr kumimoji="0" lang="en-US" sz="1800" b="0" i="0" u="none" strike="noStrike" kern="0" cap="none" spc="0" normalizeH="0" baseline="0" noProof="0" dirty="0" smtClean="0">
+                  <a:ln>
+                    <a:noFill/>
+                  </a:ln>
+                  <a:solidFill>
+                    <a:prstClr val="white"/>
+                  </a:solidFill>
+                  <a:effectLst/>
+                  <a:uLnTx/>
+                  <a:uFillTx/>
+                  <a:latin typeface="Calibri"/>
+                  <a:ea typeface="+mn-ea"/>
+                  <a:cs typeface="+mn-cs"/>
+                </a:endParaRPr>
+              </a:p>
+            </p:txBody>
+          </p:sp>
+          <p:sp>
+            <p:nvSpPr>
+              <p:cNvPr id="45" name="Rectangle 44"/>
+              <p:cNvSpPr/>
+              <p:nvPr/>
+            </p:nvSpPr>
+            <p:spPr>
+              <a:xfrm rot="16200000">
+                <a:off x="4445477" y="3513467"/>
+                <a:ext cx="681940" cy="267086"/>
+              </a:xfrm>
+              <a:prstGeom prst="rect">
+                <a:avLst/>
+              </a:prstGeom>
+              <a:solidFill>
+                <a:schemeClr val="accent6"/>
+              </a:solidFill>
+              <a:ln w="25400" cap="flat" cmpd="sng" algn="ctr">
+                <a:solidFill>
+                  <a:sysClr val="windowText" lastClr="000000"/>
+                </a:solidFill>
+                <a:prstDash val="solid"/>
+              </a:ln>
+              <a:effectLst/>
+            </p:spPr>
+            <p:txBody>
+              <a:bodyPr rtlCol="0" anchor="ctr"/>
+              <a:lstStyle/>
+              <a:p>
+                <a:pPr marL="0" marR="0" lvl="0" indent="0" algn="ctr" defTabSz="914400" eaLnBrk="1" fontAlgn="auto" latinLnBrk="0" hangingPunct="1">
+                  <a:lnSpc>
+                    <a:spcPct val="100000"/>
+                  </a:lnSpc>
+                  <a:spcBef>
+                    <a:spcPts val="0"/>
+                  </a:spcBef>
+                  <a:spcAft>
+                    <a:spcPts val="0"/>
+                  </a:spcAft>
+                  <a:buClrTx/>
+                  <a:buSzTx/>
+                  <a:buFontTx/>
+                  <a:buNone/>
+                  <a:tabLst/>
+                  <a:defRPr/>
+                </a:pPr>
+                <a:r>
+                  <a:rPr kumimoji="0" lang="en-US" sz="1800" b="0" i="0" u="none" strike="noStrike" kern="0" cap="none" spc="0" normalizeH="0" baseline="0" noProof="0" dirty="0" smtClean="0">
+                    <a:ln>
+                      <a:noFill/>
+                    </a:ln>
+                    <a:solidFill>
+                      <a:prstClr val="white"/>
+                    </a:solidFill>
+                    <a:effectLst/>
+                    <a:uLnTx/>
+                    <a:uFillTx/>
+                    <a:latin typeface="Calibri"/>
+                    <a:ea typeface="+mn-ea"/>
+                    <a:cs typeface="+mn-cs"/>
+                  </a:rPr>
+                  <a:t>wake</a:t>
+                </a:r>
+                <a:endParaRPr kumimoji="0" lang="en-US" sz="1800" b="0" i="0" u="none" strike="noStrike" kern="0" cap="none" spc="0" normalizeH="0" baseline="0" noProof="0" dirty="0" smtClean="0">
+                  <a:ln>
+                    <a:noFill/>
+                  </a:ln>
+                  <a:solidFill>
+                    <a:prstClr val="white"/>
+                  </a:solidFill>
+                  <a:effectLst/>
+                  <a:uLnTx/>
+                  <a:uFillTx/>
+                  <a:latin typeface="Calibri"/>
+                  <a:ea typeface="+mn-ea"/>
+                  <a:cs typeface="+mn-cs"/>
+                </a:endParaRPr>
+              </a:p>
+            </p:txBody>
+          </p:sp>
+        </p:grpSp>
+        <p:grpSp>
+          <p:nvGrpSpPr>
+            <p:cNvPr id="79" name="Group 78"/>
+            <p:cNvGrpSpPr/>
+            <p:nvPr/>
+          </p:nvGrpSpPr>
+          <p:grpSpPr>
+            <a:xfrm>
+              <a:off x="5257800" y="2133600"/>
+              <a:ext cx="1752253" cy="922020"/>
+              <a:chOff x="5167555" y="2209800"/>
+              <a:chExt cx="1752253" cy="922020"/>
+            </a:xfrm>
+          </p:grpSpPr>
+          <p:sp>
+            <p:nvSpPr>
+              <p:cNvPr id="10" name="Rectangle 9"/>
+              <p:cNvSpPr/>
+              <p:nvPr/>
+            </p:nvSpPr>
+            <p:spPr>
+              <a:xfrm>
+                <a:off x="5167555" y="2209800"/>
+                <a:ext cx="1752253" cy="922020"/>
+              </a:xfrm>
+              <a:prstGeom prst="rect">
+                <a:avLst/>
+              </a:prstGeom>
+              <a:solidFill>
+                <a:sysClr val="window" lastClr="FFFFFF">
+                  <a:lumMod val="85000"/>
+                </a:sysClr>
+              </a:solidFill>
+              <a:ln w="28575" cap="flat" cmpd="sng" algn="ctr">
+                <a:solidFill>
+                  <a:sysClr val="windowText" lastClr="000000"/>
+                </a:solidFill>
+                <a:prstDash val="solid"/>
+              </a:ln>
+              <a:effectLst/>
+            </p:spPr>
+            <p:txBody>
+              <a:bodyPr rtlCol="0" anchor="ctr"/>
+              <a:lstStyle/>
+              <a:p>
+                <a:pPr marL="0" marR="0" lvl="0" indent="0" algn="ctr" defTabSz="914400" eaLnBrk="1" fontAlgn="auto" latinLnBrk="0" hangingPunct="1">
+                  <a:lnSpc>
+                    <a:spcPct val="100000"/>
+                  </a:lnSpc>
+                  <a:spcBef>
+                    <a:spcPts val="0"/>
+                  </a:spcBef>
+                  <a:spcAft>
+                    <a:spcPts val="0"/>
+                  </a:spcAft>
+                  <a:buClrTx/>
+                  <a:buSzTx/>
+                  <a:buFontTx/>
+                  <a:buNone/>
+                  <a:tabLst/>
+                  <a:defRPr/>
+                </a:pPr>
+                <a:r>
+                  <a:rPr kumimoji="0" lang="en-US" sz="2000" b="0" i="0" u="none" strike="noStrike" kern="0" cap="none" spc="0" normalizeH="0" baseline="0" noProof="0" dirty="0" smtClean="0">
+                    <a:ln>
+                      <a:noFill/>
+                    </a:ln>
+                    <a:solidFill>
+                      <a:srgbClr val="1D1D1D"/>
+                    </a:solidFill>
+                    <a:effectLst/>
+                    <a:uLnTx/>
+                    <a:uFillTx/>
+                    <a:latin typeface="Calibri"/>
+                    <a:ea typeface="+mn-ea"/>
+                    <a:cs typeface="+mn-cs"/>
+                  </a:rPr>
+                  <a:t>RDYB</a:t>
+                </a:r>
+                <a:endParaRPr kumimoji="0" lang="en-US" sz="2000" b="0" i="0" u="none" strike="noStrike" kern="0" cap="none" spc="0" normalizeH="0" baseline="0" noProof="0" dirty="0" smtClean="0">
+                  <a:ln>
+                    <a:noFill/>
+                  </a:ln>
+                  <a:solidFill>
+                    <a:srgbClr val="1D1D1D"/>
+                  </a:solidFill>
+                  <a:effectLst/>
+                  <a:uLnTx/>
+                  <a:uFillTx/>
+                  <a:latin typeface="Calibri"/>
+                  <a:ea typeface="+mn-ea"/>
+                  <a:cs typeface="+mn-cs"/>
+                </a:endParaRPr>
+              </a:p>
+            </p:txBody>
+          </p:sp>
+          <p:sp>
+            <p:nvSpPr>
+              <p:cNvPr id="71" name="Rectangle 70"/>
+              <p:cNvSpPr/>
+              <p:nvPr/>
+            </p:nvSpPr>
+            <p:spPr>
+              <a:xfrm rot="16200000">
+                <a:off x="4926031" y="2537267"/>
+                <a:ext cx="750134" cy="267086"/>
+              </a:xfrm>
+              <a:prstGeom prst="rect">
+                <a:avLst/>
+              </a:prstGeom>
+              <a:solidFill>
+                <a:schemeClr val="accent6"/>
+              </a:solidFill>
+              <a:ln w="25400" cap="flat" cmpd="sng" algn="ctr">
+                <a:solidFill>
+                  <a:sysClr val="windowText" lastClr="000000"/>
+                </a:solidFill>
+                <a:prstDash val="solid"/>
+              </a:ln>
+              <a:effectLst/>
+            </p:spPr>
+            <p:txBody>
+              <a:bodyPr rtlCol="0" anchor="ctr"/>
+              <a:lstStyle/>
+              <a:p>
+                <a:pPr marL="0" marR="0" lvl="0" indent="0" algn="ctr" defTabSz="914400" eaLnBrk="1" fontAlgn="auto" latinLnBrk="0" hangingPunct="1">
+                  <a:lnSpc>
+                    <a:spcPct val="100000"/>
+                  </a:lnSpc>
+                  <a:spcBef>
+                    <a:spcPts val="0"/>
+                  </a:spcBef>
+                  <a:spcAft>
+                    <a:spcPts val="0"/>
+                  </a:spcAft>
+                  <a:buClrTx/>
+                  <a:buSzTx/>
+                  <a:buFontTx/>
+                  <a:buNone/>
+                  <a:tabLst/>
+                  <a:defRPr/>
+                </a:pPr>
+                <a:r>
+                  <a:rPr lang="en-US" kern="0" dirty="0" smtClean="0">
+                    <a:solidFill>
+                      <a:prstClr val="white"/>
+                    </a:solidFill>
+                    <a:latin typeface="Calibri"/>
+                  </a:rPr>
+                  <a:t>check</a:t>
+                </a:r>
+                <a:endParaRPr kumimoji="0" lang="en-US" sz="1800" b="0" i="0" u="none" strike="noStrike" kern="0" cap="none" spc="0" normalizeH="0" baseline="0" noProof="0" dirty="0" smtClean="0">
+                  <a:ln>
+                    <a:noFill/>
+                  </a:ln>
+                  <a:solidFill>
+                    <a:prstClr val="white"/>
+                  </a:solidFill>
+                  <a:effectLst/>
+                  <a:uLnTx/>
+                  <a:uFillTx/>
+                  <a:latin typeface="Calibri"/>
+                  <a:ea typeface="+mn-ea"/>
+                  <a:cs typeface="+mn-cs"/>
+                </a:endParaRPr>
+              </a:p>
+            </p:txBody>
+          </p:sp>
+          <p:sp>
+            <p:nvSpPr>
+              <p:cNvPr id="75" name="Rectangle 74"/>
+              <p:cNvSpPr/>
+              <p:nvPr/>
+            </p:nvSpPr>
+            <p:spPr>
+              <a:xfrm rot="16200000">
+                <a:off x="6411198" y="2537268"/>
+                <a:ext cx="750134" cy="267086"/>
+              </a:xfrm>
+              <a:prstGeom prst="rect">
+                <a:avLst/>
+              </a:prstGeom>
+              <a:solidFill>
+                <a:schemeClr val="accent6"/>
+              </a:solidFill>
+              <a:ln w="25400" cap="flat" cmpd="sng" algn="ctr">
+                <a:solidFill>
+                  <a:sysClr val="windowText" lastClr="000000"/>
+                </a:solidFill>
+                <a:prstDash val="solid"/>
+              </a:ln>
+              <a:effectLst/>
+            </p:spPr>
+            <p:txBody>
+              <a:bodyPr rtlCol="0" anchor="ctr"/>
+              <a:lstStyle/>
+              <a:p>
+                <a:pPr marL="0" marR="0" lvl="0" indent="0" algn="ctr" defTabSz="914400" eaLnBrk="1" fontAlgn="auto" latinLnBrk="0" hangingPunct="1">
+                  <a:lnSpc>
+                    <a:spcPct val="100000"/>
+                  </a:lnSpc>
+                  <a:spcBef>
+                    <a:spcPts val="0"/>
+                  </a:spcBef>
+                  <a:spcAft>
+                    <a:spcPts val="0"/>
+                  </a:spcAft>
+                  <a:buClrTx/>
+                  <a:buSzTx/>
+                  <a:buFontTx/>
+                  <a:buNone/>
+                  <a:tabLst/>
+                  <a:defRPr/>
+                </a:pPr>
+                <a:r>
+                  <a:rPr lang="en-US" kern="0" dirty="0" smtClean="0">
+                    <a:solidFill>
+                      <a:prstClr val="white"/>
+                    </a:solidFill>
+                    <a:latin typeface="Calibri"/>
+                  </a:rPr>
+                  <a:t>set</a:t>
+                </a:r>
+                <a:endParaRPr kumimoji="0" lang="en-US" sz="1800" b="0" i="0" u="none" strike="noStrike" kern="0" cap="none" spc="0" normalizeH="0" baseline="0" noProof="0" dirty="0" smtClean="0">
+                  <a:ln>
+                    <a:noFill/>
+                  </a:ln>
+                  <a:solidFill>
+                    <a:prstClr val="white"/>
+                  </a:solidFill>
+                  <a:effectLst/>
+                  <a:uLnTx/>
+                  <a:uFillTx/>
+                  <a:latin typeface="Calibri"/>
+                  <a:ea typeface="+mn-ea"/>
+                  <a:cs typeface="+mn-cs"/>
+                </a:endParaRPr>
+              </a:p>
+            </p:txBody>
+          </p:sp>
+        </p:grpSp>
+        <p:cxnSp>
+          <p:nvCxnSpPr>
+            <p:cNvPr id="91" name="Straight Arrow Connector 90"/>
+            <p:cNvCxnSpPr>
+              <a:stCxn id="21" idx="2"/>
+              <a:endCxn id="17" idx="3"/>
+            </p:cNvCxnSpPr>
+            <p:nvPr/>
+          </p:nvCxnSpPr>
+          <p:spPr>
+            <a:xfrm>
+              <a:off x="4031358" y="2106168"/>
+              <a:ext cx="0" cy="300589"/>
+            </a:xfrm>
+            <a:prstGeom prst="straightConnector1">
+              <a:avLst/>
+            </a:prstGeom>
+            <a:noFill/>
+            <a:ln w="19050" cap="flat" cmpd="sng" algn="ctr">
+              <a:solidFill>
+                <a:schemeClr val="tx1"/>
+              </a:solidFill>
+              <a:prstDash val="solid"/>
+              <a:headEnd type="none" w="med" len="med"/>
+              <a:tailEnd type="triangle" w="med" len="med"/>
+            </a:ln>
+            <a:effectLst/>
+          </p:spPr>
+        </p:cxnSp>
+      </p:grpSp>
+    </p:spTree>
+    <p:extLst>
+      <p:ext uri="{BB962C8B-B14F-4D97-AF65-F5344CB8AC3E}">
+        <p14:creationId xmlns:p14="http://schemas.microsoft.com/office/powerpoint/2010/main" val="263207893"/>
+      </p:ext>
+    </p:extLst>
+  </p:cSld>
+  <p:clrMapOvr>
+    <a:masterClrMapping/>
+  </p:clrMapOvr>
+  <p:timing>
+    <p:tnLst>
+      <p:par>
+        <p:cTn id="1" dur="indefinite" restart="never" nodeType="tmRoot"/>
+      </p:par>
+    </p:tnLst>
+  </p:timing>
+</p:sld>
+</file>
+
+<file path=ppt/slides/slide23.xml><?xml version="1.0" encoding="utf-8"?>
+<p:sld xmlns:a="http://schemas.openxmlformats.org/drawingml/2006/main" xmlns:r="http://schemas.openxmlformats.org/officeDocument/2006/relationships" xmlns:p="http://schemas.openxmlformats.org/presentationml/2006/main">
+  <p:cSld>
+    <p:spTree>
+      <p:nvGrpSpPr>
+        <p:cNvPr id="1" name=""/>
+        <p:cNvGrpSpPr/>
+        <p:nvPr/>
+      </p:nvGrpSpPr>
+      <p:grpSpPr>
+        <a:xfrm>
+          <a:off x="0" y="0"/>
+          <a:ext cx="0" cy="0"/>
+          <a:chOff x="0" y="0"/>
+          <a:chExt cx="0" cy="0"/>
+        </a:xfrm>
+      </p:grpSpPr>
+      <p:grpSp>
+        <p:nvGrpSpPr>
+          <p:cNvPr id="12" name="Group 11"/>
+          <p:cNvGrpSpPr/>
+          <p:nvPr/>
+        </p:nvGrpSpPr>
+        <p:grpSpPr>
+          <a:xfrm>
+            <a:off x="890521" y="1143000"/>
+            <a:ext cx="9625079" cy="3576800"/>
+            <a:chOff x="890521" y="1143000"/>
+            <a:chExt cx="9625079" cy="3576800"/>
+          </a:xfrm>
+        </p:grpSpPr>
+        <p:sp>
+          <p:nvSpPr>
+            <p:cNvPr id="13" name="Cloud 12"/>
+            <p:cNvSpPr/>
+            <p:nvPr/>
+          </p:nvSpPr>
+          <p:spPr>
+            <a:xfrm>
+              <a:off x="6472623" y="3406495"/>
+              <a:ext cx="1849332" cy="481029"/>
+            </a:xfrm>
+            <a:prstGeom prst="cloud">
+              <a:avLst/>
+            </a:prstGeom>
+            <a:solidFill>
+              <a:srgbClr val="4BACC6">
+                <a:lumMod val="40000"/>
+                <a:lumOff val="60000"/>
+              </a:srgbClr>
+            </a:solidFill>
+            <a:ln w="25400" cap="flat" cmpd="sng" algn="ctr">
+              <a:solidFill>
+                <a:sysClr val="windowText" lastClr="000000"/>
+              </a:solidFill>
+              <a:prstDash val="solid"/>
+            </a:ln>
+            <a:effectLst/>
+          </p:spPr>
+          <p:txBody>
+            <a:bodyPr rtlCol="0" anchor="ctr"/>
+            <a:lstStyle/>
+            <a:p>
+              <a:pPr marL="0" marR="0" lvl="0" indent="0" algn="ctr" defTabSz="914400" eaLnBrk="1" fontAlgn="auto" latinLnBrk="0" hangingPunct="1">
+                <a:lnSpc>
+                  <a:spcPct val="100000"/>
+                </a:lnSpc>
+                <a:spcBef>
+                  <a:spcPts val="0"/>
+                </a:spcBef>
+                <a:spcAft>
+                  <a:spcPts val="0"/>
+                </a:spcAft>
+                <a:buClrTx/>
+                <a:buSzTx/>
+                <a:buFontTx/>
+                <a:buNone/>
+                <a:tabLst/>
+                <a:defRPr/>
+              </a:pPr>
+              <a:r>
+                <a:rPr kumimoji="0" lang="en-US" sz="2000" b="0" i="0" u="none" strike="noStrike" kern="0" cap="none" spc="0" normalizeH="0" baseline="0" noProof="0" dirty="0" err="1" smtClean="0">
+                  <a:ln>
+                    <a:noFill/>
+                  </a:ln>
+                  <a:effectLst/>
+                  <a:uLnTx/>
+                  <a:uFillTx/>
+                  <a:latin typeface="Calibri"/>
+                  <a:ea typeface="+mn-ea"/>
+                  <a:cs typeface="+mn-cs"/>
+                </a:rPr>
+                <a:t>RegWrite</a:t>
+              </a:r>
+              <a:endParaRPr kumimoji="0" lang="en-US" sz="2000" b="0" i="0" u="none" strike="noStrike" kern="0" cap="none" spc="0" normalizeH="0" baseline="0" noProof="0" dirty="0" smtClean="0">
+                <a:ln>
+                  <a:noFill/>
+                </a:ln>
+                <a:effectLst/>
+                <a:uLnTx/>
+                <a:uFillTx/>
+                <a:latin typeface="Calibri"/>
+                <a:ea typeface="+mn-ea"/>
+                <a:cs typeface="+mn-cs"/>
+              </a:endParaRPr>
+            </a:p>
+          </p:txBody>
+        </p:sp>
+        <p:cxnSp>
+          <p:nvCxnSpPr>
+            <p:cNvPr id="15" name="Straight Arrow Connector 14"/>
+            <p:cNvCxnSpPr>
+              <a:stCxn id="13" idx="2"/>
+              <a:endCxn id="45" idx="2"/>
+            </p:cNvCxnSpPr>
+            <p:nvPr/>
+          </p:nvCxnSpPr>
+          <p:spPr>
+            <a:xfrm flipH="1">
+              <a:off x="4901163" y="3647010"/>
+              <a:ext cx="1577196" cy="0"/>
+            </a:xfrm>
+            <a:prstGeom prst="straightConnector1">
+              <a:avLst/>
+            </a:prstGeom>
+            <a:noFill/>
+            <a:ln w="19050" cap="flat" cmpd="sng" algn="ctr">
+              <a:solidFill>
+                <a:schemeClr val="tx1"/>
+              </a:solidFill>
+              <a:prstDash val="solid"/>
+              <a:headEnd type="none" w="med" len="med"/>
+              <a:tailEnd type="triangle" w="med" len="med"/>
+            </a:ln>
+            <a:effectLst/>
+          </p:spPr>
+        </p:cxnSp>
+        <p:cxnSp>
+          <p:nvCxnSpPr>
+            <p:cNvPr id="16" name="Elbow Connector 15"/>
+            <p:cNvCxnSpPr>
+              <a:stCxn id="13" idx="3"/>
+              <a:endCxn id="75" idx="2"/>
+            </p:cNvCxnSpPr>
+            <p:nvPr/>
+          </p:nvCxnSpPr>
+          <p:spPr>
+            <a:xfrm rot="16200000" flipV="1">
+              <a:off x="6783978" y="2820687"/>
+              <a:ext cx="839387" cy="387236"/>
+            </a:xfrm>
+            <a:prstGeom prst="bentConnector2">
+              <a:avLst/>
+            </a:prstGeom>
+            <a:noFill/>
+            <a:ln w="19050" cap="flat" cmpd="sng" algn="ctr">
+              <a:solidFill>
+                <a:schemeClr val="tx1"/>
+              </a:solidFill>
+              <a:prstDash val="solid"/>
+              <a:tailEnd type="triangle"/>
+            </a:ln>
+            <a:effectLst/>
+          </p:spPr>
+        </p:cxnSp>
+        <p:sp>
+          <p:nvSpPr>
+            <p:cNvPr id="17" name="Cloud 16"/>
+            <p:cNvSpPr/>
+            <p:nvPr/>
+          </p:nvSpPr>
+          <p:spPr>
+            <a:xfrm>
+              <a:off x="3164319" y="2382502"/>
+              <a:ext cx="1734077" cy="424216"/>
+            </a:xfrm>
+            <a:prstGeom prst="cloud">
+              <a:avLst/>
+            </a:prstGeom>
+            <a:solidFill>
+              <a:srgbClr val="4BACC6">
+                <a:lumMod val="40000"/>
+                <a:lumOff val="60000"/>
+              </a:srgbClr>
+            </a:solidFill>
+            <a:ln w="25400" cap="flat" cmpd="sng" algn="ctr">
+              <a:solidFill>
+                <a:sysClr val="windowText" lastClr="000000"/>
+              </a:solidFill>
+              <a:prstDash val="solid"/>
+            </a:ln>
+            <a:effectLst/>
+          </p:spPr>
+          <p:txBody>
+            <a:bodyPr rtlCol="0" anchor="ctr"/>
+            <a:lstStyle/>
+            <a:p>
+              <a:pPr marL="0" marR="0" lvl="0" indent="0" algn="ctr" defTabSz="914400" eaLnBrk="1" fontAlgn="auto" latinLnBrk="0" hangingPunct="1">
+                <a:lnSpc>
+                  <a:spcPct val="100000"/>
+                </a:lnSpc>
+                <a:spcBef>
+                  <a:spcPts val="0"/>
+                </a:spcBef>
+                <a:spcAft>
+                  <a:spcPts val="0"/>
+                </a:spcAft>
+                <a:buClrTx/>
+                <a:buSzTx/>
+                <a:buFontTx/>
+                <a:buNone/>
+                <a:tabLst/>
+                <a:defRPr/>
+              </a:pPr>
+              <a:r>
+                <a:rPr kumimoji="0" lang="en-US" sz="2000" b="0" i="0" u="none" strike="noStrike" kern="0" cap="none" spc="0" normalizeH="0" baseline="0" noProof="0" dirty="0" smtClean="0">
+                  <a:ln>
+                    <a:noFill/>
+                  </a:ln>
+                  <a:effectLst/>
+                  <a:uLnTx/>
+                  <a:uFillTx/>
+                  <a:latin typeface="Calibri"/>
+                  <a:ea typeface="+mn-ea"/>
+                  <a:cs typeface="+mn-cs"/>
+                </a:rPr>
+                <a:t>Rename</a:t>
+              </a:r>
+              <a:endParaRPr kumimoji="0" lang="en-US" sz="1600" b="0" i="0" u="none" strike="noStrike" kern="0" cap="none" spc="0" normalizeH="0" baseline="0" noProof="0" dirty="0" smtClean="0">
+                <a:ln>
+                  <a:noFill/>
+                </a:ln>
+                <a:effectLst/>
+                <a:uLnTx/>
+                <a:uFillTx/>
+                <a:latin typeface="Calibri"/>
+                <a:ea typeface="+mn-ea"/>
+                <a:cs typeface="+mn-cs"/>
+              </a:endParaRPr>
+            </a:p>
+          </p:txBody>
+        </p:sp>
+        <p:cxnSp>
+          <p:nvCxnSpPr>
+            <p:cNvPr id="19" name="Straight Arrow Connector 18"/>
+            <p:cNvCxnSpPr>
+              <a:stCxn id="17" idx="0"/>
+              <a:endCxn id="71" idx="0"/>
+            </p:cNvCxnSpPr>
+            <p:nvPr/>
+          </p:nvCxnSpPr>
+          <p:spPr>
+            <a:xfrm>
+              <a:off x="4896951" y="2594610"/>
+              <a:ext cx="360849" cy="0"/>
+            </a:xfrm>
+            <a:prstGeom prst="straightConnector1">
+              <a:avLst/>
+            </a:prstGeom>
+            <a:noFill/>
+            <a:ln w="19050" cap="flat" cmpd="sng" algn="ctr">
+              <a:solidFill>
+                <a:schemeClr val="tx1"/>
+              </a:solidFill>
+              <a:prstDash val="solid"/>
+              <a:headEnd type="triangle" w="med" len="med"/>
+              <a:tailEnd type="triangle" w="med" len="med"/>
+            </a:ln>
+            <a:effectLst/>
+          </p:spPr>
+        </p:cxnSp>
+        <p:cxnSp>
+          <p:nvCxnSpPr>
+            <p:cNvPr id="20" name="Straight Arrow Connector 19"/>
+            <p:cNvCxnSpPr>
+              <a:stCxn id="17" idx="1"/>
+              <a:endCxn id="6" idx="0"/>
+            </p:cNvCxnSpPr>
+            <p:nvPr/>
+          </p:nvCxnSpPr>
+          <p:spPr>
+            <a:xfrm flipH="1">
+              <a:off x="4031357" y="2806266"/>
+              <a:ext cx="1" cy="326175"/>
+            </a:xfrm>
+            <a:prstGeom prst="straightConnector1">
+              <a:avLst/>
+            </a:prstGeom>
+            <a:noFill/>
+            <a:ln w="19050" cap="flat" cmpd="sng" algn="ctr">
+              <a:solidFill>
+                <a:schemeClr val="tx1"/>
+              </a:solidFill>
+              <a:prstDash val="solid"/>
+              <a:headEnd type="none" w="med" len="med"/>
+              <a:tailEnd type="triangle" w="med" len="med"/>
+            </a:ln>
+            <a:effectLst/>
+          </p:spPr>
+        </p:cxnSp>
+        <p:sp>
+          <p:nvSpPr>
+            <p:cNvPr id="21" name="TextBox 20"/>
+            <p:cNvSpPr txBox="1"/>
+            <p:nvPr/>
+          </p:nvSpPr>
+          <p:spPr>
+            <a:xfrm>
+              <a:off x="3231258" y="1143000"/>
+              <a:ext cx="1600199" cy="400110"/>
+            </a:xfrm>
+            <a:prstGeom prst="rect">
+              <a:avLst/>
+            </a:prstGeom>
+            <a:noFill/>
+          </p:spPr>
+          <p:txBody>
+            <a:bodyPr wrap="square" rtlCol="0">
+              <a:spAutoFit/>
+            </a:bodyPr>
+            <a:lstStyle/>
+            <a:p>
+              <a:pPr algn="ctr"/>
+              <a:r>
+                <a:rPr lang="en-US" sz="2000" b="1" i="1" dirty="0">
+                  <a:latin typeface="Verdana" panose="020B0604030504040204" pitchFamily="34" charset="0"/>
+                  <a:ea typeface="Verdana" panose="020B0604030504040204" pitchFamily="34" charset="0"/>
+                </a:rPr>
+                <a:t>I </a:t>
+              </a:r>
+              <a:r>
+                <a:rPr lang="en-US" sz="2000" kern="0" dirty="0" smtClean="0">
+                  <a:solidFill>
+                    <a:prstClr val="black"/>
+                  </a:solidFill>
+                  <a:latin typeface="Calibri"/>
+                </a:rPr>
+                <a:t>: P10=</a:t>
+              </a:r>
+              <a:r>
+                <a:rPr lang="en-US" sz="2000" kern="0" dirty="0" smtClean="0">
+                  <a:solidFill>
+                    <a:srgbClr val="FF0000"/>
+                  </a:solidFill>
+                  <a:latin typeface="Calibri"/>
+                </a:rPr>
+                <a:t>P3</a:t>
+              </a:r>
+              <a:r>
+                <a:rPr lang="en-US" sz="2000" kern="0" dirty="0" smtClean="0">
+                  <a:solidFill>
+                    <a:prstClr val="black"/>
+                  </a:solidFill>
+                  <a:latin typeface="Calibri"/>
+                </a:rPr>
+                <a:t>+1</a:t>
+              </a:r>
+              <a:endParaRPr lang="en-US" sz="2000" kern="0" dirty="0">
+                <a:solidFill>
+                  <a:prstClr val="black"/>
+                </a:solidFill>
+                <a:latin typeface="Calibri"/>
+              </a:endParaRPr>
+            </a:p>
+          </p:txBody>
+        </p:sp>
+        <p:sp>
+          <p:nvSpPr>
+            <p:cNvPr id="24" name="Pentagon 23"/>
+            <p:cNvSpPr/>
+            <p:nvPr/>
+          </p:nvSpPr>
+          <p:spPr>
+            <a:xfrm>
+              <a:off x="4508597" y="4380139"/>
+              <a:ext cx="2654203" cy="339661"/>
+            </a:xfrm>
+            <a:prstGeom prst="homePlate">
+              <a:avLst/>
+            </a:prstGeom>
+            <a:solidFill>
+              <a:srgbClr val="D9D9D9"/>
+            </a:solidFill>
+            <a:ln w="25400" cap="flat" cmpd="sng" algn="ctr">
+              <a:solidFill>
+                <a:schemeClr val="tx1"/>
+              </a:solidFill>
+              <a:prstDash val="solid"/>
+            </a:ln>
+            <a:effectLst/>
+          </p:spPr>
+          <p:txBody>
+            <a:bodyPr rtlCol="0" anchor="ctr"/>
+            <a:lstStyle/>
+            <a:p>
+              <a:pPr marL="0" marR="0" lvl="0" indent="0" algn="ctr" defTabSz="914400" eaLnBrk="1" fontAlgn="auto" latinLnBrk="0" hangingPunct="1">
+                <a:lnSpc>
+                  <a:spcPct val="100000"/>
+                </a:lnSpc>
+                <a:spcBef>
+                  <a:spcPts val="0"/>
+                </a:spcBef>
+                <a:spcAft>
+                  <a:spcPts val="0"/>
+                </a:spcAft>
+                <a:buClrTx/>
+                <a:buSzTx/>
+                <a:buFontTx/>
+                <a:buNone/>
+                <a:tabLst/>
+                <a:defRPr/>
+              </a:pPr>
+              <a:r>
+                <a:rPr kumimoji="0" lang="en-US" sz="2000" b="0" i="0" u="none" strike="noStrike" kern="0" cap="none" spc="0" normalizeH="0" baseline="0" noProof="0" dirty="0" smtClean="0">
+                  <a:ln>
+                    <a:noFill/>
+                  </a:ln>
+                  <a:effectLst/>
+                  <a:uLnTx/>
+                  <a:uFillTx/>
+                  <a:latin typeface="Calibri"/>
+                  <a:ea typeface="+mn-ea"/>
+                  <a:cs typeface="+mn-cs"/>
+                </a:rPr>
+                <a:t>Execution Pipeline</a:t>
+              </a:r>
+            </a:p>
+          </p:txBody>
+        </p:sp>
+        <p:cxnSp>
+          <p:nvCxnSpPr>
+            <p:cNvPr id="25" name="Elbow Connector 24"/>
+            <p:cNvCxnSpPr>
+              <a:stCxn id="24" idx="3"/>
+              <a:endCxn id="13" idx="1"/>
+            </p:cNvCxnSpPr>
+            <p:nvPr/>
+          </p:nvCxnSpPr>
+          <p:spPr>
+            <a:xfrm flipV="1">
+              <a:off x="7162800" y="3887012"/>
+              <a:ext cx="234489" cy="662958"/>
+            </a:xfrm>
+            <a:prstGeom prst="bentConnector2">
+              <a:avLst/>
+            </a:prstGeom>
+            <a:noFill/>
+            <a:ln w="19050" cap="flat" cmpd="sng" algn="ctr">
+              <a:solidFill>
+                <a:sysClr val="windowText" lastClr="000000"/>
+              </a:solidFill>
+              <a:prstDash val="solid"/>
+              <a:tailEnd type="triangle"/>
+            </a:ln>
+            <a:effectLst/>
+          </p:spPr>
+        </p:cxnSp>
+        <p:cxnSp>
+          <p:nvCxnSpPr>
+            <p:cNvPr id="26" name="Elbow Connector 25"/>
+            <p:cNvCxnSpPr>
+              <a:stCxn id="24" idx="1"/>
+              <a:endCxn id="5" idx="2"/>
+            </p:cNvCxnSpPr>
+            <p:nvPr/>
+          </p:nvCxnSpPr>
+          <p:spPr bwMode="auto">
+            <a:xfrm rot="10800000">
+              <a:off x="4031357" y="4161578"/>
+              <a:ext cx="477240" cy="388392"/>
+            </a:xfrm>
+            <a:prstGeom prst="bentConnector2">
+              <a:avLst/>
+            </a:prstGeom>
+            <a:noFill/>
+            <a:ln w="19050" cap="flat" cmpd="sng" algn="ctr">
+              <a:solidFill>
+                <a:srgbClr val="1D1D1D"/>
+              </a:solidFill>
+              <a:prstDash val="solid"/>
+              <a:round/>
+              <a:headEnd type="triangle" w="med" len="med"/>
+              <a:tailEnd type="none" w="med" len="med"/>
+            </a:ln>
+            <a:effectLst/>
+          </p:spPr>
+        </p:cxnSp>
+        <p:grpSp>
+          <p:nvGrpSpPr>
+            <p:cNvPr id="78" name="Group 77"/>
+            <p:cNvGrpSpPr/>
+            <p:nvPr/>
+          </p:nvGrpSpPr>
+          <p:grpSpPr>
+            <a:xfrm>
+              <a:off x="3161550" y="3132441"/>
+              <a:ext cx="1739614" cy="1029137"/>
+              <a:chOff x="3180377" y="3132441"/>
+              <a:chExt cx="1739614" cy="1029137"/>
+            </a:xfrm>
+          </p:grpSpPr>
+          <p:sp>
+            <p:nvSpPr>
+              <p:cNvPr id="5" name="Rectangle 4"/>
+              <p:cNvSpPr/>
+              <p:nvPr/>
+            </p:nvSpPr>
+            <p:spPr>
+              <a:xfrm>
+                <a:off x="3180377" y="3132441"/>
+                <a:ext cx="1739614" cy="1029137"/>
+              </a:xfrm>
+              <a:prstGeom prst="rect">
+                <a:avLst/>
+              </a:prstGeom>
+              <a:solidFill>
+                <a:sysClr val="window" lastClr="FFFFFF">
+                  <a:lumMod val="85000"/>
+                </a:sysClr>
+              </a:solidFill>
+              <a:ln w="28575" cap="flat" cmpd="sng" algn="ctr">
+                <a:solidFill>
+                  <a:sysClr val="windowText" lastClr="000000"/>
+                </a:solidFill>
+                <a:prstDash val="solid"/>
+              </a:ln>
+              <a:effectLst/>
+            </p:spPr>
+            <p:txBody>
+              <a:bodyPr rtlCol="0" anchor="ctr"/>
+              <a:lstStyle/>
+              <a:p>
+                <a:pPr marL="0" marR="0" lvl="0" indent="0" algn="ctr" defTabSz="914400" eaLnBrk="1" fontAlgn="auto" latinLnBrk="0" hangingPunct="1">
+                  <a:lnSpc>
+                    <a:spcPct val="100000"/>
+                  </a:lnSpc>
+                  <a:spcBef>
+                    <a:spcPts val="0"/>
+                  </a:spcBef>
+                  <a:spcAft>
+                    <a:spcPts val="0"/>
+                  </a:spcAft>
+                  <a:buClrTx/>
+                  <a:buSzTx/>
+                  <a:buFontTx/>
+                  <a:buNone/>
+                  <a:tabLst/>
+                  <a:defRPr/>
+                </a:pPr>
+                <a:r>
+                  <a:rPr kumimoji="0" lang="en-US" sz="2000" b="0" i="0" u="none" strike="noStrike" kern="0" cap="none" spc="0" normalizeH="0" baseline="0" noProof="0" dirty="0" smtClean="0">
+                    <a:ln>
+                      <a:noFill/>
+                    </a:ln>
+                    <a:solidFill>
+                      <a:srgbClr val="1D1D1D"/>
+                    </a:solidFill>
+                    <a:effectLst/>
+                    <a:uLnTx/>
+                    <a:uFillTx/>
+                    <a:latin typeface="Calibri"/>
+                    <a:ea typeface="+mn-ea"/>
+                    <a:cs typeface="+mn-cs"/>
+                  </a:rPr>
+                  <a:t>IQ</a:t>
+                </a:r>
+                <a:endParaRPr kumimoji="0" lang="en-US" sz="2000" b="0" i="0" u="none" strike="noStrike" kern="0" cap="none" spc="0" normalizeH="0" baseline="0" noProof="0" dirty="0" smtClean="0">
+                  <a:ln>
+                    <a:noFill/>
+                  </a:ln>
+                  <a:solidFill>
+                    <a:srgbClr val="1D1D1D"/>
+                  </a:solidFill>
+                  <a:effectLst/>
+                  <a:uLnTx/>
+                  <a:uFillTx/>
+                  <a:latin typeface="Calibri"/>
+                  <a:ea typeface="+mn-ea"/>
+                  <a:cs typeface="+mn-cs"/>
+                </a:endParaRPr>
+              </a:p>
+            </p:txBody>
+          </p:sp>
+          <p:sp>
+            <p:nvSpPr>
+              <p:cNvPr id="6" name="Rectangle 5"/>
+              <p:cNvSpPr/>
+              <p:nvPr/>
+            </p:nvSpPr>
+            <p:spPr>
+              <a:xfrm>
+                <a:off x="3637611" y="3132441"/>
+                <a:ext cx="825146" cy="267086"/>
+              </a:xfrm>
+              <a:prstGeom prst="rect">
+                <a:avLst/>
+              </a:prstGeom>
+              <a:solidFill>
+                <a:schemeClr val="accent6"/>
+              </a:solidFill>
+              <a:ln w="25400" cap="flat" cmpd="sng" algn="ctr">
+                <a:solidFill>
+                  <a:sysClr val="windowText" lastClr="000000"/>
+                </a:solidFill>
+                <a:prstDash val="solid"/>
+              </a:ln>
+              <a:effectLst/>
+            </p:spPr>
+            <p:txBody>
+              <a:bodyPr rtlCol="0" anchor="ctr"/>
+              <a:lstStyle/>
+              <a:p>
+                <a:pPr marL="0" marR="0" lvl="0" indent="0" algn="ctr" defTabSz="914400" eaLnBrk="1" fontAlgn="auto" latinLnBrk="0" hangingPunct="1">
+                  <a:lnSpc>
+                    <a:spcPct val="100000"/>
+                  </a:lnSpc>
+                  <a:spcBef>
+                    <a:spcPts val="0"/>
+                  </a:spcBef>
+                  <a:spcAft>
+                    <a:spcPts val="0"/>
+                  </a:spcAft>
+                  <a:buClrTx/>
+                  <a:buSzTx/>
+                  <a:buFontTx/>
+                  <a:buNone/>
+                  <a:tabLst/>
+                  <a:defRPr/>
+                </a:pPr>
+                <a:r>
+                  <a:rPr kumimoji="0" lang="en-US" sz="1800" b="0" i="0" u="none" strike="noStrike" kern="0" cap="none" spc="0" normalizeH="0" baseline="0" noProof="0" dirty="0" smtClean="0">
+                    <a:ln>
+                      <a:noFill/>
+                    </a:ln>
+                    <a:solidFill>
+                      <a:prstClr val="white"/>
+                    </a:solidFill>
+                    <a:effectLst/>
+                    <a:uLnTx/>
+                    <a:uFillTx/>
+                    <a:latin typeface="Calibri"/>
+                    <a:ea typeface="+mn-ea"/>
+                    <a:cs typeface="+mn-cs"/>
+                  </a:rPr>
+                  <a:t>enter</a:t>
+                </a:r>
+                <a:endParaRPr kumimoji="0" lang="en-US" sz="1800" b="0" i="0" u="none" strike="noStrike" kern="0" cap="none" spc="0" normalizeH="0" baseline="0" noProof="0" dirty="0" smtClean="0">
+                  <a:ln>
+                    <a:noFill/>
+                  </a:ln>
+                  <a:solidFill>
+                    <a:prstClr val="white"/>
+                  </a:solidFill>
+                  <a:effectLst/>
+                  <a:uLnTx/>
+                  <a:uFillTx/>
+                  <a:latin typeface="Calibri"/>
+                  <a:ea typeface="+mn-ea"/>
+                  <a:cs typeface="+mn-cs"/>
+                </a:endParaRPr>
+              </a:p>
+            </p:txBody>
+          </p:sp>
+          <p:sp>
+            <p:nvSpPr>
+              <p:cNvPr id="45" name="Rectangle 44"/>
+              <p:cNvSpPr/>
+              <p:nvPr/>
+            </p:nvSpPr>
+            <p:spPr>
+              <a:xfrm rot="16200000">
+                <a:off x="4445477" y="3513467"/>
+                <a:ext cx="681940" cy="267086"/>
+              </a:xfrm>
+              <a:prstGeom prst="rect">
+                <a:avLst/>
+              </a:prstGeom>
+              <a:solidFill>
+                <a:schemeClr val="accent6"/>
+              </a:solidFill>
+              <a:ln w="25400" cap="flat" cmpd="sng" algn="ctr">
+                <a:solidFill>
+                  <a:sysClr val="windowText" lastClr="000000"/>
+                </a:solidFill>
+                <a:prstDash val="solid"/>
+              </a:ln>
+              <a:effectLst/>
+            </p:spPr>
+            <p:txBody>
+              <a:bodyPr rtlCol="0" anchor="ctr"/>
+              <a:lstStyle/>
+              <a:p>
+                <a:pPr marL="0" marR="0" lvl="0" indent="0" algn="ctr" defTabSz="914400" eaLnBrk="1" fontAlgn="auto" latinLnBrk="0" hangingPunct="1">
+                  <a:lnSpc>
+                    <a:spcPct val="100000"/>
+                  </a:lnSpc>
+                  <a:spcBef>
+                    <a:spcPts val="0"/>
+                  </a:spcBef>
+                  <a:spcAft>
+                    <a:spcPts val="0"/>
+                  </a:spcAft>
+                  <a:buClrTx/>
+                  <a:buSzTx/>
+                  <a:buFontTx/>
+                  <a:buNone/>
+                  <a:tabLst/>
+                  <a:defRPr/>
+                </a:pPr>
+                <a:r>
+                  <a:rPr kumimoji="0" lang="en-US" sz="1800" b="0" i="0" u="none" strike="noStrike" kern="0" cap="none" spc="0" normalizeH="0" baseline="0" noProof="0" dirty="0" smtClean="0">
+                    <a:ln>
+                      <a:noFill/>
+                    </a:ln>
+                    <a:solidFill>
+                      <a:prstClr val="white"/>
+                    </a:solidFill>
+                    <a:effectLst/>
+                    <a:uLnTx/>
+                    <a:uFillTx/>
+                    <a:latin typeface="Calibri"/>
+                    <a:ea typeface="+mn-ea"/>
+                    <a:cs typeface="+mn-cs"/>
+                  </a:rPr>
+                  <a:t>wake</a:t>
+                </a:r>
+                <a:endParaRPr kumimoji="0" lang="en-US" sz="1800" b="0" i="0" u="none" strike="noStrike" kern="0" cap="none" spc="0" normalizeH="0" baseline="0" noProof="0" dirty="0" smtClean="0">
+                  <a:ln>
+                    <a:noFill/>
+                  </a:ln>
+                  <a:solidFill>
+                    <a:prstClr val="white"/>
+                  </a:solidFill>
+                  <a:effectLst/>
+                  <a:uLnTx/>
+                  <a:uFillTx/>
+                  <a:latin typeface="Calibri"/>
+                  <a:ea typeface="+mn-ea"/>
+                  <a:cs typeface="+mn-cs"/>
+                </a:endParaRPr>
+              </a:p>
+            </p:txBody>
+          </p:sp>
+        </p:grpSp>
+        <p:grpSp>
+          <p:nvGrpSpPr>
+            <p:cNvPr id="79" name="Group 78"/>
+            <p:cNvGrpSpPr/>
+            <p:nvPr/>
+          </p:nvGrpSpPr>
+          <p:grpSpPr>
+            <a:xfrm>
+              <a:off x="5257800" y="2133600"/>
+              <a:ext cx="1752253" cy="922020"/>
+              <a:chOff x="5167555" y="2209800"/>
+              <a:chExt cx="1752253" cy="922020"/>
+            </a:xfrm>
+          </p:grpSpPr>
+          <p:sp>
+            <p:nvSpPr>
+              <p:cNvPr id="10" name="Rectangle 9"/>
+              <p:cNvSpPr/>
+              <p:nvPr/>
+            </p:nvSpPr>
+            <p:spPr>
+              <a:xfrm>
+                <a:off x="5167555" y="2209800"/>
+                <a:ext cx="1752253" cy="922020"/>
+              </a:xfrm>
+              <a:prstGeom prst="rect">
+                <a:avLst/>
+              </a:prstGeom>
+              <a:solidFill>
+                <a:sysClr val="window" lastClr="FFFFFF">
+                  <a:lumMod val="85000"/>
+                </a:sysClr>
+              </a:solidFill>
+              <a:ln w="28575" cap="flat" cmpd="sng" algn="ctr">
+                <a:solidFill>
+                  <a:sysClr val="windowText" lastClr="000000"/>
+                </a:solidFill>
+                <a:prstDash val="solid"/>
+              </a:ln>
+              <a:effectLst/>
+            </p:spPr>
+            <p:txBody>
+              <a:bodyPr rtlCol="0" anchor="ctr"/>
+              <a:lstStyle/>
+              <a:p>
+                <a:pPr marL="0" marR="0" lvl="0" indent="0" algn="ctr" defTabSz="914400" eaLnBrk="1" fontAlgn="auto" latinLnBrk="0" hangingPunct="1">
+                  <a:lnSpc>
+                    <a:spcPct val="100000"/>
+                  </a:lnSpc>
+                  <a:spcBef>
+                    <a:spcPts val="0"/>
+                  </a:spcBef>
+                  <a:spcAft>
+                    <a:spcPts val="0"/>
+                  </a:spcAft>
+                  <a:buClrTx/>
+                  <a:buSzTx/>
+                  <a:buFontTx/>
+                  <a:buNone/>
+                  <a:tabLst/>
+                  <a:defRPr/>
+                </a:pPr>
+                <a:r>
+                  <a:rPr kumimoji="0" lang="en-US" sz="2000" b="0" i="0" u="none" strike="noStrike" kern="0" cap="none" spc="0" normalizeH="0" baseline="0" noProof="0" dirty="0" smtClean="0">
+                    <a:ln>
+                      <a:noFill/>
+                    </a:ln>
+                    <a:solidFill>
+                      <a:srgbClr val="1D1D1D"/>
+                    </a:solidFill>
+                    <a:effectLst/>
+                    <a:uLnTx/>
+                    <a:uFillTx/>
+                    <a:latin typeface="Calibri"/>
+                    <a:ea typeface="+mn-ea"/>
+                    <a:cs typeface="+mn-cs"/>
+                  </a:rPr>
+                  <a:t>RDYB</a:t>
+                </a:r>
+                <a:endParaRPr kumimoji="0" lang="en-US" sz="2000" b="0" i="0" u="none" strike="noStrike" kern="0" cap="none" spc="0" normalizeH="0" baseline="0" noProof="0" dirty="0" smtClean="0">
+                  <a:ln>
+                    <a:noFill/>
+                  </a:ln>
+                  <a:solidFill>
+                    <a:srgbClr val="1D1D1D"/>
+                  </a:solidFill>
+                  <a:effectLst/>
+                  <a:uLnTx/>
+                  <a:uFillTx/>
+                  <a:latin typeface="Calibri"/>
+                  <a:ea typeface="+mn-ea"/>
+                  <a:cs typeface="+mn-cs"/>
+                </a:endParaRPr>
+              </a:p>
+            </p:txBody>
+          </p:sp>
+          <p:sp>
+            <p:nvSpPr>
+              <p:cNvPr id="71" name="Rectangle 70"/>
+              <p:cNvSpPr/>
+              <p:nvPr/>
+            </p:nvSpPr>
+            <p:spPr>
+              <a:xfrm rot="16200000">
+                <a:off x="4926031" y="2537267"/>
+                <a:ext cx="750134" cy="267086"/>
+              </a:xfrm>
+              <a:prstGeom prst="rect">
+                <a:avLst/>
+              </a:prstGeom>
+              <a:solidFill>
+                <a:schemeClr val="accent6"/>
+              </a:solidFill>
+              <a:ln w="25400" cap="flat" cmpd="sng" algn="ctr">
+                <a:solidFill>
+                  <a:sysClr val="windowText" lastClr="000000"/>
+                </a:solidFill>
+                <a:prstDash val="solid"/>
+              </a:ln>
+              <a:effectLst/>
+            </p:spPr>
+            <p:txBody>
+              <a:bodyPr rtlCol="0" anchor="ctr"/>
+              <a:lstStyle/>
+              <a:p>
+                <a:pPr marL="0" marR="0" lvl="0" indent="0" algn="ctr" defTabSz="914400" eaLnBrk="1" fontAlgn="auto" latinLnBrk="0" hangingPunct="1">
+                  <a:lnSpc>
+                    <a:spcPct val="100000"/>
+                  </a:lnSpc>
+                  <a:spcBef>
+                    <a:spcPts val="0"/>
+                  </a:spcBef>
+                  <a:spcAft>
+                    <a:spcPts val="0"/>
+                  </a:spcAft>
+                  <a:buClrTx/>
+                  <a:buSzTx/>
+                  <a:buFontTx/>
+                  <a:buNone/>
+                  <a:tabLst/>
+                  <a:defRPr/>
+                </a:pPr>
+                <a:r>
+                  <a:rPr lang="en-US" kern="0" dirty="0" smtClean="0">
+                    <a:solidFill>
+                      <a:prstClr val="white"/>
+                    </a:solidFill>
+                    <a:latin typeface="Calibri"/>
+                  </a:rPr>
+                  <a:t>check</a:t>
+                </a:r>
+                <a:endParaRPr kumimoji="0" lang="en-US" sz="1800" b="0" i="0" u="none" strike="noStrike" kern="0" cap="none" spc="0" normalizeH="0" baseline="0" noProof="0" dirty="0" smtClean="0">
+                  <a:ln>
+                    <a:noFill/>
+                  </a:ln>
+                  <a:solidFill>
+                    <a:prstClr val="white"/>
+                  </a:solidFill>
+                  <a:effectLst/>
+                  <a:uLnTx/>
+                  <a:uFillTx/>
+                  <a:latin typeface="Calibri"/>
+                  <a:ea typeface="+mn-ea"/>
+                  <a:cs typeface="+mn-cs"/>
+                </a:endParaRPr>
+              </a:p>
+            </p:txBody>
+          </p:sp>
+          <p:sp>
+            <p:nvSpPr>
+              <p:cNvPr id="75" name="Rectangle 74"/>
+              <p:cNvSpPr/>
+              <p:nvPr/>
+            </p:nvSpPr>
+            <p:spPr>
+              <a:xfrm rot="16200000">
+                <a:off x="6411198" y="2537268"/>
+                <a:ext cx="750134" cy="267086"/>
+              </a:xfrm>
+              <a:prstGeom prst="rect">
+                <a:avLst/>
+              </a:prstGeom>
+              <a:solidFill>
+                <a:schemeClr val="accent6"/>
+              </a:solidFill>
+              <a:ln w="25400" cap="flat" cmpd="sng" algn="ctr">
+                <a:solidFill>
+                  <a:sysClr val="windowText" lastClr="000000"/>
+                </a:solidFill>
+                <a:prstDash val="solid"/>
+              </a:ln>
+              <a:effectLst/>
+            </p:spPr>
+            <p:txBody>
+              <a:bodyPr rtlCol="0" anchor="ctr"/>
+              <a:lstStyle/>
+              <a:p>
+                <a:pPr marL="0" marR="0" lvl="0" indent="0" algn="ctr" defTabSz="914400" eaLnBrk="1" fontAlgn="auto" latinLnBrk="0" hangingPunct="1">
+                  <a:lnSpc>
+                    <a:spcPct val="100000"/>
+                  </a:lnSpc>
+                  <a:spcBef>
+                    <a:spcPts val="0"/>
+                  </a:spcBef>
+                  <a:spcAft>
+                    <a:spcPts val="0"/>
+                  </a:spcAft>
+                  <a:buClrTx/>
+                  <a:buSzTx/>
+                  <a:buFontTx/>
+                  <a:buNone/>
+                  <a:tabLst/>
+                  <a:defRPr/>
+                </a:pPr>
+                <a:r>
+                  <a:rPr lang="en-US" kern="0" dirty="0" smtClean="0">
+                    <a:solidFill>
+                      <a:prstClr val="white"/>
+                    </a:solidFill>
+                    <a:latin typeface="Calibri"/>
+                  </a:rPr>
+                  <a:t>set</a:t>
+                </a:r>
+                <a:endParaRPr kumimoji="0" lang="en-US" sz="1800" b="0" i="0" u="none" strike="noStrike" kern="0" cap="none" spc="0" normalizeH="0" baseline="0" noProof="0" dirty="0" smtClean="0">
+                  <a:ln>
+                    <a:noFill/>
+                  </a:ln>
+                  <a:solidFill>
+                    <a:prstClr val="white"/>
+                  </a:solidFill>
+                  <a:effectLst/>
+                  <a:uLnTx/>
+                  <a:uFillTx/>
+                  <a:latin typeface="Calibri"/>
+                  <a:ea typeface="+mn-ea"/>
+                  <a:cs typeface="+mn-cs"/>
+                </a:endParaRPr>
+              </a:p>
+            </p:txBody>
+          </p:sp>
+        </p:grpSp>
+        <p:cxnSp>
+          <p:nvCxnSpPr>
+            <p:cNvPr id="91" name="Straight Arrow Connector 90"/>
+            <p:cNvCxnSpPr>
+              <a:stCxn id="21" idx="2"/>
+              <a:endCxn id="17" idx="3"/>
+            </p:cNvCxnSpPr>
+            <p:nvPr/>
+          </p:nvCxnSpPr>
+          <p:spPr>
+            <a:xfrm>
+              <a:off x="4031358" y="1543110"/>
+              <a:ext cx="0" cy="863647"/>
+            </a:xfrm>
+            <a:prstGeom prst="straightConnector1">
+              <a:avLst/>
+            </a:prstGeom>
+            <a:noFill/>
+            <a:ln w="19050" cap="flat" cmpd="sng" algn="ctr">
+              <a:solidFill>
+                <a:schemeClr val="tx1"/>
+              </a:solidFill>
+              <a:prstDash val="solid"/>
+              <a:headEnd type="none" w="med" len="med"/>
+              <a:tailEnd type="triangle" w="med" len="med"/>
+            </a:ln>
+            <a:effectLst/>
+          </p:spPr>
+        </p:cxnSp>
+        <p:sp>
+          <p:nvSpPr>
+            <p:cNvPr id="3" name="TextBox 2"/>
+            <p:cNvSpPr txBox="1"/>
+            <p:nvPr/>
+          </p:nvSpPr>
+          <p:spPr>
+            <a:xfrm>
+              <a:off x="4145971" y="1626123"/>
+              <a:ext cx="4015073" cy="369332"/>
+            </a:xfrm>
+            <a:prstGeom prst="rect">
+              <a:avLst/>
+            </a:prstGeom>
+            <a:noFill/>
+          </p:spPr>
+          <p:txBody>
+            <a:bodyPr wrap="none" rtlCol="0">
+              <a:spAutoFit/>
+            </a:bodyPr>
+            <a:lstStyle/>
+            <a:p>
+              <a:r>
+                <a:rPr lang="en-US" dirty="0" smtClean="0"/>
+                <a:t>❶ Rename checks </a:t>
+              </a:r>
+              <a:r>
+                <a:rPr lang="en-US" dirty="0" smtClean="0">
+                  <a:solidFill>
+                    <a:srgbClr val="FF0000"/>
+                  </a:solidFill>
+                </a:rPr>
+                <a:t>P3</a:t>
+              </a:r>
+              <a:r>
+                <a:rPr lang="en-US" dirty="0" smtClean="0"/>
+                <a:t> not ready in RDYB</a:t>
+              </a:r>
+              <a:endParaRPr lang="en-US" dirty="0"/>
+            </a:p>
+          </p:txBody>
+        </p:sp>
+        <p:sp>
+          <p:nvSpPr>
+            <p:cNvPr id="27" name="TextBox 26"/>
+            <p:cNvSpPr txBox="1"/>
+            <p:nvPr/>
+          </p:nvSpPr>
+          <p:spPr>
+            <a:xfrm>
+              <a:off x="8398509" y="2969353"/>
+              <a:ext cx="2117091" cy="1200329"/>
+            </a:xfrm>
+            <a:prstGeom prst="rect">
+              <a:avLst/>
+            </a:prstGeom>
+            <a:noFill/>
+          </p:spPr>
+          <p:txBody>
+            <a:bodyPr wrap="square" rtlCol="0">
+              <a:spAutoFit/>
+            </a:bodyPr>
+            <a:lstStyle/>
+            <a:p>
+              <a:r>
+                <a:rPr lang="en-US" dirty="0"/>
+                <a:t>❷</a:t>
+              </a:r>
+              <a:r>
+                <a:rPr lang="en-US" dirty="0" smtClean="0"/>
+                <a:t> </a:t>
+              </a:r>
+              <a:r>
+                <a:rPr lang="en-US" dirty="0" err="1" smtClean="0"/>
+                <a:t>RegWrite</a:t>
+              </a:r>
+              <a:r>
+                <a:rPr lang="en-US" dirty="0" smtClean="0"/>
+                <a:t> sets </a:t>
+              </a:r>
+              <a:r>
+                <a:rPr lang="en-US" dirty="0" smtClean="0">
+                  <a:solidFill>
+                    <a:srgbClr val="FF0000"/>
+                  </a:solidFill>
+                </a:rPr>
+                <a:t>P3</a:t>
+              </a:r>
+              <a:r>
+                <a:rPr lang="en-US" dirty="0" smtClean="0"/>
+                <a:t> ready in RDYB but finds no instruction to wake up in IQ</a:t>
+              </a:r>
+              <a:endParaRPr lang="en-US" dirty="0"/>
+            </a:p>
+          </p:txBody>
+        </p:sp>
+        <p:sp>
+          <p:nvSpPr>
+            <p:cNvPr id="28" name="TextBox 27"/>
+            <p:cNvSpPr txBox="1"/>
+            <p:nvPr/>
+          </p:nvSpPr>
+          <p:spPr>
+            <a:xfrm>
+              <a:off x="890521" y="3010494"/>
+              <a:ext cx="2315692" cy="1200329"/>
+            </a:xfrm>
+            <a:prstGeom prst="rect">
+              <a:avLst/>
+            </a:prstGeom>
+            <a:noFill/>
+          </p:spPr>
+          <p:txBody>
+            <a:bodyPr wrap="square" rtlCol="0">
+              <a:spAutoFit/>
+            </a:bodyPr>
+            <a:lstStyle/>
+            <a:p>
+              <a:r>
+                <a:rPr lang="en-US" dirty="0" smtClean="0"/>
+                <a:t>❸ Rename enters </a:t>
+              </a:r>
+              <a:r>
+                <a:rPr lang="en-US" b="1" i="1" dirty="0" smtClean="0">
+                  <a:latin typeface="Verdana" panose="020B0604030504040204" pitchFamily="34" charset="0"/>
+                  <a:ea typeface="Verdana" panose="020B0604030504040204" pitchFamily="34" charset="0"/>
+                </a:rPr>
+                <a:t>I</a:t>
+              </a:r>
+              <a:r>
+                <a:rPr lang="en-US" dirty="0" smtClean="0"/>
+                <a:t> into IQ with </a:t>
+              </a:r>
+              <a:r>
+                <a:rPr lang="en-US" dirty="0" smtClean="0">
+                  <a:solidFill>
+                    <a:srgbClr val="FF0000"/>
+                  </a:solidFill>
+                </a:rPr>
+                <a:t>P3</a:t>
+              </a:r>
+              <a:r>
+                <a:rPr lang="en-US" dirty="0" smtClean="0"/>
+                <a:t> not ready. </a:t>
+              </a:r>
+              <a:r>
+                <a:rPr lang="en-US" b="1" i="1" dirty="0">
+                  <a:latin typeface="Verdana" panose="020B0604030504040204" pitchFamily="34" charset="0"/>
+                  <a:ea typeface="Verdana" panose="020B0604030504040204" pitchFamily="34" charset="0"/>
+                </a:rPr>
+                <a:t>I</a:t>
+              </a:r>
+              <a:r>
+                <a:rPr lang="en-US" dirty="0" smtClean="0"/>
+                <a:t> will never be waken up </a:t>
+              </a:r>
+              <a:r>
+                <a:rPr lang="en-US" dirty="0" smtClean="0">
+                  <a:sym typeface="Wingdings" panose="05000000000000000000" pitchFamily="2" charset="2"/>
+                </a:rPr>
+                <a:t> deadlock</a:t>
+              </a:r>
+              <a:endParaRPr lang="en-US" dirty="0"/>
+            </a:p>
+          </p:txBody>
+        </p:sp>
+      </p:grpSp>
+    </p:spTree>
+    <p:extLst>
+      <p:ext uri="{BB962C8B-B14F-4D97-AF65-F5344CB8AC3E}">
+        <p14:creationId xmlns:p14="http://schemas.microsoft.com/office/powerpoint/2010/main" val="3894726006"/>
       </p:ext>
     </p:extLst>
   </p:cSld>

--- a/figs/riscy_figures.pptx
+++ b/figs/riscy_figures.pptx
@@ -5,7 +5,7 @@
     <p:sldMasterId id="2147483648" r:id="rId1"/>
   </p:sldMasterIdLst>
   <p:notesMasterIdLst>
-    <p:notesMasterId r:id="rId25"/>
+    <p:notesMasterId r:id="rId26"/>
   </p:notesMasterIdLst>
   <p:sldIdLst>
     <p:sldId id="258" r:id="rId2"/>
@@ -31,6 +31,7 @@
     <p:sldId id="282" r:id="rId22"/>
     <p:sldId id="283" r:id="rId23"/>
     <p:sldId id="284" r:id="rId24"/>
+    <p:sldId id="285" r:id="rId25"/>
   </p:sldIdLst>
   <p:sldSz cx="12192000" cy="6858000"/>
   <p:notesSz cx="7315200" cy="9601200"/>
@@ -230,7 +231,7 @@
           <a:p>
             <a:fld id="{EB35BD43-560B-40E4-9E36-CC20FA59E34A}" type="datetimeFigureOut">
               <a:rPr lang="en-US" smtClean="0"/>
-              <a:t>2/10/2019</a:t>
+              <a:t>2/16/2019</a:t>
             </a:fld>
             <a:endParaRPr lang="en-US"/>
           </a:p>
@@ -763,7 +764,7 @@
           <a:p>
             <a:fld id="{0F52CA84-02BA-4E7B-9974-42FF5BD9CE82}" type="datetimeFigureOut">
               <a:rPr lang="en-US" smtClean="0"/>
-              <a:t>2/10/2019</a:t>
+              <a:t>2/16/2019</a:t>
             </a:fld>
             <a:endParaRPr lang="en-US"/>
           </a:p>
@@ -933,7 +934,7 @@
           <a:p>
             <a:fld id="{0F52CA84-02BA-4E7B-9974-42FF5BD9CE82}" type="datetimeFigureOut">
               <a:rPr lang="en-US" smtClean="0"/>
-              <a:t>2/10/2019</a:t>
+              <a:t>2/16/2019</a:t>
             </a:fld>
             <a:endParaRPr lang="en-US"/>
           </a:p>
@@ -1113,7 +1114,7 @@
           <a:p>
             <a:fld id="{0F52CA84-02BA-4E7B-9974-42FF5BD9CE82}" type="datetimeFigureOut">
               <a:rPr lang="en-US" smtClean="0"/>
-              <a:t>2/10/2019</a:t>
+              <a:t>2/16/2019</a:t>
             </a:fld>
             <a:endParaRPr lang="en-US"/>
           </a:p>
@@ -1283,7 +1284,7 @@
           <a:p>
             <a:fld id="{0F52CA84-02BA-4E7B-9974-42FF5BD9CE82}" type="datetimeFigureOut">
               <a:rPr lang="en-US" smtClean="0"/>
-              <a:t>2/10/2019</a:t>
+              <a:t>2/16/2019</a:t>
             </a:fld>
             <a:endParaRPr lang="en-US"/>
           </a:p>
@@ -1529,7 +1530,7 @@
           <a:p>
             <a:fld id="{0F52CA84-02BA-4E7B-9974-42FF5BD9CE82}" type="datetimeFigureOut">
               <a:rPr lang="en-US" smtClean="0"/>
-              <a:t>2/10/2019</a:t>
+              <a:t>2/16/2019</a:t>
             </a:fld>
             <a:endParaRPr lang="en-US"/>
           </a:p>
@@ -1817,7 +1818,7 @@
           <a:p>
             <a:fld id="{0F52CA84-02BA-4E7B-9974-42FF5BD9CE82}" type="datetimeFigureOut">
               <a:rPr lang="en-US" smtClean="0"/>
-              <a:t>2/10/2019</a:t>
+              <a:t>2/16/2019</a:t>
             </a:fld>
             <a:endParaRPr lang="en-US"/>
           </a:p>
@@ -2239,7 +2240,7 @@
           <a:p>
             <a:fld id="{0F52CA84-02BA-4E7B-9974-42FF5BD9CE82}" type="datetimeFigureOut">
               <a:rPr lang="en-US" smtClean="0"/>
-              <a:t>2/10/2019</a:t>
+              <a:t>2/16/2019</a:t>
             </a:fld>
             <a:endParaRPr lang="en-US"/>
           </a:p>
@@ -2357,7 +2358,7 @@
           <a:p>
             <a:fld id="{0F52CA84-02BA-4E7B-9974-42FF5BD9CE82}" type="datetimeFigureOut">
               <a:rPr lang="en-US" smtClean="0"/>
-              <a:t>2/10/2019</a:t>
+              <a:t>2/16/2019</a:t>
             </a:fld>
             <a:endParaRPr lang="en-US"/>
           </a:p>
@@ -2452,7 +2453,7 @@
           <a:p>
             <a:fld id="{0F52CA84-02BA-4E7B-9974-42FF5BD9CE82}" type="datetimeFigureOut">
               <a:rPr lang="en-US" smtClean="0"/>
-              <a:t>2/10/2019</a:t>
+              <a:t>2/16/2019</a:t>
             </a:fld>
             <a:endParaRPr lang="en-US"/>
           </a:p>
@@ -2729,7 +2730,7 @@
           <a:p>
             <a:fld id="{0F52CA84-02BA-4E7B-9974-42FF5BD9CE82}" type="datetimeFigureOut">
               <a:rPr lang="en-US" smtClean="0"/>
-              <a:t>2/10/2019</a:t>
+              <a:t>2/16/2019</a:t>
             </a:fld>
             <a:endParaRPr lang="en-US"/>
           </a:p>
@@ -2982,7 +2983,7 @@
           <a:p>
             <a:fld id="{0F52CA84-02BA-4E7B-9974-42FF5BD9CE82}" type="datetimeFigureOut">
               <a:rPr lang="en-US" smtClean="0"/>
-              <a:t>2/10/2019</a:t>
+              <a:t>2/16/2019</a:t>
             </a:fld>
             <a:endParaRPr lang="en-US"/>
           </a:p>
@@ -3195,7 +3196,7 @@
           <a:p>
             <a:fld id="{0F52CA84-02BA-4E7B-9974-42FF5BD9CE82}" type="datetimeFigureOut">
               <a:rPr lang="en-US" smtClean="0"/>
-              <a:t>2/10/2019</a:t>
+              <a:t>2/16/2019</a:t>
             </a:fld>
             <a:endParaRPr lang="en-US"/>
           </a:p>
@@ -33782,8 +33783,8 @@
           </p:nvCxnSpPr>
           <p:spPr>
             <a:xfrm flipH="1">
-              <a:off x="4901163" y="3647010"/>
-              <a:ext cx="1942041" cy="0"/>
+              <a:off x="5029200" y="3647010"/>
+              <a:ext cx="1814004" cy="0"/>
             </a:xfrm>
             <a:prstGeom prst="straightConnector1">
               <a:avLst/>
@@ -33811,8 +33812,8 @@
           </p:nvCxnSpPr>
           <p:spPr>
             <a:xfrm rot="16200000" flipV="1">
-              <a:off x="6966401" y="2638264"/>
-              <a:ext cx="839387" cy="752081"/>
+              <a:off x="7023917" y="2695781"/>
+              <a:ext cx="839387" cy="637048"/>
             </a:xfrm>
             <a:prstGeom prst="bentConnector2">
               <a:avLst/>
@@ -33917,7 +33918,7 @@
           <p:spPr>
             <a:xfrm>
               <a:off x="4896951" y="2594610"/>
-              <a:ext cx="360849" cy="0"/>
+              <a:ext cx="246163" cy="0"/>
             </a:xfrm>
             <a:prstGeom prst="straightConnector1">
               <a:avLst/>
@@ -33946,7 +33947,7 @@
           <p:spPr>
             <a:xfrm flipH="1">
               <a:off x="4031357" y="2806266"/>
-              <a:ext cx="1" cy="326175"/>
+              <a:ext cx="1" cy="203248"/>
             </a:xfrm>
             <a:prstGeom prst="straightConnector1">
               <a:avLst/>
@@ -34136,10 +34137,10 @@
           </p:nvGrpSpPr>
           <p:grpSpPr>
             <a:xfrm>
-              <a:off x="3161550" y="3132441"/>
-              <a:ext cx="1739614" cy="1029137"/>
-              <a:chOff x="3180377" y="3132441"/>
-              <a:chExt cx="1739614" cy="1029137"/>
+              <a:off x="3161550" y="3009514"/>
+              <a:ext cx="1867650" cy="1152064"/>
+              <a:chOff x="3180377" y="3009514"/>
+              <a:chExt cx="1867650" cy="1152064"/>
             </a:xfrm>
           </p:grpSpPr>
           <p:sp>
@@ -34207,20 +34208,6 @@
                   </a:rPr>
                   <a:t>IQ</a:t>
                 </a:r>
-                <a:endParaRPr kumimoji="0" lang="en-US" sz="2000" b="0" i="0" u="none" strike="noStrike" kern="0" cap="none" spc="0" normalizeH="0" baseline="0" noProof="0" dirty="0" smtClean="0">
-                  <a:ln>
-                    <a:noFill/>
-                  </a:ln>
-                  <a:solidFill>
-                    <a:srgbClr val="1D1D1D"/>
-                  </a:solidFill>
-                  <a:effectLst/>
-                  <a:uLnTx/>
-                  <a:uFillTx/>
-                  <a:latin typeface="Calibri"/>
-                  <a:ea typeface="+mn-ea"/>
-                  <a:cs typeface="+mn-cs"/>
-                </a:endParaRPr>
               </a:p>
             </p:txBody>
           </p:sp>
@@ -34232,7 +34219,7 @@
             </p:nvSpPr>
             <p:spPr>
               <a:xfrm>
-                <a:off x="3637611" y="3132441"/>
+                <a:off x="3637611" y="3009514"/>
                 <a:ext cx="825146" cy="267086"/>
               </a:xfrm>
               <a:prstGeom prst="rect">
@@ -34287,20 +34274,6 @@
                   </a:rPr>
                   <a:t>enter</a:t>
                 </a:r>
-                <a:endParaRPr kumimoji="0" lang="en-US" sz="1800" b="0" i="0" u="none" strike="noStrike" kern="0" cap="none" spc="0" normalizeH="0" baseline="0" noProof="0" dirty="0" smtClean="0">
-                  <a:ln>
-                    <a:noFill/>
-                  </a:ln>
-                  <a:solidFill>
-                    <a:prstClr val="white"/>
-                  </a:solidFill>
-                  <a:effectLst/>
-                  <a:uLnTx/>
-                  <a:uFillTx/>
-                  <a:latin typeface="Calibri"/>
-                  <a:ea typeface="+mn-ea"/>
-                  <a:cs typeface="+mn-cs"/>
-                </a:endParaRPr>
               </a:p>
             </p:txBody>
           </p:sp>
@@ -34312,7 +34285,7 @@
             </p:nvSpPr>
             <p:spPr>
               <a:xfrm rot="16200000">
-                <a:off x="4445477" y="3513467"/>
+                <a:off x="4573514" y="3513467"/>
                 <a:ext cx="681940" cy="267086"/>
               </a:xfrm>
               <a:prstGeom prst="rect">
@@ -34367,20 +34340,6 @@
                   </a:rPr>
                   <a:t>wake</a:t>
                 </a:r>
-                <a:endParaRPr kumimoji="0" lang="en-US" sz="1800" b="0" i="0" u="none" strike="noStrike" kern="0" cap="none" spc="0" normalizeH="0" baseline="0" noProof="0" dirty="0" smtClean="0">
-                  <a:ln>
-                    <a:noFill/>
-                  </a:ln>
-                  <a:solidFill>
-                    <a:prstClr val="white"/>
-                  </a:solidFill>
-                  <a:effectLst/>
-                  <a:uLnTx/>
-                  <a:uFillTx/>
-                  <a:latin typeface="Calibri"/>
-                  <a:ea typeface="+mn-ea"/>
-                  <a:cs typeface="+mn-cs"/>
-                </a:endParaRPr>
               </a:p>
             </p:txBody>
           </p:sp>
@@ -34393,10 +34352,10 @@
           </p:nvGrpSpPr>
           <p:grpSpPr>
             <a:xfrm>
-              <a:off x="5257800" y="2133600"/>
-              <a:ext cx="1752253" cy="922020"/>
-              <a:chOff x="5167555" y="2209800"/>
-              <a:chExt cx="1752253" cy="922020"/>
+              <a:off x="5143114" y="2133600"/>
+              <a:ext cx="1981972" cy="922020"/>
+              <a:chOff x="5052869" y="2209800"/>
+              <a:chExt cx="1981972" cy="922020"/>
             </a:xfrm>
           </p:grpSpPr>
           <p:sp>
@@ -34464,20 +34423,6 @@
                   </a:rPr>
                   <a:t>RDYB</a:t>
                 </a:r>
-                <a:endParaRPr kumimoji="0" lang="en-US" sz="2000" b="0" i="0" u="none" strike="noStrike" kern="0" cap="none" spc="0" normalizeH="0" baseline="0" noProof="0" dirty="0" smtClean="0">
-                  <a:ln>
-                    <a:noFill/>
-                  </a:ln>
-                  <a:solidFill>
-                    <a:srgbClr val="1D1D1D"/>
-                  </a:solidFill>
-                  <a:effectLst/>
-                  <a:uLnTx/>
-                  <a:uFillTx/>
-                  <a:latin typeface="Calibri"/>
-                  <a:ea typeface="+mn-ea"/>
-                  <a:cs typeface="+mn-cs"/>
-                </a:endParaRPr>
               </a:p>
             </p:txBody>
           </p:sp>
@@ -34489,7 +34434,7 @@
             </p:nvSpPr>
             <p:spPr>
               <a:xfrm rot="16200000">
-                <a:off x="4926031" y="2537267"/>
+                <a:off x="4811345" y="2537267"/>
                 <a:ext cx="750134" cy="267086"/>
               </a:xfrm>
               <a:prstGeom prst="rect">
@@ -34561,7 +34506,7 @@
             </p:nvSpPr>
             <p:spPr>
               <a:xfrm rot="16200000">
-                <a:off x="6411198" y="2537268"/>
+                <a:off x="6526231" y="2537268"/>
                 <a:ext cx="750134" cy="267086"/>
               </a:xfrm>
               <a:prstGeom prst="rect">
@@ -34795,8 +34740,8 @@
           </p:nvCxnSpPr>
           <p:spPr>
             <a:xfrm flipH="1">
-              <a:off x="4901163" y="3647010"/>
-              <a:ext cx="1577196" cy="0"/>
+              <a:off x="5029200" y="3647010"/>
+              <a:ext cx="1449159" cy="0"/>
             </a:xfrm>
             <a:prstGeom prst="straightConnector1">
               <a:avLst/>
@@ -34824,8 +34769,8 @@
           </p:nvCxnSpPr>
           <p:spPr>
             <a:xfrm rot="16200000" flipV="1">
-              <a:off x="6783978" y="2820687"/>
-              <a:ext cx="839387" cy="387236"/>
+              <a:off x="6841495" y="2878203"/>
+              <a:ext cx="839387" cy="272203"/>
             </a:xfrm>
             <a:prstGeom prst="bentConnector2">
               <a:avLst/>
@@ -34930,7 +34875,7 @@
           <p:spPr>
             <a:xfrm>
               <a:off x="4896951" y="2594610"/>
-              <a:ext cx="360849" cy="0"/>
+              <a:ext cx="246163" cy="0"/>
             </a:xfrm>
             <a:prstGeom prst="straightConnector1">
               <a:avLst/>
@@ -34959,7 +34904,7 @@
           <p:spPr>
             <a:xfrm flipH="1">
               <a:off x="4031357" y="2806266"/>
-              <a:ext cx="1" cy="326175"/>
+              <a:ext cx="1" cy="203248"/>
             </a:xfrm>
             <a:prstGeom prst="straightConnector1">
               <a:avLst/>
@@ -35171,10 +35116,10 @@
           </p:nvGrpSpPr>
           <p:grpSpPr>
             <a:xfrm>
-              <a:off x="3161550" y="3132441"/>
-              <a:ext cx="1739614" cy="1029137"/>
-              <a:chOff x="3180377" y="3132441"/>
-              <a:chExt cx="1739614" cy="1029137"/>
+              <a:off x="3161550" y="3009514"/>
+              <a:ext cx="1867650" cy="1152064"/>
+              <a:chOff x="3180377" y="3009514"/>
+              <a:chExt cx="1867650" cy="1152064"/>
             </a:xfrm>
           </p:grpSpPr>
           <p:sp>
@@ -35242,20 +35187,6 @@
                   </a:rPr>
                   <a:t>IQ</a:t>
                 </a:r>
-                <a:endParaRPr kumimoji="0" lang="en-US" sz="2000" b="0" i="0" u="none" strike="noStrike" kern="0" cap="none" spc="0" normalizeH="0" baseline="0" noProof="0" dirty="0" smtClean="0">
-                  <a:ln>
-                    <a:noFill/>
-                  </a:ln>
-                  <a:solidFill>
-                    <a:srgbClr val="1D1D1D"/>
-                  </a:solidFill>
-                  <a:effectLst/>
-                  <a:uLnTx/>
-                  <a:uFillTx/>
-                  <a:latin typeface="Calibri"/>
-                  <a:ea typeface="+mn-ea"/>
-                  <a:cs typeface="+mn-cs"/>
-                </a:endParaRPr>
               </a:p>
             </p:txBody>
           </p:sp>
@@ -35267,7 +35198,7 @@
             </p:nvSpPr>
             <p:spPr>
               <a:xfrm>
-                <a:off x="3637611" y="3132441"/>
+                <a:off x="3637611" y="3009514"/>
                 <a:ext cx="825146" cy="267086"/>
               </a:xfrm>
               <a:prstGeom prst="rect">
@@ -35322,20 +35253,6 @@
                   </a:rPr>
                   <a:t>enter</a:t>
                 </a:r>
-                <a:endParaRPr kumimoji="0" lang="en-US" sz="1800" b="0" i="0" u="none" strike="noStrike" kern="0" cap="none" spc="0" normalizeH="0" baseline="0" noProof="0" dirty="0" smtClean="0">
-                  <a:ln>
-                    <a:noFill/>
-                  </a:ln>
-                  <a:solidFill>
-                    <a:prstClr val="white"/>
-                  </a:solidFill>
-                  <a:effectLst/>
-                  <a:uLnTx/>
-                  <a:uFillTx/>
-                  <a:latin typeface="Calibri"/>
-                  <a:ea typeface="+mn-ea"/>
-                  <a:cs typeface="+mn-cs"/>
-                </a:endParaRPr>
               </a:p>
             </p:txBody>
           </p:sp>
@@ -35347,7 +35264,7 @@
             </p:nvSpPr>
             <p:spPr>
               <a:xfrm rot="16200000">
-                <a:off x="4445477" y="3513467"/>
+                <a:off x="4573514" y="3513467"/>
                 <a:ext cx="681940" cy="267086"/>
               </a:xfrm>
               <a:prstGeom prst="rect">
@@ -35402,20 +35319,6 @@
                   </a:rPr>
                   <a:t>wake</a:t>
                 </a:r>
-                <a:endParaRPr kumimoji="0" lang="en-US" sz="1800" b="0" i="0" u="none" strike="noStrike" kern="0" cap="none" spc="0" normalizeH="0" baseline="0" noProof="0" dirty="0" smtClean="0">
-                  <a:ln>
-                    <a:noFill/>
-                  </a:ln>
-                  <a:solidFill>
-                    <a:prstClr val="white"/>
-                  </a:solidFill>
-                  <a:effectLst/>
-                  <a:uLnTx/>
-                  <a:uFillTx/>
-                  <a:latin typeface="Calibri"/>
-                  <a:ea typeface="+mn-ea"/>
-                  <a:cs typeface="+mn-cs"/>
-                </a:endParaRPr>
               </a:p>
             </p:txBody>
           </p:sp>
@@ -35428,10 +35331,10 @@
           </p:nvGrpSpPr>
           <p:grpSpPr>
             <a:xfrm>
-              <a:off x="5257800" y="2133600"/>
-              <a:ext cx="1752253" cy="922020"/>
-              <a:chOff x="5167555" y="2209800"/>
-              <a:chExt cx="1752253" cy="922020"/>
+              <a:off x="5143114" y="2133600"/>
+              <a:ext cx="1981972" cy="922020"/>
+              <a:chOff x="5052869" y="2209800"/>
+              <a:chExt cx="1981972" cy="922020"/>
             </a:xfrm>
           </p:grpSpPr>
           <p:sp>
@@ -35499,20 +35402,6 @@
                   </a:rPr>
                   <a:t>RDYB</a:t>
                 </a:r>
-                <a:endParaRPr kumimoji="0" lang="en-US" sz="2000" b="0" i="0" u="none" strike="noStrike" kern="0" cap="none" spc="0" normalizeH="0" baseline="0" noProof="0" dirty="0" smtClean="0">
-                  <a:ln>
-                    <a:noFill/>
-                  </a:ln>
-                  <a:solidFill>
-                    <a:srgbClr val="1D1D1D"/>
-                  </a:solidFill>
-                  <a:effectLst/>
-                  <a:uLnTx/>
-                  <a:uFillTx/>
-                  <a:latin typeface="Calibri"/>
-                  <a:ea typeface="+mn-ea"/>
-                  <a:cs typeface="+mn-cs"/>
-                </a:endParaRPr>
               </a:p>
             </p:txBody>
           </p:sp>
@@ -35524,7 +35413,7 @@
             </p:nvSpPr>
             <p:spPr>
               <a:xfrm rot="16200000">
-                <a:off x="4926031" y="2537267"/>
+                <a:off x="4811345" y="2537267"/>
                 <a:ext cx="750134" cy="267086"/>
               </a:xfrm>
               <a:prstGeom prst="rect">
@@ -35596,7 +35485,7 @@
             </p:nvSpPr>
             <p:spPr>
               <a:xfrm rot="16200000">
-                <a:off x="6411198" y="2537268"/>
+                <a:off x="6526231" y="2537268"/>
                 <a:ext cx="750134" cy="267086"/>
               </a:xfrm>
               <a:prstGeom prst="rect">
@@ -35874,6 +35763,1817 @@
       </p:par>
     </p:tnLst>
   </p:timing>
+</p:sld>
+</file>
+
+<file path=ppt/slides/slide24.xml><?xml version="1.0" encoding="utf-8"?>
+<p:sld xmlns:a="http://schemas.openxmlformats.org/drawingml/2006/main" xmlns:r="http://schemas.openxmlformats.org/officeDocument/2006/relationships" xmlns:p="http://schemas.openxmlformats.org/presentationml/2006/main">
+  <p:cSld>
+    <p:spTree>
+      <p:nvGrpSpPr>
+        <p:cNvPr id="1" name=""/>
+        <p:cNvGrpSpPr/>
+        <p:nvPr/>
+      </p:nvGrpSpPr>
+      <p:grpSpPr>
+        <a:xfrm>
+          <a:off x="0" y="0"/>
+          <a:ext cx="0" cy="0"/>
+          <a:chOff x="0" y="0"/>
+          <a:chExt cx="0" cy="0"/>
+        </a:xfrm>
+      </p:grpSpPr>
+      <p:grpSp>
+        <p:nvGrpSpPr>
+          <p:cNvPr id="87" name="Group 86"/>
+          <p:cNvGrpSpPr/>
+          <p:nvPr/>
+        </p:nvGrpSpPr>
+        <p:grpSpPr>
+          <a:xfrm>
+            <a:off x="1219200" y="2209800"/>
+            <a:ext cx="10439400" cy="2476886"/>
+            <a:chOff x="1219200" y="2209800"/>
+            <a:chExt cx="10439400" cy="2476886"/>
+          </a:xfrm>
+        </p:grpSpPr>
+        <p:sp>
+          <p:nvSpPr>
+            <p:cNvPr id="78" name="Rectangle 77"/>
+            <p:cNvSpPr/>
+            <p:nvPr/>
+          </p:nvSpPr>
+          <p:spPr>
+            <a:xfrm>
+              <a:off x="1219200" y="2209800"/>
+              <a:ext cx="8458200" cy="2364668"/>
+            </a:xfrm>
+            <a:prstGeom prst="rect">
+              <a:avLst/>
+            </a:prstGeom>
+            <a:solidFill>
+              <a:schemeClr val="bg1">
+                <a:lumMod val="85000"/>
+              </a:schemeClr>
+            </a:solidFill>
+            <a:ln w="28575">
+              <a:solidFill>
+                <a:schemeClr val="tx1"/>
+              </a:solidFill>
+            </a:ln>
+          </p:spPr>
+          <p:style>
+            <a:lnRef idx="2">
+              <a:schemeClr val="accent1">
+                <a:shade val="50000"/>
+              </a:schemeClr>
+            </a:lnRef>
+            <a:fillRef idx="1">
+              <a:schemeClr val="accent1"/>
+            </a:fillRef>
+            <a:effectRef idx="0">
+              <a:schemeClr val="accent1"/>
+            </a:effectRef>
+            <a:fontRef idx="minor">
+              <a:schemeClr val="lt1"/>
+            </a:fontRef>
+          </p:style>
+          <p:txBody>
+            <a:bodyPr rtlCol="0" anchor="ctr"/>
+            <a:lstStyle/>
+            <a:p>
+              <a:pPr algn="ctr"/>
+              <a:endParaRPr lang="en-US" dirty="0"/>
+            </a:p>
+          </p:txBody>
+        </p:sp>
+        <p:sp>
+          <p:nvSpPr>
+            <p:cNvPr id="5" name="Rectangle 4"/>
+            <p:cNvSpPr/>
+            <p:nvPr/>
+          </p:nvSpPr>
+          <p:spPr>
+            <a:xfrm>
+              <a:off x="1365100" y="2796962"/>
+              <a:ext cx="469233" cy="331199"/>
+            </a:xfrm>
+            <a:prstGeom prst="rect">
+              <a:avLst/>
+            </a:prstGeom>
+            <a:solidFill>
+              <a:srgbClr val="F79646">
+                <a:lumMod val="40000"/>
+                <a:lumOff val="60000"/>
+              </a:srgbClr>
+            </a:solidFill>
+            <a:ln w="25400" cap="flat" cmpd="sng" algn="ctr">
+              <a:solidFill>
+                <a:sysClr val="windowText" lastClr="000000"/>
+              </a:solidFill>
+              <a:prstDash val="solid"/>
+            </a:ln>
+            <a:effectLst/>
+          </p:spPr>
+          <p:txBody>
+            <a:bodyPr rtlCol="0" anchor="ctr"/>
+            <a:lstStyle/>
+            <a:p>
+              <a:pPr marL="0" marR="0" lvl="0" indent="0" algn="ctr" defTabSz="914400" eaLnBrk="1" fontAlgn="auto" latinLnBrk="0" hangingPunct="1">
+                <a:lnSpc>
+                  <a:spcPct val="100000"/>
+                </a:lnSpc>
+                <a:spcBef>
+                  <a:spcPts val="0"/>
+                </a:spcBef>
+                <a:spcAft>
+                  <a:spcPts val="0"/>
+                </a:spcAft>
+                <a:buClrTx/>
+                <a:buSzTx/>
+                <a:buFontTx/>
+                <a:buNone/>
+                <a:tabLst/>
+                <a:defRPr/>
+              </a:pPr>
+              <a:r>
+                <a:rPr kumimoji="0" lang="en-US" sz="2000" b="1" i="0" u="none" strike="noStrike" kern="0" cap="none" spc="0" normalizeH="0" baseline="0" noProof="0" dirty="0" smtClean="0">
+                  <a:ln>
+                    <a:noFill/>
+                  </a:ln>
+                  <a:solidFill>
+                    <a:prstClr val="black"/>
+                  </a:solidFill>
+                  <a:effectLst/>
+                  <a:uLnTx/>
+                  <a:uFillTx/>
+                </a:rPr>
+                <a:t>PC</a:t>
+              </a:r>
+            </a:p>
+          </p:txBody>
+        </p:sp>
+        <p:sp>
+          <p:nvSpPr>
+            <p:cNvPr id="6" name="Cloud 5"/>
+            <p:cNvSpPr/>
+            <p:nvPr/>
+          </p:nvSpPr>
+          <p:spPr>
+            <a:xfrm>
+              <a:off x="1937123" y="2714138"/>
+              <a:ext cx="1395103" cy="829819"/>
+            </a:xfrm>
+            <a:prstGeom prst="cloud">
+              <a:avLst/>
+            </a:prstGeom>
+            <a:solidFill>
+              <a:srgbClr val="4BACC6">
+                <a:lumMod val="40000"/>
+                <a:lumOff val="60000"/>
+              </a:srgbClr>
+            </a:solidFill>
+            <a:ln w="25400" cap="flat" cmpd="sng" algn="ctr">
+              <a:solidFill>
+                <a:sysClr val="windowText" lastClr="000000"/>
+              </a:solidFill>
+              <a:prstDash val="solid"/>
+            </a:ln>
+            <a:effectLst/>
+          </p:spPr>
+          <p:txBody>
+            <a:bodyPr rtlCol="0" anchor="ctr"/>
+            <a:lstStyle/>
+            <a:p>
+              <a:pPr marL="0" marR="0" lvl="0" indent="0" algn="ctr" defTabSz="914400" eaLnBrk="1" fontAlgn="auto" latinLnBrk="0" hangingPunct="1">
+                <a:lnSpc>
+                  <a:spcPct val="100000"/>
+                </a:lnSpc>
+                <a:spcBef>
+                  <a:spcPts val="0"/>
+                </a:spcBef>
+                <a:spcAft>
+                  <a:spcPts val="0"/>
+                </a:spcAft>
+                <a:buClrTx/>
+                <a:buSzTx/>
+                <a:buFontTx/>
+                <a:buNone/>
+                <a:tabLst/>
+                <a:defRPr/>
+              </a:pPr>
+              <a:r>
+                <a:rPr kumimoji="0" lang="en-US" sz="2000" b="1" i="0" u="none" strike="noStrike" kern="0" cap="none" spc="0" normalizeH="0" baseline="0" noProof="0" dirty="0" smtClean="0">
+                  <a:ln>
+                    <a:noFill/>
+                  </a:ln>
+                  <a:solidFill>
+                    <a:prstClr val="black"/>
+                  </a:solidFill>
+                  <a:effectLst/>
+                  <a:uLnTx/>
+                  <a:uFillTx/>
+                </a:rPr>
+                <a:t>Fetch1</a:t>
+              </a:r>
+            </a:p>
+          </p:txBody>
+        </p:sp>
+        <p:sp>
+          <p:nvSpPr>
+            <p:cNvPr id="8" name="Cloud 7"/>
+            <p:cNvSpPr/>
+            <p:nvPr/>
+          </p:nvSpPr>
+          <p:spPr>
+            <a:xfrm>
+              <a:off x="3889124" y="2714138"/>
+              <a:ext cx="1368676" cy="829819"/>
+            </a:xfrm>
+            <a:prstGeom prst="cloud">
+              <a:avLst/>
+            </a:prstGeom>
+            <a:solidFill>
+              <a:srgbClr val="4BACC6">
+                <a:lumMod val="40000"/>
+                <a:lumOff val="60000"/>
+              </a:srgbClr>
+            </a:solidFill>
+            <a:ln w="25400" cap="flat" cmpd="sng" algn="ctr">
+              <a:solidFill>
+                <a:sysClr val="windowText" lastClr="000000"/>
+              </a:solidFill>
+              <a:prstDash val="solid"/>
+            </a:ln>
+            <a:effectLst/>
+          </p:spPr>
+          <p:txBody>
+            <a:bodyPr rtlCol="0" anchor="ctr"/>
+            <a:lstStyle/>
+            <a:p>
+              <a:pPr marL="0" marR="0" lvl="0" indent="0" algn="ctr" defTabSz="914400" eaLnBrk="1" fontAlgn="auto" latinLnBrk="0" hangingPunct="1">
+                <a:lnSpc>
+                  <a:spcPct val="100000"/>
+                </a:lnSpc>
+                <a:spcBef>
+                  <a:spcPts val="0"/>
+                </a:spcBef>
+                <a:spcAft>
+                  <a:spcPts val="0"/>
+                </a:spcAft>
+                <a:buClrTx/>
+                <a:buSzTx/>
+                <a:buFontTx/>
+                <a:buNone/>
+                <a:tabLst/>
+                <a:defRPr/>
+              </a:pPr>
+              <a:r>
+                <a:rPr kumimoji="0" lang="en-US" sz="2000" b="1" i="0" u="none" strike="noStrike" kern="0" cap="none" spc="0" normalizeH="0" baseline="0" noProof="0" dirty="0" smtClean="0">
+                  <a:ln>
+                    <a:noFill/>
+                  </a:ln>
+                  <a:solidFill>
+                    <a:prstClr val="black"/>
+                  </a:solidFill>
+                  <a:effectLst/>
+                  <a:uLnTx/>
+                  <a:uFillTx/>
+                </a:rPr>
+                <a:t>Fetch2</a:t>
+              </a:r>
+            </a:p>
+          </p:txBody>
+        </p:sp>
+        <p:sp>
+          <p:nvSpPr>
+            <p:cNvPr id="10" name="Cloud 9"/>
+            <p:cNvSpPr/>
+            <p:nvPr/>
+          </p:nvSpPr>
+          <p:spPr>
+            <a:xfrm>
+              <a:off x="5823358" y="2714138"/>
+              <a:ext cx="1358326" cy="829819"/>
+            </a:xfrm>
+            <a:prstGeom prst="cloud">
+              <a:avLst/>
+            </a:prstGeom>
+            <a:solidFill>
+              <a:srgbClr val="4BACC6">
+                <a:lumMod val="40000"/>
+                <a:lumOff val="60000"/>
+              </a:srgbClr>
+            </a:solidFill>
+            <a:ln w="25400" cap="flat" cmpd="sng" algn="ctr">
+              <a:solidFill>
+                <a:sysClr val="windowText" lastClr="000000"/>
+              </a:solidFill>
+              <a:prstDash val="solid"/>
+            </a:ln>
+            <a:effectLst/>
+          </p:spPr>
+          <p:txBody>
+            <a:bodyPr rtlCol="0" anchor="ctr"/>
+            <a:lstStyle/>
+            <a:p>
+              <a:pPr marL="0" marR="0" lvl="0" indent="0" algn="ctr" defTabSz="914400" eaLnBrk="1" fontAlgn="auto" latinLnBrk="0" hangingPunct="1">
+                <a:lnSpc>
+                  <a:spcPct val="100000"/>
+                </a:lnSpc>
+                <a:spcBef>
+                  <a:spcPts val="0"/>
+                </a:spcBef>
+                <a:spcAft>
+                  <a:spcPts val="0"/>
+                </a:spcAft>
+                <a:buClrTx/>
+                <a:buSzTx/>
+                <a:buFontTx/>
+                <a:buNone/>
+                <a:tabLst/>
+                <a:defRPr/>
+              </a:pPr>
+              <a:r>
+                <a:rPr kumimoji="0" lang="en-US" sz="2000" b="1" i="0" u="none" strike="noStrike" kern="0" cap="none" spc="0" normalizeH="0" baseline="0" noProof="0" dirty="0" smtClean="0">
+                  <a:ln>
+                    <a:noFill/>
+                  </a:ln>
+                  <a:solidFill>
+                    <a:prstClr val="black"/>
+                  </a:solidFill>
+                  <a:effectLst/>
+                  <a:uLnTx/>
+                  <a:uFillTx/>
+                </a:rPr>
+                <a:t>Fetch3</a:t>
+              </a:r>
+            </a:p>
+          </p:txBody>
+        </p:sp>
+        <p:sp>
+          <p:nvSpPr>
+            <p:cNvPr id="12" name="Cloud 11"/>
+            <p:cNvSpPr/>
+            <p:nvPr/>
+          </p:nvSpPr>
+          <p:spPr>
+            <a:xfrm>
+              <a:off x="7696200" y="2714138"/>
+              <a:ext cx="1539531" cy="829819"/>
+            </a:xfrm>
+            <a:prstGeom prst="cloud">
+              <a:avLst/>
+            </a:prstGeom>
+            <a:solidFill>
+              <a:srgbClr val="4BACC6">
+                <a:lumMod val="40000"/>
+                <a:lumOff val="60000"/>
+              </a:srgbClr>
+            </a:solidFill>
+            <a:ln w="25400" cap="flat" cmpd="sng" algn="ctr">
+              <a:solidFill>
+                <a:sysClr val="windowText" lastClr="000000"/>
+              </a:solidFill>
+              <a:prstDash val="solid"/>
+            </a:ln>
+            <a:effectLst/>
+          </p:spPr>
+          <p:txBody>
+            <a:bodyPr rtlCol="0" anchor="ctr"/>
+            <a:lstStyle/>
+            <a:p>
+              <a:pPr marL="0" marR="0" lvl="0" indent="0" algn="ctr" defTabSz="914400" eaLnBrk="1" fontAlgn="auto" latinLnBrk="0" hangingPunct="1">
+                <a:lnSpc>
+                  <a:spcPct val="100000"/>
+                </a:lnSpc>
+                <a:spcBef>
+                  <a:spcPts val="0"/>
+                </a:spcBef>
+                <a:spcAft>
+                  <a:spcPts val="0"/>
+                </a:spcAft>
+                <a:buClrTx/>
+                <a:buSzTx/>
+                <a:buFontTx/>
+                <a:buNone/>
+                <a:tabLst/>
+                <a:defRPr/>
+              </a:pPr>
+              <a:r>
+                <a:rPr kumimoji="0" lang="en-US" sz="2000" b="1" i="0" u="none" strike="noStrike" kern="0" cap="none" spc="0" normalizeH="0" baseline="0" noProof="0" dirty="0" smtClean="0">
+                  <a:ln>
+                    <a:noFill/>
+                  </a:ln>
+                  <a:solidFill>
+                    <a:prstClr val="black"/>
+                  </a:solidFill>
+                  <a:effectLst/>
+                  <a:uLnTx/>
+                  <a:uFillTx/>
+                </a:rPr>
+                <a:t>Decode</a:t>
+              </a:r>
+            </a:p>
+          </p:txBody>
+        </p:sp>
+        <p:sp>
+          <p:nvSpPr>
+            <p:cNvPr id="13" name="Rectangle 12"/>
+            <p:cNvSpPr/>
+            <p:nvPr/>
+          </p:nvSpPr>
+          <p:spPr>
+            <a:xfrm>
+              <a:off x="2966598" y="3760070"/>
+              <a:ext cx="1144375" cy="331199"/>
+            </a:xfrm>
+            <a:prstGeom prst="rect">
+              <a:avLst/>
+            </a:prstGeom>
+            <a:solidFill>
+              <a:srgbClr val="F79646">
+                <a:lumMod val="40000"/>
+                <a:lumOff val="60000"/>
+              </a:srgbClr>
+            </a:solidFill>
+            <a:ln w="25400" cap="flat" cmpd="sng" algn="ctr">
+              <a:solidFill>
+                <a:sysClr val="windowText" lastClr="000000"/>
+              </a:solidFill>
+              <a:prstDash val="solid"/>
+            </a:ln>
+            <a:effectLst/>
+          </p:spPr>
+          <p:txBody>
+            <a:bodyPr rtlCol="0" anchor="ctr"/>
+            <a:lstStyle/>
+            <a:p>
+              <a:pPr marL="0" marR="0" lvl="0" indent="0" algn="ctr" defTabSz="914400" eaLnBrk="1" fontAlgn="auto" latinLnBrk="0" hangingPunct="1">
+                <a:lnSpc>
+                  <a:spcPct val="100000"/>
+                </a:lnSpc>
+                <a:spcBef>
+                  <a:spcPts val="0"/>
+                </a:spcBef>
+                <a:spcAft>
+                  <a:spcPts val="0"/>
+                </a:spcAft>
+                <a:buClrTx/>
+                <a:buSzTx/>
+                <a:buFontTx/>
+                <a:buNone/>
+                <a:tabLst/>
+                <a:defRPr/>
+              </a:pPr>
+              <a:r>
+                <a:rPr kumimoji="0" lang="en-US" sz="2000" b="1" i="0" u="none" strike="noStrike" kern="0" cap="none" spc="0" normalizeH="0" baseline="0" noProof="0" dirty="0" smtClean="0">
+                  <a:ln>
+                    <a:noFill/>
+                  </a:ln>
+                  <a:solidFill>
+                    <a:prstClr val="black"/>
+                  </a:solidFill>
+                  <a:effectLst/>
+                  <a:uLnTx/>
+                  <a:uFillTx/>
+                </a:rPr>
+                <a:t>L1 I TLB</a:t>
+              </a:r>
+            </a:p>
+          </p:txBody>
+        </p:sp>
+        <p:cxnSp>
+          <p:nvCxnSpPr>
+            <p:cNvPr id="14" name="Elbow Connector 13"/>
+            <p:cNvCxnSpPr>
+              <a:stCxn id="6" idx="1"/>
+              <a:endCxn id="13" idx="1"/>
+            </p:cNvCxnSpPr>
+            <p:nvPr/>
+          </p:nvCxnSpPr>
+          <p:spPr>
+            <a:xfrm rot="16200000" flipH="1">
+              <a:off x="2609338" y="3568409"/>
+              <a:ext cx="382597" cy="331923"/>
+            </a:xfrm>
+            <a:prstGeom prst="bentConnector2">
+              <a:avLst/>
+            </a:prstGeom>
+            <a:noFill/>
+            <a:ln w="12700" cap="flat" cmpd="sng" algn="ctr">
+              <a:solidFill>
+                <a:sysClr val="windowText" lastClr="000000"/>
+              </a:solidFill>
+              <a:prstDash val="solid"/>
+              <a:tailEnd type="triangle"/>
+            </a:ln>
+            <a:effectLst/>
+          </p:spPr>
+        </p:cxnSp>
+        <p:cxnSp>
+          <p:nvCxnSpPr>
+            <p:cNvPr id="15" name="Elbow Connector 14"/>
+            <p:cNvCxnSpPr>
+              <a:stCxn id="13" idx="3"/>
+            </p:cNvCxnSpPr>
+            <p:nvPr/>
+          </p:nvCxnSpPr>
+          <p:spPr>
+            <a:xfrm flipV="1">
+              <a:off x="4110973" y="3459529"/>
+              <a:ext cx="259660" cy="466141"/>
+            </a:xfrm>
+            <a:prstGeom prst="bentConnector2">
+              <a:avLst/>
+            </a:prstGeom>
+            <a:noFill/>
+            <a:ln w="12700" cap="flat" cmpd="sng" algn="ctr">
+              <a:solidFill>
+                <a:sysClr val="windowText" lastClr="000000"/>
+              </a:solidFill>
+              <a:prstDash val="solid"/>
+              <a:tailEnd type="triangle"/>
+            </a:ln>
+            <a:effectLst/>
+          </p:spPr>
+        </p:cxnSp>
+        <p:cxnSp>
+          <p:nvCxnSpPr>
+            <p:cNvPr id="16" name="Straight Arrow Connector 15"/>
+            <p:cNvCxnSpPr>
+              <a:stCxn id="6" idx="0"/>
+              <a:endCxn id="43" idx="1"/>
+            </p:cNvCxnSpPr>
+            <p:nvPr/>
+          </p:nvCxnSpPr>
+          <p:spPr>
+            <a:xfrm flipV="1">
+              <a:off x="3331063" y="3129047"/>
+              <a:ext cx="237349" cy="1"/>
+            </a:xfrm>
+            <a:prstGeom prst="straightConnector1">
+              <a:avLst/>
+            </a:prstGeom>
+            <a:noFill/>
+            <a:ln w="12700" cap="flat" cmpd="sng" algn="ctr">
+              <a:solidFill>
+                <a:sysClr val="windowText" lastClr="000000"/>
+              </a:solidFill>
+              <a:prstDash val="solid"/>
+              <a:tailEnd type="triangle"/>
+            </a:ln>
+            <a:effectLst/>
+          </p:spPr>
+        </p:cxnSp>
+        <p:cxnSp>
+          <p:nvCxnSpPr>
+            <p:cNvPr id="17" name="Straight Arrow Connector 16"/>
+            <p:cNvCxnSpPr>
+              <a:stCxn id="43" idx="3"/>
+              <a:endCxn id="8" idx="2"/>
+            </p:cNvCxnSpPr>
+            <p:nvPr/>
+          </p:nvCxnSpPr>
+          <p:spPr>
+            <a:xfrm>
+              <a:off x="3698258" y="3129047"/>
+              <a:ext cx="195111" cy="1"/>
+            </a:xfrm>
+            <a:prstGeom prst="straightConnector1">
+              <a:avLst/>
+            </a:prstGeom>
+            <a:noFill/>
+            <a:ln w="12700" cap="flat" cmpd="sng" algn="ctr">
+              <a:solidFill>
+                <a:sysClr val="windowText" lastClr="000000"/>
+              </a:solidFill>
+              <a:prstDash val="solid"/>
+              <a:tailEnd type="triangle"/>
+            </a:ln>
+            <a:effectLst/>
+          </p:spPr>
+        </p:cxnSp>
+        <p:cxnSp>
+          <p:nvCxnSpPr>
+            <p:cNvPr id="18" name="Straight Arrow Connector 17"/>
+            <p:cNvCxnSpPr>
+              <a:stCxn id="8" idx="0"/>
+              <a:endCxn id="56" idx="1"/>
+            </p:cNvCxnSpPr>
+            <p:nvPr/>
+          </p:nvCxnSpPr>
+          <p:spPr>
+            <a:xfrm flipV="1">
+              <a:off x="5256659" y="3129047"/>
+              <a:ext cx="252295" cy="1"/>
+            </a:xfrm>
+            <a:prstGeom prst="straightConnector1">
+              <a:avLst/>
+            </a:prstGeom>
+            <a:noFill/>
+            <a:ln w="12700" cap="flat" cmpd="sng" algn="ctr">
+              <a:solidFill>
+                <a:sysClr val="windowText" lastClr="000000"/>
+              </a:solidFill>
+              <a:prstDash val="solid"/>
+              <a:tailEnd type="triangle"/>
+            </a:ln>
+            <a:effectLst/>
+          </p:spPr>
+        </p:cxnSp>
+        <p:cxnSp>
+          <p:nvCxnSpPr>
+            <p:cNvPr id="19" name="Straight Arrow Connector 18"/>
+            <p:cNvCxnSpPr>
+              <a:stCxn id="56" idx="3"/>
+              <a:endCxn id="10" idx="2"/>
+            </p:cNvCxnSpPr>
+            <p:nvPr/>
+          </p:nvCxnSpPr>
+          <p:spPr>
+            <a:xfrm>
+              <a:off x="5638800" y="3129047"/>
+              <a:ext cx="188771" cy="1"/>
+            </a:xfrm>
+            <a:prstGeom prst="straightConnector1">
+              <a:avLst/>
+            </a:prstGeom>
+            <a:noFill/>
+            <a:ln w="12700" cap="flat" cmpd="sng" algn="ctr">
+              <a:solidFill>
+                <a:sysClr val="windowText" lastClr="000000"/>
+              </a:solidFill>
+              <a:prstDash val="solid"/>
+              <a:tailEnd type="triangle"/>
+            </a:ln>
+            <a:effectLst/>
+          </p:spPr>
+        </p:cxnSp>
+        <p:cxnSp>
+          <p:nvCxnSpPr>
+            <p:cNvPr id="20" name="Straight Arrow Connector 19"/>
+            <p:cNvCxnSpPr>
+              <a:stCxn id="10" idx="0"/>
+              <a:endCxn id="62" idx="1"/>
+            </p:cNvCxnSpPr>
+            <p:nvPr/>
+          </p:nvCxnSpPr>
+          <p:spPr>
+            <a:xfrm flipV="1">
+              <a:off x="7180552" y="3129046"/>
+              <a:ext cx="199936" cy="2"/>
+            </a:xfrm>
+            <a:prstGeom prst="straightConnector1">
+              <a:avLst/>
+            </a:prstGeom>
+            <a:noFill/>
+            <a:ln w="12700" cap="flat" cmpd="sng" algn="ctr">
+              <a:solidFill>
+                <a:sysClr val="windowText" lastClr="000000"/>
+              </a:solidFill>
+              <a:prstDash val="solid"/>
+              <a:tailEnd type="triangle"/>
+            </a:ln>
+            <a:effectLst/>
+          </p:spPr>
+        </p:cxnSp>
+        <p:cxnSp>
+          <p:nvCxnSpPr>
+            <p:cNvPr id="21" name="Straight Arrow Connector 20"/>
+            <p:cNvCxnSpPr>
+              <a:stCxn id="62" idx="3"/>
+              <a:endCxn id="12" idx="2"/>
+            </p:cNvCxnSpPr>
+            <p:nvPr/>
+          </p:nvCxnSpPr>
+          <p:spPr>
+            <a:xfrm>
+              <a:off x="7510334" y="3129046"/>
+              <a:ext cx="190641" cy="2"/>
+            </a:xfrm>
+            <a:prstGeom prst="straightConnector1">
+              <a:avLst/>
+            </a:prstGeom>
+            <a:noFill/>
+            <a:ln w="12700" cap="flat" cmpd="sng" algn="ctr">
+              <a:solidFill>
+                <a:sysClr val="windowText" lastClr="000000"/>
+              </a:solidFill>
+              <a:prstDash val="solid"/>
+              <a:tailEnd type="triangle"/>
+            </a:ln>
+            <a:effectLst/>
+          </p:spPr>
+        </p:cxnSp>
+        <p:sp>
+          <p:nvSpPr>
+            <p:cNvPr id="22" name="Rectangle 21"/>
+            <p:cNvSpPr/>
+            <p:nvPr/>
+          </p:nvSpPr>
+          <p:spPr>
+            <a:xfrm>
+              <a:off x="5105400" y="3760070"/>
+              <a:ext cx="1144375" cy="331199"/>
+            </a:xfrm>
+            <a:prstGeom prst="rect">
+              <a:avLst/>
+            </a:prstGeom>
+            <a:solidFill>
+              <a:srgbClr val="F79646">
+                <a:lumMod val="40000"/>
+                <a:lumOff val="60000"/>
+              </a:srgbClr>
+            </a:solidFill>
+            <a:ln w="25400" cap="flat" cmpd="sng" algn="ctr">
+              <a:solidFill>
+                <a:sysClr val="windowText" lastClr="000000"/>
+              </a:solidFill>
+              <a:prstDash val="solid"/>
+            </a:ln>
+            <a:effectLst/>
+          </p:spPr>
+          <p:txBody>
+            <a:bodyPr rtlCol="0" anchor="ctr"/>
+            <a:lstStyle/>
+            <a:p>
+              <a:pPr marL="0" marR="0" lvl="0" indent="0" algn="ctr" defTabSz="914400" eaLnBrk="1" fontAlgn="auto" latinLnBrk="0" hangingPunct="1">
+                <a:lnSpc>
+                  <a:spcPct val="100000"/>
+                </a:lnSpc>
+                <a:spcBef>
+                  <a:spcPts val="0"/>
+                </a:spcBef>
+                <a:spcAft>
+                  <a:spcPts val="0"/>
+                </a:spcAft>
+                <a:buClrTx/>
+                <a:buSzTx/>
+                <a:buFontTx/>
+                <a:buNone/>
+                <a:tabLst/>
+                <a:defRPr/>
+              </a:pPr>
+              <a:r>
+                <a:rPr kumimoji="0" lang="en-US" sz="2000" b="1" i="0" u="none" strike="noStrike" kern="0" cap="none" spc="0" normalizeH="0" baseline="0" noProof="0" dirty="0" smtClean="0">
+                  <a:ln>
+                    <a:noFill/>
+                  </a:ln>
+                  <a:solidFill>
+                    <a:prstClr val="black"/>
+                  </a:solidFill>
+                  <a:effectLst/>
+                  <a:uLnTx/>
+                  <a:uFillTx/>
+                </a:rPr>
+                <a:t>L1 I$</a:t>
+              </a:r>
+            </a:p>
+          </p:txBody>
+        </p:sp>
+        <p:cxnSp>
+          <p:nvCxnSpPr>
+            <p:cNvPr id="23" name="Elbow Connector 22"/>
+            <p:cNvCxnSpPr>
+              <a:endCxn id="22" idx="1"/>
+            </p:cNvCxnSpPr>
+            <p:nvPr/>
+          </p:nvCxnSpPr>
+          <p:spPr>
+            <a:xfrm rot="16200000" flipH="1">
+              <a:off x="4742500" y="3562770"/>
+              <a:ext cx="466140" cy="259660"/>
+            </a:xfrm>
+            <a:prstGeom prst="bentConnector2">
+              <a:avLst/>
+            </a:prstGeom>
+            <a:noFill/>
+            <a:ln w="12700" cap="flat" cmpd="sng" algn="ctr">
+              <a:solidFill>
+                <a:sysClr val="windowText" lastClr="000000"/>
+              </a:solidFill>
+              <a:prstDash val="solid"/>
+              <a:tailEnd type="triangle"/>
+            </a:ln>
+            <a:effectLst/>
+          </p:spPr>
+        </p:cxnSp>
+        <p:cxnSp>
+          <p:nvCxnSpPr>
+            <p:cNvPr id="24" name="Elbow Connector 23"/>
+            <p:cNvCxnSpPr>
+              <a:stCxn id="22" idx="3"/>
+              <a:endCxn id="10" idx="1"/>
+            </p:cNvCxnSpPr>
+            <p:nvPr/>
+          </p:nvCxnSpPr>
+          <p:spPr>
+            <a:xfrm flipV="1">
+              <a:off x="6249775" y="3543073"/>
+              <a:ext cx="252746" cy="382597"/>
+            </a:xfrm>
+            <a:prstGeom prst="bentConnector2">
+              <a:avLst/>
+            </a:prstGeom>
+            <a:noFill/>
+            <a:ln w="12700" cap="flat" cmpd="sng" algn="ctr">
+              <a:solidFill>
+                <a:sysClr val="windowText" lastClr="000000"/>
+              </a:solidFill>
+              <a:prstDash val="solid"/>
+              <a:tailEnd type="triangle"/>
+            </a:ln>
+            <a:effectLst/>
+          </p:spPr>
+        </p:cxnSp>
+        <p:cxnSp>
+          <p:nvCxnSpPr>
+            <p:cNvPr id="29" name="Straight Arrow Connector 28"/>
+            <p:cNvCxnSpPr>
+              <a:stCxn id="12" idx="0"/>
+              <a:endCxn id="68" idx="1"/>
+            </p:cNvCxnSpPr>
+            <p:nvPr/>
+          </p:nvCxnSpPr>
+          <p:spPr>
+            <a:xfrm flipV="1">
+              <a:off x="9234448" y="3129046"/>
+              <a:ext cx="210316" cy="2"/>
+            </a:xfrm>
+            <a:prstGeom prst="straightConnector1">
+              <a:avLst/>
+            </a:prstGeom>
+            <a:noFill/>
+            <a:ln w="12700" cap="flat" cmpd="sng" algn="ctr">
+              <a:solidFill>
+                <a:sysClr val="windowText" lastClr="000000"/>
+              </a:solidFill>
+              <a:prstDash val="solid"/>
+              <a:tailEnd type="triangle"/>
+            </a:ln>
+            <a:effectLst/>
+          </p:spPr>
+        </p:cxnSp>
+        <p:cxnSp>
+          <p:nvCxnSpPr>
+            <p:cNvPr id="30" name="Straight Arrow Connector 29"/>
+            <p:cNvCxnSpPr>
+              <a:stCxn id="68" idx="3"/>
+              <a:endCxn id="36" idx="2"/>
+            </p:cNvCxnSpPr>
+            <p:nvPr/>
+          </p:nvCxnSpPr>
+          <p:spPr>
+            <a:xfrm flipV="1">
+              <a:off x="9574610" y="3128162"/>
+              <a:ext cx="355157" cy="884"/>
+            </a:xfrm>
+            <a:prstGeom prst="straightConnector1">
+              <a:avLst/>
+            </a:prstGeom>
+            <a:noFill/>
+            <a:ln w="12700" cap="flat" cmpd="sng" algn="ctr">
+              <a:solidFill>
+                <a:sysClr val="windowText" lastClr="000000"/>
+              </a:solidFill>
+              <a:prstDash val="solid"/>
+              <a:tailEnd type="triangle"/>
+            </a:ln>
+            <a:effectLst/>
+          </p:spPr>
+        </p:cxnSp>
+        <p:sp>
+          <p:nvSpPr>
+            <p:cNvPr id="36" name="Cloud 35"/>
+            <p:cNvSpPr/>
+            <p:nvPr/>
+          </p:nvSpPr>
+          <p:spPr>
+            <a:xfrm>
+              <a:off x="9924755" y="2713252"/>
+              <a:ext cx="1615731" cy="829819"/>
+            </a:xfrm>
+            <a:prstGeom prst="cloud">
+              <a:avLst/>
+            </a:prstGeom>
+            <a:solidFill>
+              <a:srgbClr val="4BACC6">
+                <a:lumMod val="40000"/>
+                <a:lumOff val="60000"/>
+              </a:srgbClr>
+            </a:solidFill>
+            <a:ln w="25400" cap="flat" cmpd="sng" algn="ctr">
+              <a:solidFill>
+                <a:sysClr val="windowText" lastClr="000000"/>
+              </a:solidFill>
+              <a:prstDash val="solid"/>
+            </a:ln>
+            <a:effectLst/>
+          </p:spPr>
+          <p:txBody>
+            <a:bodyPr rtlCol="0" anchor="ctr"/>
+            <a:lstStyle/>
+            <a:p>
+              <a:pPr marL="0" marR="0" lvl="0" indent="0" algn="ctr" defTabSz="914400" eaLnBrk="1" fontAlgn="auto" latinLnBrk="0" hangingPunct="1">
+                <a:lnSpc>
+                  <a:spcPct val="100000"/>
+                </a:lnSpc>
+                <a:spcBef>
+                  <a:spcPts val="0"/>
+                </a:spcBef>
+                <a:spcAft>
+                  <a:spcPts val="0"/>
+                </a:spcAft>
+                <a:buClrTx/>
+                <a:buSzTx/>
+                <a:buFontTx/>
+                <a:buNone/>
+                <a:tabLst/>
+                <a:defRPr/>
+              </a:pPr>
+              <a:r>
+                <a:rPr kumimoji="0" lang="en-US" sz="2000" b="1" i="0" u="none" strike="noStrike" kern="0" cap="none" spc="0" normalizeH="0" baseline="0" noProof="0" dirty="0" smtClean="0">
+                  <a:ln>
+                    <a:noFill/>
+                  </a:ln>
+                  <a:solidFill>
+                    <a:prstClr val="black"/>
+                  </a:solidFill>
+                  <a:effectLst/>
+                  <a:uLnTx/>
+                  <a:uFillTx/>
+                </a:rPr>
+                <a:t>Rename</a:t>
+              </a:r>
+            </a:p>
+          </p:txBody>
+        </p:sp>
+        <p:grpSp>
+          <p:nvGrpSpPr>
+            <p:cNvPr id="51" name="Group 50"/>
+            <p:cNvGrpSpPr/>
+            <p:nvPr/>
+          </p:nvGrpSpPr>
+          <p:grpSpPr>
+            <a:xfrm>
+              <a:off x="3467657" y="2963447"/>
+              <a:ext cx="230601" cy="331199"/>
+              <a:chOff x="5540558" y="1752600"/>
+              <a:chExt cx="230601" cy="331199"/>
+            </a:xfrm>
+          </p:grpSpPr>
+          <p:sp>
+            <p:nvSpPr>
+              <p:cNvPr id="43" name="Rectangle 42"/>
+              <p:cNvSpPr/>
+              <p:nvPr/>
+            </p:nvSpPr>
+            <p:spPr>
+              <a:xfrm>
+                <a:off x="5641313" y="1752600"/>
+                <a:ext cx="129846" cy="331199"/>
+              </a:xfrm>
+              <a:prstGeom prst="rect">
+                <a:avLst/>
+              </a:prstGeom>
+              <a:solidFill>
+                <a:srgbClr val="F79646">
+                  <a:lumMod val="40000"/>
+                  <a:lumOff val="60000"/>
+                </a:srgbClr>
+              </a:solidFill>
+              <a:ln w="19050" cap="flat" cmpd="sng" algn="ctr">
+                <a:solidFill>
+                  <a:sysClr val="windowText" lastClr="000000"/>
+                </a:solidFill>
+                <a:prstDash val="solid"/>
+              </a:ln>
+              <a:effectLst/>
+            </p:spPr>
+            <p:txBody>
+              <a:bodyPr rtlCol="0" anchor="ctr"/>
+              <a:lstStyle/>
+              <a:p>
+                <a:pPr marL="0" marR="0" lvl="0" indent="0" algn="ctr" defTabSz="914400" eaLnBrk="1" fontAlgn="auto" latinLnBrk="0" hangingPunct="1">
+                  <a:lnSpc>
+                    <a:spcPct val="100000"/>
+                  </a:lnSpc>
+                  <a:spcBef>
+                    <a:spcPts val="0"/>
+                  </a:spcBef>
+                  <a:spcAft>
+                    <a:spcPts val="0"/>
+                  </a:spcAft>
+                  <a:buClrTx/>
+                  <a:buSzTx/>
+                  <a:buFontTx/>
+                  <a:buNone/>
+                  <a:tabLst/>
+                  <a:defRPr/>
+                </a:pPr>
+                <a:endParaRPr kumimoji="0" lang="en-US" sz="2000" b="1" i="0" u="none" strike="noStrike" kern="0" cap="none" spc="0" normalizeH="0" baseline="0" noProof="0" dirty="0" smtClean="0">
+                  <a:ln>
+                    <a:noFill/>
+                  </a:ln>
+                  <a:solidFill>
+                    <a:prstClr val="black"/>
+                  </a:solidFill>
+                  <a:effectLst/>
+                  <a:uLnTx/>
+                  <a:uFillTx/>
+                </a:endParaRPr>
+              </a:p>
+            </p:txBody>
+          </p:sp>
+          <p:cxnSp>
+            <p:nvCxnSpPr>
+              <p:cNvPr id="45" name="Straight Connector 44"/>
+              <p:cNvCxnSpPr>
+                <a:stCxn id="43" idx="0"/>
+              </p:cNvCxnSpPr>
+              <p:nvPr/>
+            </p:nvCxnSpPr>
+            <p:spPr>
+              <a:xfrm flipH="1">
+                <a:off x="5540558" y="1752600"/>
+                <a:ext cx="165678" cy="0"/>
+              </a:xfrm>
+              <a:prstGeom prst="line">
+                <a:avLst/>
+              </a:prstGeom>
+              <a:ln w="19050">
+                <a:solidFill>
+                  <a:schemeClr val="tx1"/>
+                </a:solidFill>
+              </a:ln>
+            </p:spPr>
+            <p:style>
+              <a:lnRef idx="1">
+                <a:schemeClr val="accent1"/>
+              </a:lnRef>
+              <a:fillRef idx="0">
+                <a:schemeClr val="accent1"/>
+              </a:fillRef>
+              <a:effectRef idx="0">
+                <a:schemeClr val="accent1"/>
+              </a:effectRef>
+              <a:fontRef idx="minor">
+                <a:schemeClr val="tx1"/>
+              </a:fontRef>
+            </p:style>
+          </p:cxnSp>
+          <p:cxnSp>
+            <p:nvCxnSpPr>
+              <p:cNvPr id="48" name="Straight Connector 47"/>
+              <p:cNvCxnSpPr>
+                <a:stCxn id="43" idx="2"/>
+              </p:cNvCxnSpPr>
+              <p:nvPr/>
+            </p:nvCxnSpPr>
+            <p:spPr>
+              <a:xfrm flipH="1">
+                <a:off x="5541801" y="2083799"/>
+                <a:ext cx="164435" cy="0"/>
+              </a:xfrm>
+              <a:prstGeom prst="line">
+                <a:avLst/>
+              </a:prstGeom>
+              <a:ln w="19050">
+                <a:solidFill>
+                  <a:schemeClr val="tx1"/>
+                </a:solidFill>
+              </a:ln>
+            </p:spPr>
+            <p:style>
+              <a:lnRef idx="1">
+                <a:schemeClr val="accent1"/>
+              </a:lnRef>
+              <a:fillRef idx="0">
+                <a:schemeClr val="accent1"/>
+              </a:fillRef>
+              <a:effectRef idx="0">
+                <a:schemeClr val="accent1"/>
+              </a:effectRef>
+              <a:fontRef idx="minor">
+                <a:schemeClr val="tx1"/>
+              </a:fontRef>
+            </p:style>
+          </p:cxnSp>
+        </p:grpSp>
+        <p:grpSp>
+          <p:nvGrpSpPr>
+            <p:cNvPr id="55" name="Group 54"/>
+            <p:cNvGrpSpPr/>
+            <p:nvPr/>
+          </p:nvGrpSpPr>
+          <p:grpSpPr>
+            <a:xfrm>
+              <a:off x="5408199" y="2963447"/>
+              <a:ext cx="230601" cy="331199"/>
+              <a:chOff x="5540558" y="1752600"/>
+              <a:chExt cx="230601" cy="331199"/>
+            </a:xfrm>
+          </p:grpSpPr>
+          <p:sp>
+            <p:nvSpPr>
+              <p:cNvPr id="56" name="Rectangle 55"/>
+              <p:cNvSpPr/>
+              <p:nvPr/>
+            </p:nvSpPr>
+            <p:spPr>
+              <a:xfrm>
+                <a:off x="5641313" y="1752600"/>
+                <a:ext cx="129846" cy="331199"/>
+              </a:xfrm>
+              <a:prstGeom prst="rect">
+                <a:avLst/>
+              </a:prstGeom>
+              <a:solidFill>
+                <a:srgbClr val="F79646">
+                  <a:lumMod val="40000"/>
+                  <a:lumOff val="60000"/>
+                </a:srgbClr>
+              </a:solidFill>
+              <a:ln w="19050" cap="flat" cmpd="sng" algn="ctr">
+                <a:solidFill>
+                  <a:sysClr val="windowText" lastClr="000000"/>
+                </a:solidFill>
+                <a:prstDash val="solid"/>
+              </a:ln>
+              <a:effectLst/>
+            </p:spPr>
+            <p:txBody>
+              <a:bodyPr rtlCol="0" anchor="ctr"/>
+              <a:lstStyle/>
+              <a:p>
+                <a:pPr marL="0" marR="0" lvl="0" indent="0" algn="ctr" defTabSz="914400" eaLnBrk="1" fontAlgn="auto" latinLnBrk="0" hangingPunct="1">
+                  <a:lnSpc>
+                    <a:spcPct val="100000"/>
+                  </a:lnSpc>
+                  <a:spcBef>
+                    <a:spcPts val="0"/>
+                  </a:spcBef>
+                  <a:spcAft>
+                    <a:spcPts val="0"/>
+                  </a:spcAft>
+                  <a:buClrTx/>
+                  <a:buSzTx/>
+                  <a:buFontTx/>
+                  <a:buNone/>
+                  <a:tabLst/>
+                  <a:defRPr/>
+                </a:pPr>
+                <a:endParaRPr kumimoji="0" lang="en-US" sz="2000" b="1" i="0" u="none" strike="noStrike" kern="0" cap="none" spc="0" normalizeH="0" baseline="0" noProof="0" dirty="0" smtClean="0">
+                  <a:ln>
+                    <a:noFill/>
+                  </a:ln>
+                  <a:solidFill>
+                    <a:prstClr val="black"/>
+                  </a:solidFill>
+                  <a:effectLst/>
+                  <a:uLnTx/>
+                  <a:uFillTx/>
+                </a:endParaRPr>
+              </a:p>
+            </p:txBody>
+          </p:sp>
+          <p:cxnSp>
+            <p:nvCxnSpPr>
+              <p:cNvPr id="57" name="Straight Connector 56"/>
+              <p:cNvCxnSpPr>
+                <a:stCxn id="56" idx="0"/>
+              </p:cNvCxnSpPr>
+              <p:nvPr/>
+            </p:nvCxnSpPr>
+            <p:spPr>
+              <a:xfrm flipH="1">
+                <a:off x="5540558" y="1752600"/>
+                <a:ext cx="165678" cy="0"/>
+              </a:xfrm>
+              <a:prstGeom prst="line">
+                <a:avLst/>
+              </a:prstGeom>
+              <a:ln w="19050">
+                <a:solidFill>
+                  <a:schemeClr val="tx1"/>
+                </a:solidFill>
+              </a:ln>
+            </p:spPr>
+            <p:style>
+              <a:lnRef idx="1">
+                <a:schemeClr val="accent1"/>
+              </a:lnRef>
+              <a:fillRef idx="0">
+                <a:schemeClr val="accent1"/>
+              </a:fillRef>
+              <a:effectRef idx="0">
+                <a:schemeClr val="accent1"/>
+              </a:effectRef>
+              <a:fontRef idx="minor">
+                <a:schemeClr val="tx1"/>
+              </a:fontRef>
+            </p:style>
+          </p:cxnSp>
+          <p:cxnSp>
+            <p:nvCxnSpPr>
+              <p:cNvPr id="58" name="Straight Connector 57"/>
+              <p:cNvCxnSpPr>
+                <a:stCxn id="56" idx="2"/>
+              </p:cNvCxnSpPr>
+              <p:nvPr/>
+            </p:nvCxnSpPr>
+            <p:spPr>
+              <a:xfrm flipH="1">
+                <a:off x="5541801" y="2083799"/>
+                <a:ext cx="164435" cy="0"/>
+              </a:xfrm>
+              <a:prstGeom prst="line">
+                <a:avLst/>
+              </a:prstGeom>
+              <a:ln w="19050">
+                <a:solidFill>
+                  <a:schemeClr val="tx1"/>
+                </a:solidFill>
+              </a:ln>
+            </p:spPr>
+            <p:style>
+              <a:lnRef idx="1">
+                <a:schemeClr val="accent1"/>
+              </a:lnRef>
+              <a:fillRef idx="0">
+                <a:schemeClr val="accent1"/>
+              </a:fillRef>
+              <a:effectRef idx="0">
+                <a:schemeClr val="accent1"/>
+              </a:effectRef>
+              <a:fontRef idx="minor">
+                <a:schemeClr val="tx1"/>
+              </a:fontRef>
+            </p:style>
+          </p:cxnSp>
+        </p:grpSp>
+        <p:grpSp>
+          <p:nvGrpSpPr>
+            <p:cNvPr id="61" name="Group 60"/>
+            <p:cNvGrpSpPr/>
+            <p:nvPr/>
+          </p:nvGrpSpPr>
+          <p:grpSpPr>
+            <a:xfrm>
+              <a:off x="7279733" y="2963446"/>
+              <a:ext cx="230601" cy="331199"/>
+              <a:chOff x="5540558" y="1752600"/>
+              <a:chExt cx="230601" cy="331199"/>
+            </a:xfrm>
+          </p:grpSpPr>
+          <p:sp>
+            <p:nvSpPr>
+              <p:cNvPr id="62" name="Rectangle 61"/>
+              <p:cNvSpPr/>
+              <p:nvPr/>
+            </p:nvSpPr>
+            <p:spPr>
+              <a:xfrm>
+                <a:off x="5641313" y="1752600"/>
+                <a:ext cx="129846" cy="331199"/>
+              </a:xfrm>
+              <a:prstGeom prst="rect">
+                <a:avLst/>
+              </a:prstGeom>
+              <a:solidFill>
+                <a:srgbClr val="F79646">
+                  <a:lumMod val="40000"/>
+                  <a:lumOff val="60000"/>
+                </a:srgbClr>
+              </a:solidFill>
+              <a:ln w="19050" cap="flat" cmpd="sng" algn="ctr">
+                <a:solidFill>
+                  <a:sysClr val="windowText" lastClr="000000"/>
+                </a:solidFill>
+                <a:prstDash val="solid"/>
+              </a:ln>
+              <a:effectLst/>
+            </p:spPr>
+            <p:txBody>
+              <a:bodyPr rtlCol="0" anchor="ctr"/>
+              <a:lstStyle/>
+              <a:p>
+                <a:pPr marL="0" marR="0" lvl="0" indent="0" algn="ctr" defTabSz="914400" eaLnBrk="1" fontAlgn="auto" latinLnBrk="0" hangingPunct="1">
+                  <a:lnSpc>
+                    <a:spcPct val="100000"/>
+                  </a:lnSpc>
+                  <a:spcBef>
+                    <a:spcPts val="0"/>
+                  </a:spcBef>
+                  <a:spcAft>
+                    <a:spcPts val="0"/>
+                  </a:spcAft>
+                  <a:buClrTx/>
+                  <a:buSzTx/>
+                  <a:buFontTx/>
+                  <a:buNone/>
+                  <a:tabLst/>
+                  <a:defRPr/>
+                </a:pPr>
+                <a:endParaRPr kumimoji="0" lang="en-US" sz="2000" b="1" i="0" u="none" strike="noStrike" kern="0" cap="none" spc="0" normalizeH="0" baseline="0" noProof="0" dirty="0" smtClean="0">
+                  <a:ln>
+                    <a:noFill/>
+                  </a:ln>
+                  <a:solidFill>
+                    <a:prstClr val="black"/>
+                  </a:solidFill>
+                  <a:effectLst/>
+                  <a:uLnTx/>
+                  <a:uFillTx/>
+                </a:endParaRPr>
+              </a:p>
+            </p:txBody>
+          </p:sp>
+          <p:cxnSp>
+            <p:nvCxnSpPr>
+              <p:cNvPr id="63" name="Straight Connector 62"/>
+              <p:cNvCxnSpPr>
+                <a:stCxn id="62" idx="0"/>
+              </p:cNvCxnSpPr>
+              <p:nvPr/>
+            </p:nvCxnSpPr>
+            <p:spPr>
+              <a:xfrm flipH="1">
+                <a:off x="5540558" y="1752600"/>
+                <a:ext cx="165678" cy="0"/>
+              </a:xfrm>
+              <a:prstGeom prst="line">
+                <a:avLst/>
+              </a:prstGeom>
+              <a:ln w="19050">
+                <a:solidFill>
+                  <a:schemeClr val="tx1"/>
+                </a:solidFill>
+              </a:ln>
+            </p:spPr>
+            <p:style>
+              <a:lnRef idx="1">
+                <a:schemeClr val="accent1"/>
+              </a:lnRef>
+              <a:fillRef idx="0">
+                <a:schemeClr val="accent1"/>
+              </a:fillRef>
+              <a:effectRef idx="0">
+                <a:schemeClr val="accent1"/>
+              </a:effectRef>
+              <a:fontRef idx="minor">
+                <a:schemeClr val="tx1"/>
+              </a:fontRef>
+            </p:style>
+          </p:cxnSp>
+          <p:cxnSp>
+            <p:nvCxnSpPr>
+              <p:cNvPr id="64" name="Straight Connector 63"/>
+              <p:cNvCxnSpPr>
+                <a:stCxn id="62" idx="2"/>
+              </p:cNvCxnSpPr>
+              <p:nvPr/>
+            </p:nvCxnSpPr>
+            <p:spPr>
+              <a:xfrm flipH="1">
+                <a:off x="5541801" y="2083799"/>
+                <a:ext cx="164435" cy="0"/>
+              </a:xfrm>
+              <a:prstGeom prst="line">
+                <a:avLst/>
+              </a:prstGeom>
+              <a:ln w="19050">
+                <a:solidFill>
+                  <a:schemeClr val="tx1"/>
+                </a:solidFill>
+              </a:ln>
+            </p:spPr>
+            <p:style>
+              <a:lnRef idx="1">
+                <a:schemeClr val="accent1"/>
+              </a:lnRef>
+              <a:fillRef idx="0">
+                <a:schemeClr val="accent1"/>
+              </a:fillRef>
+              <a:effectRef idx="0">
+                <a:schemeClr val="accent1"/>
+              </a:effectRef>
+              <a:fontRef idx="minor">
+                <a:schemeClr val="tx1"/>
+              </a:fontRef>
+            </p:style>
+          </p:cxnSp>
+        </p:grpSp>
+        <p:grpSp>
+          <p:nvGrpSpPr>
+            <p:cNvPr id="67" name="Group 66"/>
+            <p:cNvGrpSpPr/>
+            <p:nvPr/>
+          </p:nvGrpSpPr>
+          <p:grpSpPr>
+            <a:xfrm>
+              <a:off x="9344009" y="2963446"/>
+              <a:ext cx="230601" cy="331199"/>
+              <a:chOff x="5540558" y="1752600"/>
+              <a:chExt cx="230601" cy="331199"/>
+            </a:xfrm>
+          </p:grpSpPr>
+          <p:sp>
+            <p:nvSpPr>
+              <p:cNvPr id="68" name="Rectangle 67"/>
+              <p:cNvSpPr/>
+              <p:nvPr/>
+            </p:nvSpPr>
+            <p:spPr>
+              <a:xfrm>
+                <a:off x="5641313" y="1752600"/>
+                <a:ext cx="129846" cy="331199"/>
+              </a:xfrm>
+              <a:prstGeom prst="rect">
+                <a:avLst/>
+              </a:prstGeom>
+              <a:solidFill>
+                <a:srgbClr val="F79646">
+                  <a:lumMod val="40000"/>
+                  <a:lumOff val="60000"/>
+                </a:srgbClr>
+              </a:solidFill>
+              <a:ln w="19050" cap="flat" cmpd="sng" algn="ctr">
+                <a:solidFill>
+                  <a:sysClr val="windowText" lastClr="000000"/>
+                </a:solidFill>
+                <a:prstDash val="solid"/>
+              </a:ln>
+              <a:effectLst/>
+            </p:spPr>
+            <p:txBody>
+              <a:bodyPr rtlCol="0" anchor="ctr"/>
+              <a:lstStyle/>
+              <a:p>
+                <a:pPr marL="0" marR="0" lvl="0" indent="0" algn="ctr" defTabSz="914400" eaLnBrk="1" fontAlgn="auto" latinLnBrk="0" hangingPunct="1">
+                  <a:lnSpc>
+                    <a:spcPct val="100000"/>
+                  </a:lnSpc>
+                  <a:spcBef>
+                    <a:spcPts val="0"/>
+                  </a:spcBef>
+                  <a:spcAft>
+                    <a:spcPts val="0"/>
+                  </a:spcAft>
+                  <a:buClrTx/>
+                  <a:buSzTx/>
+                  <a:buFontTx/>
+                  <a:buNone/>
+                  <a:tabLst/>
+                  <a:defRPr/>
+                </a:pPr>
+                <a:endParaRPr kumimoji="0" lang="en-US" sz="2000" b="1" i="0" u="none" strike="noStrike" kern="0" cap="none" spc="0" normalizeH="0" baseline="0" noProof="0" dirty="0" smtClean="0">
+                  <a:ln>
+                    <a:noFill/>
+                  </a:ln>
+                  <a:solidFill>
+                    <a:prstClr val="black"/>
+                  </a:solidFill>
+                  <a:effectLst/>
+                  <a:uLnTx/>
+                  <a:uFillTx/>
+                </a:endParaRPr>
+              </a:p>
+            </p:txBody>
+          </p:sp>
+          <p:cxnSp>
+            <p:nvCxnSpPr>
+              <p:cNvPr id="69" name="Straight Connector 68"/>
+              <p:cNvCxnSpPr>
+                <a:stCxn id="68" idx="0"/>
+              </p:cNvCxnSpPr>
+              <p:nvPr/>
+            </p:nvCxnSpPr>
+            <p:spPr>
+              <a:xfrm flipH="1">
+                <a:off x="5540558" y="1752600"/>
+                <a:ext cx="165678" cy="0"/>
+              </a:xfrm>
+              <a:prstGeom prst="line">
+                <a:avLst/>
+              </a:prstGeom>
+              <a:ln w="19050">
+                <a:solidFill>
+                  <a:schemeClr val="tx1"/>
+                </a:solidFill>
+              </a:ln>
+            </p:spPr>
+            <p:style>
+              <a:lnRef idx="1">
+                <a:schemeClr val="accent1"/>
+              </a:lnRef>
+              <a:fillRef idx="0">
+                <a:schemeClr val="accent1"/>
+              </a:fillRef>
+              <a:effectRef idx="0">
+                <a:schemeClr val="accent1"/>
+              </a:effectRef>
+              <a:fontRef idx="minor">
+                <a:schemeClr val="tx1"/>
+              </a:fontRef>
+            </p:style>
+          </p:cxnSp>
+          <p:cxnSp>
+            <p:nvCxnSpPr>
+              <p:cNvPr id="70" name="Straight Connector 69"/>
+              <p:cNvCxnSpPr>
+                <a:stCxn id="68" idx="2"/>
+              </p:cNvCxnSpPr>
+              <p:nvPr/>
+            </p:nvCxnSpPr>
+            <p:spPr>
+              <a:xfrm flipH="1">
+                <a:off x="5541801" y="2083799"/>
+                <a:ext cx="164435" cy="0"/>
+              </a:xfrm>
+              <a:prstGeom prst="line">
+                <a:avLst/>
+              </a:prstGeom>
+              <a:ln w="19050">
+                <a:solidFill>
+                  <a:schemeClr val="tx1"/>
+                </a:solidFill>
+              </a:ln>
+            </p:spPr>
+            <p:style>
+              <a:lnRef idx="1">
+                <a:schemeClr val="accent1"/>
+              </a:lnRef>
+              <a:fillRef idx="0">
+                <a:schemeClr val="accent1"/>
+              </a:fillRef>
+              <a:effectRef idx="0">
+                <a:schemeClr val="accent1"/>
+              </a:effectRef>
+              <a:fontRef idx="minor">
+                <a:schemeClr val="tx1"/>
+              </a:fontRef>
+            </p:style>
+          </p:cxnSp>
+        </p:grpSp>
+        <p:sp>
+          <p:nvSpPr>
+            <p:cNvPr id="74" name="Rectangle 73"/>
+            <p:cNvSpPr/>
+            <p:nvPr/>
+          </p:nvSpPr>
+          <p:spPr>
+            <a:xfrm>
+              <a:off x="9806640" y="3734370"/>
+              <a:ext cx="1851960" cy="331199"/>
+            </a:xfrm>
+            <a:prstGeom prst="rect">
+              <a:avLst/>
+            </a:prstGeom>
+            <a:solidFill>
+              <a:srgbClr val="F79646">
+                <a:lumMod val="40000"/>
+                <a:lumOff val="60000"/>
+              </a:srgbClr>
+            </a:solidFill>
+            <a:ln w="25400" cap="flat" cmpd="sng" algn="ctr">
+              <a:solidFill>
+                <a:sysClr val="windowText" lastClr="000000"/>
+              </a:solidFill>
+              <a:prstDash val="solid"/>
+            </a:ln>
+            <a:effectLst/>
+          </p:spPr>
+          <p:txBody>
+            <a:bodyPr rtlCol="0" anchor="ctr"/>
+            <a:lstStyle/>
+            <a:p>
+              <a:pPr marL="0" marR="0" lvl="0" indent="0" algn="ctr" defTabSz="914400" eaLnBrk="1" fontAlgn="auto" latinLnBrk="0" hangingPunct="1">
+                <a:lnSpc>
+                  <a:spcPct val="100000"/>
+                </a:lnSpc>
+                <a:spcBef>
+                  <a:spcPts val="0"/>
+                </a:spcBef>
+                <a:spcAft>
+                  <a:spcPts val="0"/>
+                </a:spcAft>
+                <a:buClrTx/>
+                <a:buSzTx/>
+                <a:buFontTx/>
+                <a:buNone/>
+                <a:tabLst/>
+                <a:defRPr/>
+              </a:pPr>
+              <a:r>
+                <a:rPr kumimoji="0" lang="en-US" sz="2000" b="1" i="0" u="none" strike="noStrike" kern="0" cap="none" spc="0" normalizeH="0" baseline="0" noProof="0" dirty="0" smtClean="0">
+                  <a:ln>
+                    <a:noFill/>
+                  </a:ln>
+                  <a:solidFill>
+                    <a:prstClr val="black"/>
+                  </a:solidFill>
+                  <a:effectLst/>
+                  <a:uLnTx/>
+                  <a:uFillTx/>
+                </a:rPr>
+                <a:t>Epoch Manager</a:t>
+              </a:r>
+            </a:p>
+          </p:txBody>
+        </p:sp>
+        <p:sp>
+          <p:nvSpPr>
+            <p:cNvPr id="79" name="TextBox 78"/>
+            <p:cNvSpPr txBox="1"/>
+            <p:nvPr/>
+          </p:nvSpPr>
+          <p:spPr>
+            <a:xfrm>
+              <a:off x="1219200" y="2228546"/>
+              <a:ext cx="1628074" cy="400110"/>
+            </a:xfrm>
+            <a:prstGeom prst="rect">
+              <a:avLst/>
+            </a:prstGeom>
+            <a:noFill/>
+          </p:spPr>
+          <p:txBody>
+            <a:bodyPr wrap="none" rtlCol="0">
+              <a:spAutoFit/>
+            </a:bodyPr>
+            <a:lstStyle/>
+            <a:p>
+              <a:r>
+                <a:rPr lang="en-US" sz="2000" b="1" dirty="0" smtClean="0"/>
+                <a:t>Fetch module</a:t>
+              </a:r>
+              <a:endParaRPr lang="en-US" sz="2000" b="1" dirty="0"/>
+            </a:p>
+          </p:txBody>
+        </p:sp>
+        <p:sp>
+          <p:nvSpPr>
+            <p:cNvPr id="82" name="Rectangle 81"/>
+            <p:cNvSpPr/>
+            <p:nvPr/>
+          </p:nvSpPr>
+          <p:spPr>
+            <a:xfrm>
+              <a:off x="3923282" y="4419600"/>
+              <a:ext cx="1328907" cy="267086"/>
+            </a:xfrm>
+            <a:prstGeom prst="rect">
+              <a:avLst/>
+            </a:prstGeom>
+            <a:solidFill>
+              <a:srgbClr val="FF0000"/>
+            </a:solidFill>
+            <a:ln w="25400" cap="flat" cmpd="sng" algn="ctr">
+              <a:solidFill>
+                <a:sysClr val="windowText" lastClr="000000"/>
+              </a:solidFill>
+              <a:prstDash val="solid"/>
+            </a:ln>
+            <a:effectLst/>
+          </p:spPr>
+          <p:txBody>
+            <a:bodyPr rtlCol="0" anchor="ctr"/>
+            <a:lstStyle/>
+            <a:p>
+              <a:pPr marL="0" marR="0" lvl="0" indent="0" algn="ctr" defTabSz="914400" eaLnBrk="1" fontAlgn="auto" latinLnBrk="0" hangingPunct="1">
+                <a:lnSpc>
+                  <a:spcPct val="100000"/>
+                </a:lnSpc>
+                <a:spcBef>
+                  <a:spcPts val="0"/>
+                </a:spcBef>
+                <a:spcAft>
+                  <a:spcPts val="0"/>
+                </a:spcAft>
+                <a:buClrTx/>
+                <a:buSzTx/>
+                <a:buFontTx/>
+                <a:buNone/>
+                <a:tabLst/>
+                <a:defRPr/>
+              </a:pPr>
+              <a:r>
+                <a:rPr lang="en-US" sz="2000" kern="0" dirty="0" smtClean="0">
+                  <a:solidFill>
+                    <a:prstClr val="white"/>
+                  </a:solidFill>
+                  <a:latin typeface="Calibri"/>
+                </a:rPr>
+                <a:t>start-flush</a:t>
+              </a:r>
+              <a:endParaRPr kumimoji="0" lang="en-US" sz="2000" b="0" i="0" u="none" strike="noStrike" kern="0" cap="none" spc="0" normalizeH="0" baseline="0" noProof="0" dirty="0" smtClean="0">
+                <a:ln>
+                  <a:noFill/>
+                </a:ln>
+                <a:solidFill>
+                  <a:prstClr val="white"/>
+                </a:solidFill>
+                <a:effectLst/>
+                <a:uLnTx/>
+                <a:uFillTx/>
+                <a:latin typeface="Calibri"/>
+                <a:ea typeface="+mn-ea"/>
+                <a:cs typeface="+mn-cs"/>
+              </a:endParaRPr>
+            </a:p>
+          </p:txBody>
+        </p:sp>
+        <p:cxnSp>
+          <p:nvCxnSpPr>
+            <p:cNvPr id="84" name="Elbow Connector 83"/>
+            <p:cNvCxnSpPr>
+              <a:stCxn id="82" idx="0"/>
+              <a:endCxn id="13" idx="2"/>
+            </p:cNvCxnSpPr>
+            <p:nvPr/>
+          </p:nvCxnSpPr>
+          <p:spPr>
+            <a:xfrm rot="16200000" flipV="1">
+              <a:off x="3899096" y="3730960"/>
+              <a:ext cx="328331" cy="1048950"/>
+            </a:xfrm>
+            <a:prstGeom prst="bentConnector3">
+              <a:avLst/>
+            </a:prstGeom>
+            <a:ln w="19050">
+              <a:solidFill>
+                <a:srgbClr val="FF0000"/>
+              </a:solidFill>
+              <a:tailEnd type="triangle"/>
+            </a:ln>
+          </p:spPr>
+          <p:style>
+            <a:lnRef idx="1">
+              <a:schemeClr val="accent1"/>
+            </a:lnRef>
+            <a:fillRef idx="0">
+              <a:schemeClr val="accent1"/>
+            </a:fillRef>
+            <a:effectRef idx="0">
+              <a:schemeClr val="accent1"/>
+            </a:effectRef>
+            <a:fontRef idx="minor">
+              <a:schemeClr val="tx1"/>
+            </a:fontRef>
+          </p:style>
+        </p:cxnSp>
+        <p:cxnSp>
+          <p:nvCxnSpPr>
+            <p:cNvPr id="86" name="Elbow Connector 85"/>
+            <p:cNvCxnSpPr>
+              <a:stCxn id="82" idx="0"/>
+              <a:endCxn id="22" idx="2"/>
+            </p:cNvCxnSpPr>
+            <p:nvPr/>
+          </p:nvCxnSpPr>
+          <p:spPr>
+            <a:xfrm rot="5400000" flipH="1" flipV="1">
+              <a:off x="4968497" y="3710509"/>
+              <a:ext cx="328331" cy="1089852"/>
+            </a:xfrm>
+            <a:prstGeom prst="bentConnector3">
+              <a:avLst/>
+            </a:prstGeom>
+            <a:ln w="19050">
+              <a:solidFill>
+                <a:srgbClr val="FF0000"/>
+              </a:solidFill>
+              <a:tailEnd type="triangle"/>
+            </a:ln>
+          </p:spPr>
+          <p:style>
+            <a:lnRef idx="1">
+              <a:schemeClr val="accent1"/>
+            </a:lnRef>
+            <a:fillRef idx="0">
+              <a:schemeClr val="accent1"/>
+            </a:fillRef>
+            <a:effectRef idx="0">
+              <a:schemeClr val="accent1"/>
+            </a:effectRef>
+            <a:fontRef idx="minor">
+              <a:schemeClr val="tx1"/>
+            </a:fontRef>
+          </p:style>
+        </p:cxnSp>
+      </p:grpSp>
+    </p:spTree>
+    <p:extLst>
+      <p:ext uri="{BB962C8B-B14F-4D97-AF65-F5344CB8AC3E}">
+        <p14:creationId xmlns:p14="http://schemas.microsoft.com/office/powerpoint/2010/main" val="953245560"/>
+      </p:ext>
+    </p:extLst>
+  </p:cSld>
+  <p:clrMapOvr>
+    <a:masterClrMapping/>
+  </p:clrMapOvr>
 </p:sld>
 </file>
 

--- a/figs/riscy_figures.pptx
+++ b/figs/riscy_figures.pptx
@@ -231,7 +231,7 @@
           <a:p>
             <a:fld id="{EB35BD43-560B-40E4-9E36-CC20FA59E34A}" type="datetimeFigureOut">
               <a:rPr lang="en-US" smtClean="0"/>
-              <a:t>2/16/2019</a:t>
+              <a:t>2/23/2019</a:t>
             </a:fld>
             <a:endParaRPr lang="en-US"/>
           </a:p>
@@ -583,6 +583,90 @@
 </p:notes>
 </file>
 
+<file path=ppt/notesSlides/notesSlide2.xml><?xml version="1.0" encoding="utf-8"?>
+<p:notes xmlns:a="http://schemas.openxmlformats.org/drawingml/2006/main" xmlns:r="http://schemas.openxmlformats.org/officeDocument/2006/relationships" xmlns:p="http://schemas.openxmlformats.org/presentationml/2006/main">
+  <p:cSld>
+    <p:spTree>
+      <p:nvGrpSpPr>
+        <p:cNvPr id="1" name=""/>
+        <p:cNvGrpSpPr/>
+        <p:nvPr/>
+      </p:nvGrpSpPr>
+      <p:grpSpPr>
+        <a:xfrm>
+          <a:off x="0" y="0"/>
+          <a:ext cx="0" cy="0"/>
+          <a:chOff x="0" y="0"/>
+          <a:chExt cx="0" cy="0"/>
+        </a:xfrm>
+      </p:grpSpPr>
+      <p:sp>
+        <p:nvSpPr>
+          <p:cNvPr id="2" name="Slide Image Placeholder 1"/>
+          <p:cNvSpPr>
+            <a:spLocks noGrp="1" noRot="1" noChangeAspect="1"/>
+          </p:cNvSpPr>
+          <p:nvPr>
+            <p:ph type="sldImg"/>
+          </p:nvPr>
+        </p:nvSpPr>
+        <p:spPr/>
+      </p:sp>
+      <p:sp>
+        <p:nvSpPr>
+          <p:cNvPr id="3" name="Notes Placeholder 2"/>
+          <p:cNvSpPr>
+            <a:spLocks noGrp="1"/>
+          </p:cNvSpPr>
+          <p:nvPr>
+            <p:ph type="body" idx="1"/>
+          </p:nvPr>
+        </p:nvSpPr>
+        <p:spPr/>
+        <p:txBody>
+          <a:bodyPr/>
+          <a:lstStyle/>
+          <a:p>
+            <a:endParaRPr lang="en-US" dirty="0"/>
+          </a:p>
+        </p:txBody>
+      </p:sp>
+      <p:sp>
+        <p:nvSpPr>
+          <p:cNvPr id="4" name="Slide Number Placeholder 3"/>
+          <p:cNvSpPr>
+            <a:spLocks noGrp="1"/>
+          </p:cNvSpPr>
+          <p:nvPr>
+            <p:ph type="sldNum" sz="quarter" idx="10"/>
+          </p:nvPr>
+        </p:nvSpPr>
+        <p:spPr/>
+        <p:txBody>
+          <a:bodyPr/>
+          <a:lstStyle/>
+          <a:p>
+            <a:fld id="{BB1346D7-337C-464A-B82A-9F2EB94CD1F0}" type="slidenum">
+              <a:rPr lang="en-US" smtClean="0"/>
+              <a:t>24</a:t>
+            </a:fld>
+            <a:endParaRPr lang="en-US"/>
+          </a:p>
+        </p:txBody>
+      </p:sp>
+    </p:spTree>
+    <p:extLst>
+      <p:ext uri="{BB962C8B-B14F-4D97-AF65-F5344CB8AC3E}">
+        <p14:creationId xmlns:p14="http://schemas.microsoft.com/office/powerpoint/2010/main" val="737343843"/>
+      </p:ext>
+    </p:extLst>
+  </p:cSld>
+  <p:clrMapOvr>
+    <a:masterClrMapping/>
+  </p:clrMapOvr>
+</p:notes>
+</file>
+
 <file path=ppt/slideLayouts/slideLayout1.xml><?xml version="1.0" encoding="utf-8"?>
 <p:sldLayout xmlns:a="http://schemas.openxmlformats.org/drawingml/2006/main" xmlns:r="http://schemas.openxmlformats.org/officeDocument/2006/relationships" xmlns:p="http://schemas.openxmlformats.org/presentationml/2006/main" type="title" preserve="1">
   <p:cSld name="Title Slide">
@@ -764,7 +848,7 @@
           <a:p>
             <a:fld id="{0F52CA84-02BA-4E7B-9974-42FF5BD9CE82}" type="datetimeFigureOut">
               <a:rPr lang="en-US" smtClean="0"/>
-              <a:t>2/16/2019</a:t>
+              <a:t>2/23/2019</a:t>
             </a:fld>
             <a:endParaRPr lang="en-US"/>
           </a:p>
@@ -934,7 +1018,7 @@
           <a:p>
             <a:fld id="{0F52CA84-02BA-4E7B-9974-42FF5BD9CE82}" type="datetimeFigureOut">
               <a:rPr lang="en-US" smtClean="0"/>
-              <a:t>2/16/2019</a:t>
+              <a:t>2/23/2019</a:t>
             </a:fld>
             <a:endParaRPr lang="en-US"/>
           </a:p>
@@ -1114,7 +1198,7 @@
           <a:p>
             <a:fld id="{0F52CA84-02BA-4E7B-9974-42FF5BD9CE82}" type="datetimeFigureOut">
               <a:rPr lang="en-US" smtClean="0"/>
-              <a:t>2/16/2019</a:t>
+              <a:t>2/23/2019</a:t>
             </a:fld>
             <a:endParaRPr lang="en-US"/>
           </a:p>
@@ -1284,7 +1368,7 @@
           <a:p>
             <a:fld id="{0F52CA84-02BA-4E7B-9974-42FF5BD9CE82}" type="datetimeFigureOut">
               <a:rPr lang="en-US" smtClean="0"/>
-              <a:t>2/16/2019</a:t>
+              <a:t>2/23/2019</a:t>
             </a:fld>
             <a:endParaRPr lang="en-US"/>
           </a:p>
@@ -1530,7 +1614,7 @@
           <a:p>
             <a:fld id="{0F52CA84-02BA-4E7B-9974-42FF5BD9CE82}" type="datetimeFigureOut">
               <a:rPr lang="en-US" smtClean="0"/>
-              <a:t>2/16/2019</a:t>
+              <a:t>2/23/2019</a:t>
             </a:fld>
             <a:endParaRPr lang="en-US"/>
           </a:p>
@@ -1818,7 +1902,7 @@
           <a:p>
             <a:fld id="{0F52CA84-02BA-4E7B-9974-42FF5BD9CE82}" type="datetimeFigureOut">
               <a:rPr lang="en-US" smtClean="0"/>
-              <a:t>2/16/2019</a:t>
+              <a:t>2/23/2019</a:t>
             </a:fld>
             <a:endParaRPr lang="en-US"/>
           </a:p>
@@ -2240,7 +2324,7 @@
           <a:p>
             <a:fld id="{0F52CA84-02BA-4E7B-9974-42FF5BD9CE82}" type="datetimeFigureOut">
               <a:rPr lang="en-US" smtClean="0"/>
-              <a:t>2/16/2019</a:t>
+              <a:t>2/23/2019</a:t>
             </a:fld>
             <a:endParaRPr lang="en-US"/>
           </a:p>
@@ -2358,7 +2442,7 @@
           <a:p>
             <a:fld id="{0F52CA84-02BA-4E7B-9974-42FF5BD9CE82}" type="datetimeFigureOut">
               <a:rPr lang="en-US" smtClean="0"/>
-              <a:t>2/16/2019</a:t>
+              <a:t>2/23/2019</a:t>
             </a:fld>
             <a:endParaRPr lang="en-US"/>
           </a:p>
@@ -2453,7 +2537,7 @@
           <a:p>
             <a:fld id="{0F52CA84-02BA-4E7B-9974-42FF5BD9CE82}" type="datetimeFigureOut">
               <a:rPr lang="en-US" smtClean="0"/>
-              <a:t>2/16/2019</a:t>
+              <a:t>2/23/2019</a:t>
             </a:fld>
             <a:endParaRPr lang="en-US"/>
           </a:p>
@@ -2730,7 +2814,7 @@
           <a:p>
             <a:fld id="{0F52CA84-02BA-4E7B-9974-42FF5BD9CE82}" type="datetimeFigureOut">
               <a:rPr lang="en-US" smtClean="0"/>
-              <a:t>2/16/2019</a:t>
+              <a:t>2/23/2019</a:t>
             </a:fld>
             <a:endParaRPr lang="en-US"/>
           </a:p>
@@ -2983,7 +3067,7 @@
           <a:p>
             <a:fld id="{0F52CA84-02BA-4E7B-9974-42FF5BD9CE82}" type="datetimeFigureOut">
               <a:rPr lang="en-US" smtClean="0"/>
-              <a:t>2/16/2019</a:t>
+              <a:t>2/23/2019</a:t>
             </a:fld>
             <a:endParaRPr lang="en-US"/>
           </a:p>
@@ -3196,7 +3280,7 @@
           <a:p>
             <a:fld id="{0F52CA84-02BA-4E7B-9974-42FF5BD9CE82}" type="datetimeFigureOut">
               <a:rPr lang="en-US" smtClean="0"/>
-              <a:t>2/16/2019</a:t>
+              <a:t>2/23/2019</a:t>
             </a:fld>
             <a:endParaRPr lang="en-US"/>
           </a:p>
@@ -19572,7 +19656,7 @@
         </p:nvGrpSpPr>
         <p:grpSpPr>
           <a:xfrm>
-            <a:off x="246979" y="-9133"/>
+            <a:off x="246979" y="107841"/>
             <a:ext cx="10878222" cy="6673959"/>
             <a:chOff x="246979" y="29985"/>
             <a:chExt cx="10878222" cy="6673959"/>
@@ -35785,16 +35869,16 @@
       </p:grpSpPr>
       <p:grpSp>
         <p:nvGrpSpPr>
-          <p:cNvPr id="87" name="Group 86"/>
+          <p:cNvPr id="93" name="Group 92"/>
           <p:cNvGrpSpPr/>
           <p:nvPr/>
         </p:nvGrpSpPr>
         <p:grpSpPr>
           <a:xfrm>
-            <a:off x="1219200" y="2209800"/>
-            <a:ext cx="10439400" cy="2476886"/>
-            <a:chOff x="1219200" y="2209800"/>
-            <a:chExt cx="10439400" cy="2476886"/>
+            <a:off x="914400" y="2209800"/>
+            <a:ext cx="10972800" cy="2476886"/>
+            <a:chOff x="914400" y="2209800"/>
+            <a:chExt cx="10972800" cy="2476886"/>
           </a:xfrm>
         </p:grpSpPr>
         <p:sp>
@@ -35805,8 +35889,8 @@
           </p:nvSpPr>
           <p:spPr>
             <a:xfrm>
-              <a:off x="1219200" y="2209800"/>
-              <a:ext cx="8458200" cy="2364668"/>
+              <a:off x="914400" y="2209800"/>
+              <a:ext cx="8991600" cy="2364668"/>
             </a:xfrm>
             <a:prstGeom prst="rect">
               <a:avLst/>
@@ -35855,7 +35939,7 @@
           </p:nvSpPr>
           <p:spPr>
             <a:xfrm>
-              <a:off x="1365100" y="2796962"/>
+              <a:off x="1080874" y="2796962"/>
               <a:ext cx="469233" cy="331199"/>
             </a:xfrm>
             <a:prstGeom prst="rect">
@@ -35921,7 +36005,7 @@
           </p:nvSpPr>
           <p:spPr>
             <a:xfrm>
-              <a:off x="1937123" y="2714138"/>
+              <a:off x="1652897" y="2714138"/>
               <a:ext cx="1395103" cy="829819"/>
             </a:xfrm>
             <a:prstGeom prst="cloud">
@@ -36053,7 +36137,7 @@
           </p:nvSpPr>
           <p:spPr>
             <a:xfrm>
-              <a:off x="5823358" y="2714138"/>
+              <a:off x="6051958" y="2714138"/>
               <a:ext cx="1358326" cy="829819"/>
             </a:xfrm>
             <a:prstGeom prst="cloud">
@@ -36119,7 +36203,7 @@
           </p:nvSpPr>
           <p:spPr>
             <a:xfrm>
-              <a:off x="7696200" y="2714138"/>
+              <a:off x="7924800" y="2714138"/>
               <a:ext cx="1539531" cy="829819"/>
             </a:xfrm>
             <a:prstGeom prst="cloud">
@@ -36254,8 +36338,8 @@
           </p:nvCxnSpPr>
           <p:spPr>
             <a:xfrm rot="16200000" flipH="1">
-              <a:off x="2609338" y="3568409"/>
-              <a:ext cx="382597" cy="331923"/>
+              <a:off x="2467225" y="3426296"/>
+              <a:ext cx="382597" cy="616149"/>
             </a:xfrm>
             <a:prstGeom prst="bentConnector2">
               <a:avLst/>
@@ -36303,14 +36387,14 @@
             <p:cNvPr id="16" name="Straight Arrow Connector 15"/>
             <p:cNvCxnSpPr>
               <a:stCxn id="6" idx="0"/>
-              <a:endCxn id="43" idx="1"/>
+              <a:endCxn id="53" idx="1"/>
             </p:cNvCxnSpPr>
             <p:nvPr/>
           </p:nvCxnSpPr>
           <p:spPr>
-            <a:xfrm flipV="1">
-              <a:off x="3331063" y="3129047"/>
-              <a:ext cx="237349" cy="1"/>
+            <a:xfrm>
+              <a:off x="3046837" y="3129048"/>
+              <a:ext cx="252177" cy="0"/>
             </a:xfrm>
             <a:prstGeom prst="straightConnector1">
               <a:avLst/>
@@ -36329,16 +36413,13 @@
         <p:cxnSp>
           <p:nvCxnSpPr>
             <p:cNvPr id="17" name="Straight Arrow Connector 16"/>
-            <p:cNvCxnSpPr>
-              <a:stCxn id="43" idx="3"/>
-              <a:endCxn id="8" idx="2"/>
-            </p:cNvCxnSpPr>
+            <p:cNvCxnSpPr/>
             <p:nvPr/>
           </p:nvCxnSpPr>
           <p:spPr>
             <a:xfrm>
-              <a:off x="3698258" y="3129047"/>
-              <a:ext cx="195111" cy="1"/>
+              <a:off x="3613558" y="3124199"/>
+              <a:ext cx="273367" cy="2"/>
             </a:xfrm>
             <a:prstGeom prst="straightConnector1">
               <a:avLst/>
@@ -36359,14 +36440,14 @@
             <p:cNvPr id="18" name="Straight Arrow Connector 17"/>
             <p:cNvCxnSpPr>
               <a:stCxn id="8" idx="0"/>
-              <a:endCxn id="56" idx="1"/>
+              <a:endCxn id="89" idx="1"/>
             </p:cNvCxnSpPr>
             <p:nvPr/>
           </p:nvCxnSpPr>
           <p:spPr>
-            <a:xfrm flipV="1">
-              <a:off x="5256659" y="3129047"/>
-              <a:ext cx="252295" cy="1"/>
+            <a:xfrm>
+              <a:off x="5256659" y="3129048"/>
+              <a:ext cx="240500" cy="0"/>
             </a:xfrm>
             <a:prstGeom prst="straightConnector1">
               <a:avLst/>
@@ -36386,15 +36467,15 @@
           <p:nvCxnSpPr>
             <p:cNvPr id="19" name="Straight Arrow Connector 18"/>
             <p:cNvCxnSpPr>
-              <a:stCxn id="56" idx="3"/>
+              <a:stCxn id="89" idx="3"/>
               <a:endCxn id="10" idx="2"/>
             </p:cNvCxnSpPr>
             <p:nvPr/>
           </p:nvCxnSpPr>
           <p:spPr>
             <a:xfrm>
-              <a:off x="5638800" y="3129047"/>
-              <a:ext cx="188771" cy="1"/>
+              <a:off x="5864328" y="3129048"/>
+              <a:ext cx="191843" cy="0"/>
             </a:xfrm>
             <a:prstGeom prst="straightConnector1">
               <a:avLst/>
@@ -36421,7 +36502,7 @@
           </p:nvCxnSpPr>
           <p:spPr>
             <a:xfrm flipV="1">
-              <a:off x="7180552" y="3129046"/>
+              <a:off x="7409152" y="3129046"/>
               <a:ext cx="199936" cy="2"/>
             </a:xfrm>
             <a:prstGeom prst="straightConnector1">
@@ -36449,7 +36530,7 @@
           </p:nvCxnSpPr>
           <p:spPr>
             <a:xfrm>
-              <a:off x="7510334" y="3129046"/>
+              <a:off x="7738934" y="3129046"/>
               <a:ext cx="190641" cy="2"/>
             </a:xfrm>
             <a:prstGeom prst="straightConnector1">
@@ -36571,7 +36652,7 @@
           <p:spPr>
             <a:xfrm flipV="1">
               <a:off x="6249775" y="3543073"/>
-              <a:ext cx="252746" cy="382597"/>
+              <a:ext cx="481346" cy="382597"/>
             </a:xfrm>
             <a:prstGeom prst="bentConnector2">
               <a:avLst/>
@@ -36598,7 +36679,7 @@
           </p:nvCxnSpPr>
           <p:spPr>
             <a:xfrm flipV="1">
-              <a:off x="9234448" y="3129046"/>
+              <a:off x="9463048" y="3129046"/>
               <a:ext cx="210316" cy="2"/>
             </a:xfrm>
             <a:prstGeom prst="straightConnector1">
@@ -36626,7 +36707,7 @@
           </p:nvCxnSpPr>
           <p:spPr>
             <a:xfrm flipV="1">
-              <a:off x="9574610" y="3128162"/>
+              <a:off x="9803210" y="3128162"/>
               <a:ext cx="355157" cy="884"/>
             </a:xfrm>
             <a:prstGeom prst="straightConnector1">
@@ -36651,7 +36732,7 @@
           </p:nvSpPr>
           <p:spPr>
             <a:xfrm>
-              <a:off x="9924755" y="2713252"/>
+              <a:off x="10153355" y="2713252"/>
               <a:ext cx="1615731" cy="829819"/>
             </a:xfrm>
             <a:prstGeom prst="cloud">
@@ -36711,317 +36792,13 @@
         </p:sp>
         <p:grpSp>
           <p:nvGrpSpPr>
-            <p:cNvPr id="51" name="Group 50"/>
-            <p:cNvGrpSpPr/>
-            <p:nvPr/>
-          </p:nvGrpSpPr>
-          <p:grpSpPr>
-            <a:xfrm>
-              <a:off x="3467657" y="2963447"/>
-              <a:ext cx="230601" cy="331199"/>
-              <a:chOff x="5540558" y="1752600"/>
-              <a:chExt cx="230601" cy="331199"/>
-            </a:xfrm>
-          </p:grpSpPr>
-          <p:sp>
-            <p:nvSpPr>
-              <p:cNvPr id="43" name="Rectangle 42"/>
-              <p:cNvSpPr/>
-              <p:nvPr/>
-            </p:nvSpPr>
-            <p:spPr>
-              <a:xfrm>
-                <a:off x="5641313" y="1752600"/>
-                <a:ext cx="129846" cy="331199"/>
-              </a:xfrm>
-              <a:prstGeom prst="rect">
-                <a:avLst/>
-              </a:prstGeom>
-              <a:solidFill>
-                <a:srgbClr val="F79646">
-                  <a:lumMod val="40000"/>
-                  <a:lumOff val="60000"/>
-                </a:srgbClr>
-              </a:solidFill>
-              <a:ln w="19050" cap="flat" cmpd="sng" algn="ctr">
-                <a:solidFill>
-                  <a:sysClr val="windowText" lastClr="000000"/>
-                </a:solidFill>
-                <a:prstDash val="solid"/>
-              </a:ln>
-              <a:effectLst/>
-            </p:spPr>
-            <p:txBody>
-              <a:bodyPr rtlCol="0" anchor="ctr"/>
-              <a:lstStyle/>
-              <a:p>
-                <a:pPr marL="0" marR="0" lvl="0" indent="0" algn="ctr" defTabSz="914400" eaLnBrk="1" fontAlgn="auto" latinLnBrk="0" hangingPunct="1">
-                  <a:lnSpc>
-                    <a:spcPct val="100000"/>
-                  </a:lnSpc>
-                  <a:spcBef>
-                    <a:spcPts val="0"/>
-                  </a:spcBef>
-                  <a:spcAft>
-                    <a:spcPts val="0"/>
-                  </a:spcAft>
-                  <a:buClrTx/>
-                  <a:buSzTx/>
-                  <a:buFontTx/>
-                  <a:buNone/>
-                  <a:tabLst/>
-                  <a:defRPr/>
-                </a:pPr>
-                <a:endParaRPr kumimoji="0" lang="en-US" sz="2000" b="1" i="0" u="none" strike="noStrike" kern="0" cap="none" spc="0" normalizeH="0" baseline="0" noProof="0" dirty="0" smtClean="0">
-                  <a:ln>
-                    <a:noFill/>
-                  </a:ln>
-                  <a:solidFill>
-                    <a:prstClr val="black"/>
-                  </a:solidFill>
-                  <a:effectLst/>
-                  <a:uLnTx/>
-                  <a:uFillTx/>
-                </a:endParaRPr>
-              </a:p>
-            </p:txBody>
-          </p:sp>
-          <p:cxnSp>
-            <p:nvCxnSpPr>
-              <p:cNvPr id="45" name="Straight Connector 44"/>
-              <p:cNvCxnSpPr>
-                <a:stCxn id="43" idx="0"/>
-              </p:cNvCxnSpPr>
-              <p:nvPr/>
-            </p:nvCxnSpPr>
-            <p:spPr>
-              <a:xfrm flipH="1">
-                <a:off x="5540558" y="1752600"/>
-                <a:ext cx="165678" cy="0"/>
-              </a:xfrm>
-              <a:prstGeom prst="line">
-                <a:avLst/>
-              </a:prstGeom>
-              <a:ln w="19050">
-                <a:solidFill>
-                  <a:schemeClr val="tx1"/>
-                </a:solidFill>
-              </a:ln>
-            </p:spPr>
-            <p:style>
-              <a:lnRef idx="1">
-                <a:schemeClr val="accent1"/>
-              </a:lnRef>
-              <a:fillRef idx="0">
-                <a:schemeClr val="accent1"/>
-              </a:fillRef>
-              <a:effectRef idx="0">
-                <a:schemeClr val="accent1"/>
-              </a:effectRef>
-              <a:fontRef idx="minor">
-                <a:schemeClr val="tx1"/>
-              </a:fontRef>
-            </p:style>
-          </p:cxnSp>
-          <p:cxnSp>
-            <p:nvCxnSpPr>
-              <p:cNvPr id="48" name="Straight Connector 47"/>
-              <p:cNvCxnSpPr>
-                <a:stCxn id="43" idx="2"/>
-              </p:cNvCxnSpPr>
-              <p:nvPr/>
-            </p:nvCxnSpPr>
-            <p:spPr>
-              <a:xfrm flipH="1">
-                <a:off x="5541801" y="2083799"/>
-                <a:ext cx="164435" cy="0"/>
-              </a:xfrm>
-              <a:prstGeom prst="line">
-                <a:avLst/>
-              </a:prstGeom>
-              <a:ln w="19050">
-                <a:solidFill>
-                  <a:schemeClr val="tx1"/>
-                </a:solidFill>
-              </a:ln>
-            </p:spPr>
-            <p:style>
-              <a:lnRef idx="1">
-                <a:schemeClr val="accent1"/>
-              </a:lnRef>
-              <a:fillRef idx="0">
-                <a:schemeClr val="accent1"/>
-              </a:fillRef>
-              <a:effectRef idx="0">
-                <a:schemeClr val="accent1"/>
-              </a:effectRef>
-              <a:fontRef idx="minor">
-                <a:schemeClr val="tx1"/>
-              </a:fontRef>
-            </p:style>
-          </p:cxnSp>
-        </p:grpSp>
-        <p:grpSp>
-          <p:nvGrpSpPr>
-            <p:cNvPr id="55" name="Group 54"/>
-            <p:cNvGrpSpPr/>
-            <p:nvPr/>
-          </p:nvGrpSpPr>
-          <p:grpSpPr>
-            <a:xfrm>
-              <a:off x="5408199" y="2963447"/>
-              <a:ext cx="230601" cy="331199"/>
-              <a:chOff x="5540558" y="1752600"/>
-              <a:chExt cx="230601" cy="331199"/>
-            </a:xfrm>
-          </p:grpSpPr>
-          <p:sp>
-            <p:nvSpPr>
-              <p:cNvPr id="56" name="Rectangle 55"/>
-              <p:cNvSpPr/>
-              <p:nvPr/>
-            </p:nvSpPr>
-            <p:spPr>
-              <a:xfrm>
-                <a:off x="5641313" y="1752600"/>
-                <a:ext cx="129846" cy="331199"/>
-              </a:xfrm>
-              <a:prstGeom prst="rect">
-                <a:avLst/>
-              </a:prstGeom>
-              <a:solidFill>
-                <a:srgbClr val="F79646">
-                  <a:lumMod val="40000"/>
-                  <a:lumOff val="60000"/>
-                </a:srgbClr>
-              </a:solidFill>
-              <a:ln w="19050" cap="flat" cmpd="sng" algn="ctr">
-                <a:solidFill>
-                  <a:sysClr val="windowText" lastClr="000000"/>
-                </a:solidFill>
-                <a:prstDash val="solid"/>
-              </a:ln>
-              <a:effectLst/>
-            </p:spPr>
-            <p:txBody>
-              <a:bodyPr rtlCol="0" anchor="ctr"/>
-              <a:lstStyle/>
-              <a:p>
-                <a:pPr marL="0" marR="0" lvl="0" indent="0" algn="ctr" defTabSz="914400" eaLnBrk="1" fontAlgn="auto" latinLnBrk="0" hangingPunct="1">
-                  <a:lnSpc>
-                    <a:spcPct val="100000"/>
-                  </a:lnSpc>
-                  <a:spcBef>
-                    <a:spcPts val="0"/>
-                  </a:spcBef>
-                  <a:spcAft>
-                    <a:spcPts val="0"/>
-                  </a:spcAft>
-                  <a:buClrTx/>
-                  <a:buSzTx/>
-                  <a:buFontTx/>
-                  <a:buNone/>
-                  <a:tabLst/>
-                  <a:defRPr/>
-                </a:pPr>
-                <a:endParaRPr kumimoji="0" lang="en-US" sz="2000" b="1" i="0" u="none" strike="noStrike" kern="0" cap="none" spc="0" normalizeH="0" baseline="0" noProof="0" dirty="0" smtClean="0">
-                  <a:ln>
-                    <a:noFill/>
-                  </a:ln>
-                  <a:solidFill>
-                    <a:prstClr val="black"/>
-                  </a:solidFill>
-                  <a:effectLst/>
-                  <a:uLnTx/>
-                  <a:uFillTx/>
-                </a:endParaRPr>
-              </a:p>
-            </p:txBody>
-          </p:sp>
-          <p:cxnSp>
-            <p:nvCxnSpPr>
-              <p:cNvPr id="57" name="Straight Connector 56"/>
-              <p:cNvCxnSpPr>
-                <a:stCxn id="56" idx="0"/>
-              </p:cNvCxnSpPr>
-              <p:nvPr/>
-            </p:nvCxnSpPr>
-            <p:spPr>
-              <a:xfrm flipH="1">
-                <a:off x="5540558" y="1752600"/>
-                <a:ext cx="165678" cy="0"/>
-              </a:xfrm>
-              <a:prstGeom prst="line">
-                <a:avLst/>
-              </a:prstGeom>
-              <a:ln w="19050">
-                <a:solidFill>
-                  <a:schemeClr val="tx1"/>
-                </a:solidFill>
-              </a:ln>
-            </p:spPr>
-            <p:style>
-              <a:lnRef idx="1">
-                <a:schemeClr val="accent1"/>
-              </a:lnRef>
-              <a:fillRef idx="0">
-                <a:schemeClr val="accent1"/>
-              </a:fillRef>
-              <a:effectRef idx="0">
-                <a:schemeClr val="accent1"/>
-              </a:effectRef>
-              <a:fontRef idx="minor">
-                <a:schemeClr val="tx1"/>
-              </a:fontRef>
-            </p:style>
-          </p:cxnSp>
-          <p:cxnSp>
-            <p:nvCxnSpPr>
-              <p:cNvPr id="58" name="Straight Connector 57"/>
-              <p:cNvCxnSpPr>
-                <a:stCxn id="56" idx="2"/>
-              </p:cNvCxnSpPr>
-              <p:nvPr/>
-            </p:nvCxnSpPr>
-            <p:spPr>
-              <a:xfrm flipH="1">
-                <a:off x="5541801" y="2083799"/>
-                <a:ext cx="164435" cy="0"/>
-              </a:xfrm>
-              <a:prstGeom prst="line">
-                <a:avLst/>
-              </a:prstGeom>
-              <a:ln w="19050">
-                <a:solidFill>
-                  <a:schemeClr val="tx1"/>
-                </a:solidFill>
-              </a:ln>
-            </p:spPr>
-            <p:style>
-              <a:lnRef idx="1">
-                <a:schemeClr val="accent1"/>
-              </a:lnRef>
-              <a:fillRef idx="0">
-                <a:schemeClr val="accent1"/>
-              </a:fillRef>
-              <a:effectRef idx="0">
-                <a:schemeClr val="accent1"/>
-              </a:effectRef>
-              <a:fontRef idx="minor">
-                <a:schemeClr val="tx1"/>
-              </a:fontRef>
-            </p:style>
-          </p:cxnSp>
-        </p:grpSp>
-        <p:grpSp>
-          <p:nvGrpSpPr>
             <p:cNvPr id="61" name="Group 60"/>
             <p:cNvGrpSpPr/>
             <p:nvPr/>
           </p:nvGrpSpPr>
           <p:grpSpPr>
             <a:xfrm>
-              <a:off x="7279733" y="2963446"/>
+              <a:off x="7508333" y="2963446"/>
               <a:ext cx="230601" cy="331199"/>
               <a:chOff x="5540558" y="1752600"/>
               <a:chExt cx="230601" cy="331199"/>
@@ -37173,7 +36950,7 @@
           </p:nvGrpSpPr>
           <p:grpSpPr>
             <a:xfrm>
-              <a:off x="9344009" y="2963446"/>
+              <a:off x="9572609" y="2963446"/>
               <a:ext cx="230601" cy="331199"/>
               <a:chOff x="5540558" y="1752600"/>
               <a:chExt cx="230601" cy="331199"/>
@@ -37325,7 +37102,7 @@
           </p:nvSpPr>
           <p:spPr>
             <a:xfrm>
-              <a:off x="9806640" y="3734370"/>
+              <a:off x="10035240" y="3716209"/>
               <a:ext cx="1851960" cy="331199"/>
             </a:xfrm>
             <a:prstGeom prst="rect">
@@ -37391,7 +37168,7 @@
           </p:nvSpPr>
           <p:spPr>
             <a:xfrm>
-              <a:off x="1219200" y="2228546"/>
+              <a:off x="932329" y="2220502"/>
               <a:ext cx="1628074" cy="400110"/>
             </a:xfrm>
             <a:prstGeom prst="rect">
@@ -37563,6 +37340,370 @@
             </a:fontRef>
           </p:style>
         </p:cxnSp>
+        <p:grpSp>
+          <p:nvGrpSpPr>
+            <p:cNvPr id="52" name="Group 51"/>
+            <p:cNvGrpSpPr/>
+            <p:nvPr/>
+          </p:nvGrpSpPr>
+          <p:grpSpPr>
+            <a:xfrm>
+              <a:off x="3163325" y="2946888"/>
+              <a:ext cx="502858" cy="364319"/>
+              <a:chOff x="5593328" y="1752600"/>
+              <a:chExt cx="177831" cy="331199"/>
+            </a:xfrm>
+          </p:grpSpPr>
+          <p:sp>
+            <p:nvSpPr>
+              <p:cNvPr id="53" name="Rectangle 52"/>
+              <p:cNvSpPr/>
+              <p:nvPr/>
+            </p:nvSpPr>
+            <p:spPr>
+              <a:xfrm>
+                <a:off x="5641313" y="1752600"/>
+                <a:ext cx="129846" cy="331199"/>
+              </a:xfrm>
+              <a:prstGeom prst="rect">
+                <a:avLst/>
+              </a:prstGeom>
+              <a:solidFill>
+                <a:srgbClr val="F79646">
+                  <a:lumMod val="40000"/>
+                  <a:lumOff val="60000"/>
+                </a:srgbClr>
+              </a:solidFill>
+              <a:ln w="19050" cap="flat" cmpd="sng" algn="ctr">
+                <a:solidFill>
+                  <a:sysClr val="windowText" lastClr="000000"/>
+                </a:solidFill>
+                <a:prstDash val="solid"/>
+              </a:ln>
+              <a:effectLst/>
+            </p:spPr>
+            <p:txBody>
+              <a:bodyPr rtlCol="0" anchor="ctr"/>
+              <a:lstStyle/>
+              <a:p>
+                <a:pPr marL="0" marR="0" lvl="0" indent="0" algn="ctr" defTabSz="914400" eaLnBrk="1" fontAlgn="auto" latinLnBrk="0" hangingPunct="1">
+                  <a:lnSpc>
+                    <a:spcPct val="100000"/>
+                  </a:lnSpc>
+                  <a:spcBef>
+                    <a:spcPts val="0"/>
+                  </a:spcBef>
+                  <a:spcAft>
+                    <a:spcPts val="0"/>
+                  </a:spcAft>
+                  <a:buClrTx/>
+                  <a:buSzTx/>
+                  <a:buFontTx/>
+                  <a:buNone/>
+                  <a:tabLst/>
+                  <a:defRPr/>
+                </a:pPr>
+                <a:endParaRPr kumimoji="0" lang="en-US" sz="2000" b="1" i="0" u="none" strike="noStrike" kern="0" cap="none" spc="0" normalizeH="0" baseline="0" noProof="0" dirty="0" smtClean="0">
+                  <a:ln>
+                    <a:noFill/>
+                  </a:ln>
+                  <a:solidFill>
+                    <a:prstClr val="black"/>
+                  </a:solidFill>
+                  <a:effectLst/>
+                  <a:uLnTx/>
+                  <a:uFillTx/>
+                </a:endParaRPr>
+              </a:p>
+            </p:txBody>
+          </p:sp>
+          <p:cxnSp>
+            <p:nvCxnSpPr>
+              <p:cNvPr id="54" name="Straight Connector 53"/>
+              <p:cNvCxnSpPr>
+                <a:stCxn id="53" idx="0"/>
+              </p:cNvCxnSpPr>
+              <p:nvPr/>
+            </p:nvCxnSpPr>
+            <p:spPr>
+              <a:xfrm flipH="1">
+                <a:off x="5593328" y="1752600"/>
+                <a:ext cx="112908" cy="0"/>
+              </a:xfrm>
+              <a:prstGeom prst="line">
+                <a:avLst/>
+              </a:prstGeom>
+              <a:ln w="19050">
+                <a:solidFill>
+                  <a:schemeClr val="tx1"/>
+                </a:solidFill>
+              </a:ln>
+            </p:spPr>
+            <p:style>
+              <a:lnRef idx="1">
+                <a:schemeClr val="accent1"/>
+              </a:lnRef>
+              <a:fillRef idx="0">
+                <a:schemeClr val="accent1"/>
+              </a:fillRef>
+              <a:effectRef idx="0">
+                <a:schemeClr val="accent1"/>
+              </a:effectRef>
+              <a:fontRef idx="minor">
+                <a:schemeClr val="tx1"/>
+              </a:fontRef>
+            </p:style>
+          </p:cxnSp>
+          <p:cxnSp>
+            <p:nvCxnSpPr>
+              <p:cNvPr id="59" name="Straight Connector 58"/>
+              <p:cNvCxnSpPr>
+                <a:stCxn id="53" idx="2"/>
+              </p:cNvCxnSpPr>
+              <p:nvPr/>
+            </p:nvCxnSpPr>
+            <p:spPr>
+              <a:xfrm flipH="1">
+                <a:off x="5593328" y="2083799"/>
+                <a:ext cx="112908" cy="0"/>
+              </a:xfrm>
+              <a:prstGeom prst="line">
+                <a:avLst/>
+              </a:prstGeom>
+              <a:ln w="19050">
+                <a:solidFill>
+                  <a:schemeClr val="tx1"/>
+                </a:solidFill>
+              </a:ln>
+            </p:spPr>
+            <p:style>
+              <a:lnRef idx="1">
+                <a:schemeClr val="accent1"/>
+              </a:lnRef>
+              <a:fillRef idx="0">
+                <a:schemeClr val="accent1"/>
+              </a:fillRef>
+              <a:effectRef idx="0">
+                <a:schemeClr val="accent1"/>
+              </a:effectRef>
+              <a:fontRef idx="minor">
+                <a:schemeClr val="tx1"/>
+              </a:fontRef>
+            </p:style>
+          </p:cxnSp>
+        </p:grpSp>
+        <p:sp>
+          <p:nvSpPr>
+            <p:cNvPr id="33" name="TextBox 32"/>
+            <p:cNvSpPr txBox="1"/>
+            <p:nvPr/>
+          </p:nvSpPr>
+          <p:spPr>
+            <a:xfrm>
+              <a:off x="3234993" y="2924144"/>
+              <a:ext cx="490840" cy="400110"/>
+            </a:xfrm>
+            <a:prstGeom prst="rect">
+              <a:avLst/>
+            </a:prstGeom>
+            <a:noFill/>
+          </p:spPr>
+          <p:txBody>
+            <a:bodyPr wrap="none" rtlCol="0">
+              <a:spAutoFit/>
+            </a:bodyPr>
+            <a:lstStyle/>
+            <a:p>
+              <a:r>
+                <a:rPr lang="en-US" sz="2000" b="1" dirty="0" smtClean="0"/>
+                <a:t>Q1</a:t>
+              </a:r>
+              <a:endParaRPr lang="en-US" sz="2000" b="1" dirty="0"/>
+            </a:p>
+          </p:txBody>
+        </p:sp>
+        <p:grpSp>
+          <p:nvGrpSpPr>
+            <p:cNvPr id="88" name="Group 87"/>
+            <p:cNvGrpSpPr/>
+            <p:nvPr/>
+          </p:nvGrpSpPr>
+          <p:grpSpPr>
+            <a:xfrm>
+              <a:off x="5361470" y="2946888"/>
+              <a:ext cx="502858" cy="364319"/>
+              <a:chOff x="5593328" y="1752600"/>
+              <a:chExt cx="177831" cy="331199"/>
+            </a:xfrm>
+          </p:grpSpPr>
+          <p:sp>
+            <p:nvSpPr>
+              <p:cNvPr id="89" name="Rectangle 88"/>
+              <p:cNvSpPr/>
+              <p:nvPr/>
+            </p:nvSpPr>
+            <p:spPr>
+              <a:xfrm>
+                <a:off x="5641313" y="1752600"/>
+                <a:ext cx="129846" cy="331199"/>
+              </a:xfrm>
+              <a:prstGeom prst="rect">
+                <a:avLst/>
+              </a:prstGeom>
+              <a:solidFill>
+                <a:srgbClr val="F79646">
+                  <a:lumMod val="40000"/>
+                  <a:lumOff val="60000"/>
+                </a:srgbClr>
+              </a:solidFill>
+              <a:ln w="19050" cap="flat" cmpd="sng" algn="ctr">
+                <a:solidFill>
+                  <a:sysClr val="windowText" lastClr="000000"/>
+                </a:solidFill>
+                <a:prstDash val="solid"/>
+              </a:ln>
+              <a:effectLst/>
+            </p:spPr>
+            <p:txBody>
+              <a:bodyPr rtlCol="0" anchor="ctr"/>
+              <a:lstStyle/>
+              <a:p>
+                <a:pPr marL="0" marR="0" lvl="0" indent="0" algn="ctr" defTabSz="914400" eaLnBrk="1" fontAlgn="auto" latinLnBrk="0" hangingPunct="1">
+                  <a:lnSpc>
+                    <a:spcPct val="100000"/>
+                  </a:lnSpc>
+                  <a:spcBef>
+                    <a:spcPts val="0"/>
+                  </a:spcBef>
+                  <a:spcAft>
+                    <a:spcPts val="0"/>
+                  </a:spcAft>
+                  <a:buClrTx/>
+                  <a:buSzTx/>
+                  <a:buFontTx/>
+                  <a:buNone/>
+                  <a:tabLst/>
+                  <a:defRPr/>
+                </a:pPr>
+                <a:endParaRPr kumimoji="0" lang="en-US" sz="2000" b="1" i="0" u="none" strike="noStrike" kern="0" cap="none" spc="0" normalizeH="0" baseline="0" noProof="0" dirty="0" smtClean="0">
+                  <a:ln>
+                    <a:noFill/>
+                  </a:ln>
+                  <a:solidFill>
+                    <a:prstClr val="black"/>
+                  </a:solidFill>
+                  <a:effectLst/>
+                  <a:uLnTx/>
+                  <a:uFillTx/>
+                </a:endParaRPr>
+              </a:p>
+            </p:txBody>
+          </p:sp>
+          <p:cxnSp>
+            <p:nvCxnSpPr>
+              <p:cNvPr id="90" name="Straight Connector 89"/>
+              <p:cNvCxnSpPr>
+                <a:stCxn id="89" idx="0"/>
+              </p:cNvCxnSpPr>
+              <p:nvPr/>
+            </p:nvCxnSpPr>
+            <p:spPr>
+              <a:xfrm flipH="1">
+                <a:off x="5593328" y="1752600"/>
+                <a:ext cx="112908" cy="0"/>
+              </a:xfrm>
+              <a:prstGeom prst="line">
+                <a:avLst/>
+              </a:prstGeom>
+              <a:ln w="19050">
+                <a:solidFill>
+                  <a:schemeClr val="tx1"/>
+                </a:solidFill>
+              </a:ln>
+            </p:spPr>
+            <p:style>
+              <a:lnRef idx="1">
+                <a:schemeClr val="accent1"/>
+              </a:lnRef>
+              <a:fillRef idx="0">
+                <a:schemeClr val="accent1"/>
+              </a:fillRef>
+              <a:effectRef idx="0">
+                <a:schemeClr val="accent1"/>
+              </a:effectRef>
+              <a:fontRef idx="minor">
+                <a:schemeClr val="tx1"/>
+              </a:fontRef>
+            </p:style>
+          </p:cxnSp>
+          <p:cxnSp>
+            <p:nvCxnSpPr>
+              <p:cNvPr id="91" name="Straight Connector 90"/>
+              <p:cNvCxnSpPr>
+                <a:stCxn id="89" idx="2"/>
+              </p:cNvCxnSpPr>
+              <p:nvPr/>
+            </p:nvCxnSpPr>
+            <p:spPr>
+              <a:xfrm flipH="1">
+                <a:off x="5593328" y="2083799"/>
+                <a:ext cx="112908" cy="0"/>
+              </a:xfrm>
+              <a:prstGeom prst="line">
+                <a:avLst/>
+              </a:prstGeom>
+              <a:ln w="19050">
+                <a:solidFill>
+                  <a:schemeClr val="tx1"/>
+                </a:solidFill>
+              </a:ln>
+            </p:spPr>
+            <p:style>
+              <a:lnRef idx="1">
+                <a:schemeClr val="accent1"/>
+              </a:lnRef>
+              <a:fillRef idx="0">
+                <a:schemeClr val="accent1"/>
+              </a:fillRef>
+              <a:effectRef idx="0">
+                <a:schemeClr val="accent1"/>
+              </a:effectRef>
+              <a:fontRef idx="minor">
+                <a:schemeClr val="tx1"/>
+              </a:fontRef>
+            </p:style>
+          </p:cxnSp>
+        </p:grpSp>
+        <p:sp>
+          <p:nvSpPr>
+            <p:cNvPr id="92" name="TextBox 91"/>
+            <p:cNvSpPr txBox="1"/>
+            <p:nvPr/>
+          </p:nvSpPr>
+          <p:spPr>
+            <a:xfrm>
+              <a:off x="5437955" y="2933037"/>
+              <a:ext cx="490840" cy="400110"/>
+            </a:xfrm>
+            <a:prstGeom prst="rect">
+              <a:avLst/>
+            </a:prstGeom>
+            <a:noFill/>
+          </p:spPr>
+          <p:txBody>
+            <a:bodyPr wrap="none" rtlCol="0">
+              <a:spAutoFit/>
+            </a:bodyPr>
+            <a:lstStyle/>
+            <a:p>
+              <a:r>
+                <a:rPr lang="en-US" sz="2000" b="1" dirty="0" smtClean="0"/>
+                <a:t>Q2</a:t>
+              </a:r>
+              <a:endParaRPr lang="en-US" sz="2000" b="1" dirty="0"/>
+            </a:p>
+          </p:txBody>
+        </p:sp>
       </p:grpSp>
     </p:spTree>
     <p:extLst>
